--- a/Trilhas/[Iniciante em Programação T5 - ONE]/Material/05.HTML5_e_CSS3-parte_3.pptx
+++ b/Trilhas/[Iniciante em Programação T5 - ONE]/Material/05.HTML5_e_CSS3-parte_3.pptx
@@ -5,10 +5,10 @@
     <p:sldMasterId id="2147483660" r:id="rId1"/>
   </p:sldMasterIdLst>
   <p:notesMasterIdLst>
-    <p:notesMasterId r:id="rId13"/>
+    <p:notesMasterId r:id="rId15"/>
   </p:notesMasterIdLst>
   <p:handoutMasterIdLst>
-    <p:handoutMasterId r:id="rId14"/>
+    <p:handoutMasterId r:id="rId16"/>
   </p:handoutMasterIdLst>
   <p:sldIdLst>
     <p:sldId id="256" r:id="rId2"/>
@@ -21,7 +21,9 @@
     <p:sldId id="293" r:id="rId9"/>
     <p:sldId id="294" r:id="rId10"/>
     <p:sldId id="295" r:id="rId11"/>
-    <p:sldId id="287" r:id="rId12"/>
+    <p:sldId id="296" r:id="rId12"/>
+    <p:sldId id="297" r:id="rId13"/>
+    <p:sldId id="298" r:id="rId14"/>
   </p:sldIdLst>
   <p:sldSz cx="12192000" cy="6858000"/>
   <p:notesSz cx="6858000" cy="9144000"/>
@@ -135,7 +137,9 @@
             <p14:sldId id="293"/>
             <p14:sldId id="294"/>
             <p14:sldId id="295"/>
-            <p14:sldId id="287"/>
+            <p14:sldId id="296"/>
+            <p14:sldId id="297"/>
+            <p14:sldId id="298"/>
           </p14:sldIdLst>
         </p14:section>
       </p14:sectionLst>
@@ -251,7 +255,7 @@
             <a:pPr rtl="0"/>
             <a:fld id="{12E8EFE0-5F29-4A8F-882F-2C5E3702D946}" type="datetime1">
               <a:rPr lang="pt-BR" smtClean="0"/>
-              <a:t>10/05/2023</a:t>
+              <a:t>11/05/2023</a:t>
             </a:fld>
             <a:endParaRPr lang="pt-BR"/>
           </a:p>
@@ -421,7 +425,7 @@
             <a:fld id="{25C915AE-A572-46FB-8F05-B028884B90C4}" type="datetime1">
               <a:rPr lang="pt-BR" smtClean="0"/>
               <a:pPr/>
-              <a:t>10/05/2023</a:t>
+              <a:t>11/05/2023</a:t>
             </a:fld>
             <a:endParaRPr lang="pt-BR" dirty="0"/>
           </a:p>
@@ -1221,7 +1225,7 @@
             <a:pPr rtl="0"/>
             <a:fld id="{DFFABA16-A60E-4C58-9DC9-284576B05B35}" type="datetime1">
               <a:rPr lang="pt-BR" noProof="0" smtClean="0"/>
-              <a:t>10/05/2023</a:t>
+              <a:t>11/05/2023</a:t>
             </a:fld>
             <a:endParaRPr lang="pt-BR" noProof="0"/>
           </a:p>
@@ -1847,7 +1851,7 @@
             <a:pPr rtl="0"/>
             <a:fld id="{495CCA5C-24EB-4738-B463-0ADFEF5D3564}" type="datetime1">
               <a:rPr lang="pt-BR" noProof="0" smtClean="0"/>
-              <a:t>10/05/2023</a:t>
+              <a:t>11/05/2023</a:t>
             </a:fld>
             <a:endParaRPr lang="pt-BR" noProof="0" dirty="0"/>
           </a:p>
@@ -2456,10 +2460,450 @@
             <p:ph sz="quarter" idx="10"/>
           </p:nvPr>
         </p:nvSpPr>
-        <p:spPr/>
+        <p:spPr>
+          <a:xfrm>
+            <a:off x="539496" y="1435608"/>
+            <a:ext cx="8378362" cy="5122508"/>
+          </a:xfrm>
+        </p:spPr>
         <p:txBody>
-          <a:bodyPr/>
+          <a:bodyPr>
+            <a:normAutofit/>
+          </a:bodyPr>
           <a:lstStyle/>
+          <a:p>
+            <a:r>
+              <a:rPr lang="pt-BR" dirty="0"/>
+              <a:t>No CSS, quando criamos uma configuração específica para um elemento e queremos replicar a mesma configuração para outro elemento, usamos a vírgula. </a:t>
+            </a:r>
+          </a:p>
+          <a:p>
+            <a:r>
+              <a:rPr lang="pt-BR" b="1" dirty="0" err="1">
+                <a:solidFill>
+                  <a:srgbClr val="7030A0"/>
+                </a:solidFill>
+              </a:rPr>
+              <a:t>form</a:t>
+            </a:r>
+            <a:r>
+              <a:rPr lang="pt-BR" b="1" dirty="0">
+                <a:solidFill>
+                  <a:srgbClr val="7030A0"/>
+                </a:solidFill>
+              </a:rPr>
+              <a:t> input</a:t>
+            </a:r>
+            <a:r>
+              <a:rPr lang="pt-BR" dirty="0"/>
+              <a:t>,</a:t>
+            </a:r>
+            <a:br>
+              <a:rPr lang="pt-BR" dirty="0"/>
+            </a:br>
+            <a:r>
+              <a:rPr lang="pt-BR" b="1" dirty="0" err="1">
+                <a:solidFill>
+                  <a:srgbClr val="7030A0"/>
+                </a:solidFill>
+              </a:rPr>
+              <a:t>form</a:t>
+            </a:r>
+            <a:r>
+              <a:rPr lang="pt-BR" b="1" dirty="0">
+                <a:solidFill>
+                  <a:srgbClr val="7030A0"/>
+                </a:solidFill>
+              </a:rPr>
+              <a:t> </a:t>
+            </a:r>
+            <a:r>
+              <a:rPr lang="pt-BR" b="1" dirty="0" err="1">
+                <a:solidFill>
+                  <a:srgbClr val="7030A0"/>
+                </a:solidFill>
+              </a:rPr>
+              <a:t>textarea</a:t>
+            </a:r>
+            <a:r>
+              <a:rPr lang="pt-BR" b="1" dirty="0">
+                <a:solidFill>
+                  <a:srgbClr val="7030A0"/>
+                </a:solidFill>
+              </a:rPr>
+              <a:t> </a:t>
+            </a:r>
+            <a:r>
+              <a:rPr lang="pt-BR" dirty="0"/>
+              <a:t>{</a:t>
+            </a:r>
+            <a:br>
+              <a:rPr lang="pt-BR" dirty="0"/>
+            </a:br>
+            <a:r>
+              <a:rPr lang="pt-BR" dirty="0"/>
+              <a:t>    display: </a:t>
+            </a:r>
+            <a:r>
+              <a:rPr lang="pt-BR" b="1" dirty="0" err="1">
+                <a:solidFill>
+                  <a:srgbClr val="7030A0"/>
+                </a:solidFill>
+              </a:rPr>
+              <a:t>block</a:t>
+            </a:r>
+            <a:r>
+              <a:rPr lang="pt-BR" dirty="0"/>
+              <a:t>;</a:t>
+            </a:r>
+            <a:br>
+              <a:rPr lang="pt-BR" dirty="0"/>
+            </a:br>
+            <a:r>
+              <a:rPr lang="pt-BR" dirty="0"/>
+              <a:t>    </a:t>
+            </a:r>
+            <a:r>
+              <a:rPr lang="pt-BR" dirty="0" err="1"/>
+              <a:t>margin</a:t>
+            </a:r>
+            <a:r>
+              <a:rPr lang="pt-BR" dirty="0"/>
+              <a:t>: </a:t>
+            </a:r>
+            <a:r>
+              <a:rPr lang="pt-BR" b="1" dirty="0">
+                <a:solidFill>
+                  <a:schemeClr val="accent1"/>
+                </a:solidFill>
+              </a:rPr>
+              <a:t>0 0 20px</a:t>
+            </a:r>
+            <a:r>
+              <a:rPr lang="pt-BR" dirty="0"/>
+              <a:t>;</a:t>
+            </a:r>
+            <a:br>
+              <a:rPr lang="pt-BR" dirty="0"/>
+            </a:br>
+            <a:r>
+              <a:rPr lang="pt-BR" dirty="0"/>
+              <a:t>    </a:t>
+            </a:r>
+            <a:r>
+              <a:rPr lang="pt-BR" dirty="0" err="1"/>
+              <a:t>padding</a:t>
+            </a:r>
+            <a:r>
+              <a:rPr lang="pt-BR" dirty="0"/>
+              <a:t>: </a:t>
+            </a:r>
+            <a:r>
+              <a:rPr lang="pt-BR" b="1" dirty="0">
+                <a:solidFill>
+                  <a:schemeClr val="accent1"/>
+                </a:solidFill>
+              </a:rPr>
+              <a:t>10px 25px</a:t>
+            </a:r>
+            <a:r>
+              <a:rPr lang="pt-BR" dirty="0"/>
+              <a:t>;</a:t>
+            </a:r>
+            <a:br>
+              <a:rPr lang="pt-BR" dirty="0"/>
+            </a:br>
+            <a:r>
+              <a:rPr lang="pt-BR" dirty="0"/>
+              <a:t>    </a:t>
+            </a:r>
+            <a:r>
+              <a:rPr lang="pt-BR" dirty="0" err="1"/>
+              <a:t>width</a:t>
+            </a:r>
+            <a:r>
+              <a:rPr lang="pt-BR" dirty="0"/>
+              <a:t>: </a:t>
+            </a:r>
+            <a:r>
+              <a:rPr lang="pt-BR" b="1" dirty="0">
+                <a:solidFill>
+                  <a:schemeClr val="accent1"/>
+                </a:solidFill>
+              </a:rPr>
+              <a:t>50%;</a:t>
+            </a:r>
+            <a:br>
+              <a:rPr lang="pt-BR" dirty="0"/>
+            </a:br>
+            <a:r>
+              <a:rPr lang="pt-BR" dirty="0"/>
+              <a:t>}</a:t>
+            </a:r>
+          </a:p>
+          <a:p>
+            <a:r>
+              <a:rPr lang="pt-BR" dirty="0"/>
+              <a:t>O </a:t>
+            </a:r>
+            <a:r>
+              <a:rPr lang="pt-BR" dirty="0" err="1">
+                <a:solidFill>
+                  <a:srgbClr val="7030A0"/>
+                </a:solidFill>
+              </a:rPr>
+              <a:t>textarea</a:t>
+            </a:r>
+            <a:r>
+              <a:rPr lang="pt-BR" dirty="0">
+                <a:solidFill>
+                  <a:srgbClr val="7030A0"/>
+                </a:solidFill>
+              </a:rPr>
+              <a:t> </a:t>
+            </a:r>
+            <a:r>
+              <a:rPr lang="pt-BR" dirty="0"/>
+              <a:t>e o </a:t>
+            </a:r>
+            <a:r>
+              <a:rPr lang="pt-BR" dirty="0">
+                <a:solidFill>
+                  <a:srgbClr val="7030A0"/>
+                </a:solidFill>
+              </a:rPr>
+              <a:t>input</a:t>
+            </a:r>
+            <a:r>
+              <a:rPr lang="pt-BR" dirty="0"/>
+              <a:t> agora têm as mesmas configurações de espaçamento interno, espaçamento externo, de largura e de visualização do tipo de display.</a:t>
+            </a:r>
+          </a:p>
+          <a:p>
+            <a:r>
+              <a:rPr lang="en-US" dirty="0" err="1"/>
+              <a:t>Colocando</a:t>
+            </a:r>
+            <a:r>
+              <a:rPr lang="en-US" dirty="0"/>
+              <a:t> o </a:t>
+            </a:r>
+            <a:r>
+              <a:rPr lang="en-US" dirty="0">
+                <a:solidFill>
+                  <a:srgbClr val="7030A0"/>
+                </a:solidFill>
+              </a:rPr>
+              <a:t>input</a:t>
+            </a:r>
+            <a:r>
+              <a:rPr lang="en-US" dirty="0"/>
+              <a:t> </a:t>
+            </a:r>
+            <a:r>
+              <a:rPr lang="en-US" dirty="0" err="1"/>
+              <a:t>dentro</a:t>
+            </a:r>
+            <a:r>
+              <a:rPr lang="en-US" dirty="0"/>
+              <a:t> do </a:t>
+            </a:r>
+            <a:r>
+              <a:rPr lang="en-US" dirty="0">
+                <a:solidFill>
+                  <a:srgbClr val="7030A0"/>
+                </a:solidFill>
+              </a:rPr>
+              <a:t>label</a:t>
+            </a:r>
+            <a:r>
+              <a:rPr lang="en-US" dirty="0"/>
+              <a:t>: </a:t>
+            </a:r>
+          </a:p>
+          <a:p>
+            <a:r>
+              <a:rPr lang="en-US" dirty="0"/>
+              <a:t>&lt;</a:t>
+            </a:r>
+            <a:r>
+              <a:rPr lang="en-US" b="1" dirty="0">
+                <a:solidFill>
+                  <a:srgbClr val="7030A0"/>
+                </a:solidFill>
+              </a:rPr>
+              <a:t>label</a:t>
+            </a:r>
+            <a:r>
+              <a:rPr lang="en-US" dirty="0"/>
+              <a:t> </a:t>
+            </a:r>
+            <a:r>
+              <a:rPr lang="en-US" b="1" dirty="0">
+                <a:solidFill>
+                  <a:schemeClr val="accent4">
+                    <a:lumMod val="75000"/>
+                  </a:schemeClr>
+                </a:solidFill>
+              </a:rPr>
+              <a:t>for</a:t>
+            </a:r>
+            <a:r>
+              <a:rPr lang="en-US" dirty="0"/>
+              <a:t>=</a:t>
+            </a:r>
+            <a:r>
+              <a:rPr lang="en-US" b="1" dirty="0">
+                <a:solidFill>
+                  <a:schemeClr val="accent6"/>
+                </a:solidFill>
+              </a:rPr>
+              <a:t>"radio-email“</a:t>
+            </a:r>
+            <a:r>
+              <a:rPr lang="en-US" dirty="0"/>
+              <a:t>&gt;&lt;</a:t>
+            </a:r>
+            <a:r>
+              <a:rPr lang="en-US" b="1" dirty="0">
+                <a:solidFill>
+                  <a:srgbClr val="7030A0"/>
+                </a:solidFill>
+              </a:rPr>
+              <a:t>input</a:t>
+            </a:r>
+            <a:r>
+              <a:rPr lang="en-US" dirty="0"/>
+              <a:t> </a:t>
+            </a:r>
+            <a:r>
+              <a:rPr lang="en-US" b="1" dirty="0">
+                <a:solidFill>
+                  <a:schemeClr val="accent4">
+                    <a:lumMod val="75000"/>
+                  </a:schemeClr>
+                </a:solidFill>
+              </a:rPr>
+              <a:t>type</a:t>
+            </a:r>
+            <a:r>
+              <a:rPr lang="en-US" dirty="0"/>
+              <a:t>=</a:t>
+            </a:r>
+            <a:r>
+              <a:rPr lang="en-US" b="1" dirty="0">
+                <a:solidFill>
+                  <a:schemeClr val="accent6"/>
+                </a:solidFill>
+              </a:rPr>
+              <a:t>"radio" </a:t>
+            </a:r>
+            <a:r>
+              <a:rPr lang="en-US" b="1" dirty="0">
+                <a:solidFill>
+                  <a:schemeClr val="accent4">
+                    <a:lumMod val="75000"/>
+                  </a:schemeClr>
+                </a:solidFill>
+              </a:rPr>
+              <a:t>name</a:t>
+            </a:r>
+            <a:r>
+              <a:rPr lang="en-US" dirty="0"/>
+              <a:t>=</a:t>
+            </a:r>
+            <a:r>
+              <a:rPr lang="en-US" b="1" dirty="0">
+                <a:solidFill>
+                  <a:schemeClr val="accent6"/>
+                </a:solidFill>
+              </a:rPr>
+              <a:t>"</a:t>
+            </a:r>
+            <a:r>
+              <a:rPr lang="en-US" b="1" dirty="0" err="1">
+                <a:solidFill>
+                  <a:schemeClr val="accent6"/>
+                </a:solidFill>
+              </a:rPr>
+              <a:t>contato</a:t>
+            </a:r>
+            <a:r>
+              <a:rPr lang="en-US" b="1" dirty="0">
+                <a:solidFill>
+                  <a:schemeClr val="accent6"/>
+                </a:solidFill>
+              </a:rPr>
+              <a:t>" </a:t>
+            </a:r>
+            <a:r>
+              <a:rPr lang="en-US" b="1" dirty="0">
+                <a:solidFill>
+                  <a:schemeClr val="accent4">
+                    <a:lumMod val="75000"/>
+                  </a:schemeClr>
+                </a:solidFill>
+              </a:rPr>
+              <a:t>value</a:t>
+            </a:r>
+            <a:r>
+              <a:rPr lang="en-US" dirty="0"/>
+              <a:t>=</a:t>
+            </a:r>
+            <a:r>
+              <a:rPr lang="en-US" b="1" dirty="0">
+                <a:solidFill>
+                  <a:schemeClr val="accent6"/>
+                </a:solidFill>
+              </a:rPr>
+              <a:t>"email" </a:t>
+            </a:r>
+            <a:r>
+              <a:rPr lang="en-US" b="1" dirty="0">
+                <a:solidFill>
+                  <a:schemeClr val="accent4">
+                    <a:lumMod val="75000"/>
+                  </a:schemeClr>
+                </a:solidFill>
+              </a:rPr>
+              <a:t>id</a:t>
+            </a:r>
+            <a:r>
+              <a:rPr lang="en-US" dirty="0"/>
+              <a:t>=</a:t>
+            </a:r>
+            <a:r>
+              <a:rPr lang="en-US" b="1" dirty="0">
+                <a:solidFill>
+                  <a:schemeClr val="accent6"/>
+                </a:solidFill>
+              </a:rPr>
+              <a:t>"radio-email“</a:t>
+            </a:r>
+            <a:r>
+              <a:rPr lang="en-US" dirty="0"/>
+              <a:t>&gt;Email&lt;/</a:t>
+            </a:r>
+            <a:r>
+              <a:rPr lang="en-US" b="1" dirty="0">
+                <a:solidFill>
+                  <a:srgbClr val="7030A0"/>
+                </a:solidFill>
+              </a:rPr>
+              <a:t>label</a:t>
+            </a:r>
+            <a:r>
+              <a:rPr lang="en-US" dirty="0"/>
+              <a:t>&gt;</a:t>
+            </a:r>
+            <a:endParaRPr lang="pt-BR" dirty="0"/>
+          </a:p>
+          <a:p>
+            <a:endParaRPr lang="pt-BR" dirty="0"/>
+          </a:p>
+          <a:p>
+            <a:endParaRPr lang="pt-BR" dirty="0"/>
+          </a:p>
           <a:p>
             <a:endParaRPr lang="pt-BR" dirty="0"/>
           </a:p>
@@ -2500,7 +2944,7 @@
           <p:cNvPr id="2" name="Título 1">
             <a:extLst>
               <a:ext uri="{FF2B5EF4-FFF2-40B4-BE49-F238E27FC236}">
-                <a16:creationId xmlns:a16="http://schemas.microsoft.com/office/drawing/2014/main" id="{EB424036-CD91-0DC9-09CC-8E667D2E7020}"/>
+                <a16:creationId xmlns:a16="http://schemas.microsoft.com/office/drawing/2014/main" id="{4E99849B-FB1A-831F-8760-C634887D656A}"/>
               </a:ext>
             </a:extLst>
           </p:cNvPr>
@@ -2516,7 +2960,10 @@
           <a:bodyPr/>
           <a:lstStyle/>
           <a:p>
-            <a:endParaRPr lang="pt-BR"/>
+            <a:r>
+              <a:rPr lang="pt-BR" dirty="0"/>
+              <a:t>Aprendizado – Tipos de campos diferentes</a:t>
+            </a:r>
           </a:p>
         </p:txBody>
       </p:sp>
@@ -2525,7 +2972,7 @@
           <p:cNvPr id="3" name="Espaço Reservado para Conteúdo 2">
             <a:extLst>
               <a:ext uri="{FF2B5EF4-FFF2-40B4-BE49-F238E27FC236}">
-                <a16:creationId xmlns:a16="http://schemas.microsoft.com/office/drawing/2014/main" id="{D2592569-8613-8B16-FAA6-EB65CDAAD0A4}"/>
+                <a16:creationId xmlns:a16="http://schemas.microsoft.com/office/drawing/2014/main" id="{764C5324-489F-DAB6-0F9E-4BAD253A26DA}"/>
               </a:ext>
             </a:extLst>
           </p:cNvPr>
@@ -2536,21 +2983,113 @@
             <p:ph sz="quarter" idx="10"/>
           </p:nvPr>
         </p:nvSpPr>
-        <p:spPr/>
+        <p:spPr>
+          <a:xfrm>
+            <a:off x="539496" y="1435607"/>
+            <a:ext cx="4416552" cy="5171669"/>
+          </a:xfrm>
+        </p:spPr>
         <p:txBody>
-          <a:bodyPr/>
+          <a:bodyPr>
+            <a:normAutofit/>
+          </a:bodyPr>
           <a:lstStyle/>
           <a:p>
-            <a:endParaRPr lang="pt-BR"/>
+            <a:r>
+              <a:rPr lang="pt-BR" dirty="0"/>
+              <a:t>Quando temos duas </a:t>
+            </a:r>
+            <a:r>
+              <a:rPr lang="pt-BR" dirty="0" err="1"/>
+              <a:t>tags</a:t>
+            </a:r>
+            <a:r>
+              <a:rPr lang="pt-BR" dirty="0"/>
+              <a:t>, nós temos o dobro da força do seletor. Todo seletor é configurado a partir de uma força.</a:t>
+            </a:r>
+          </a:p>
+          <a:p>
+            <a:endParaRPr lang="pt-BR" dirty="0"/>
+          </a:p>
+          <a:p>
+            <a:endParaRPr lang="pt-BR" dirty="0"/>
+          </a:p>
+          <a:p>
+            <a:endParaRPr lang="pt-BR" dirty="0"/>
+          </a:p>
+          <a:p>
+            <a:endParaRPr lang="pt-BR" dirty="0"/>
+          </a:p>
+          <a:p>
+            <a:r>
+              <a:rPr lang="pt-BR" dirty="0"/>
+              <a:t>Imagine que nessas três caixas nós temos a primeira sendo o identificador, a segunda sendo a classe, e por último a </a:t>
+            </a:r>
+            <a:r>
+              <a:rPr lang="pt-BR" dirty="0" err="1"/>
+              <a:t>tag</a:t>
+            </a:r>
+            <a:r>
+              <a:rPr lang="pt-BR" dirty="0"/>
+              <a:t>.</a:t>
+            </a:r>
+          </a:p>
+          <a:p>
+            <a:r>
+              <a:rPr lang="pt-BR" b="1" dirty="0" err="1"/>
+              <a:t>Tag</a:t>
+            </a:r>
+            <a:r>
+              <a:rPr lang="pt-BR" dirty="0"/>
+              <a:t> -&gt; força </a:t>
+            </a:r>
+            <a:r>
+              <a:rPr lang="pt-BR" b="1" dirty="0"/>
+              <a:t>1</a:t>
+            </a:r>
+            <a:br>
+              <a:rPr lang="pt-BR" dirty="0"/>
+            </a:br>
+            <a:r>
+              <a:rPr lang="pt-BR" b="1" dirty="0"/>
+              <a:t>Classe</a:t>
+            </a:r>
+            <a:r>
+              <a:rPr lang="pt-BR" dirty="0"/>
+              <a:t> -&gt; força </a:t>
+            </a:r>
+            <a:r>
+              <a:rPr lang="pt-BR" b="1" dirty="0"/>
+              <a:t>10</a:t>
+            </a:r>
+            <a:br>
+              <a:rPr lang="pt-BR" dirty="0"/>
+            </a:br>
+            <a:r>
+              <a:rPr lang="pt-BR" b="1" dirty="0"/>
+              <a:t>Identificador </a:t>
+            </a:r>
+            <a:r>
+              <a:rPr lang="pt-BR" dirty="0"/>
+              <a:t>-&gt; força </a:t>
+            </a:r>
+            <a:r>
+              <a:rPr lang="pt-BR" b="1" dirty="0"/>
+              <a:t>100</a:t>
+            </a:r>
+            <a:r>
+              <a:rPr lang="pt-BR" dirty="0"/>
+              <a:t>. </a:t>
+            </a:r>
           </a:p>
         </p:txBody>
       </p:sp>
       <p:pic>
         <p:nvPicPr>
-          <p:cNvPr id="7" name="Imagem 6">
+          <p:cNvPr id="4" name="Imagem 3">
             <a:extLst>
               <a:ext uri="{FF2B5EF4-FFF2-40B4-BE49-F238E27FC236}">
-                <a16:creationId xmlns:a16="http://schemas.microsoft.com/office/drawing/2014/main" id="{5D1DAC07-F64B-5058-9B30-9EB221EDA566}"/>
+                <a16:creationId xmlns:a16="http://schemas.microsoft.com/office/drawing/2014/main" id="{680D5B2D-555B-5717-0021-13ED10ACF110}"/>
               </a:ext>
             </a:extLst>
           </p:cNvPr>
@@ -2566,8 +3105,8 @@
         </p:blipFill>
         <p:spPr>
           <a:xfrm>
-            <a:off x="5545393" y="2497393"/>
-            <a:ext cx="5899355" cy="2231923"/>
+            <a:off x="639095" y="2244212"/>
+            <a:ext cx="3891755" cy="1472381"/>
           </a:xfrm>
           <a:prstGeom prst="rect">
             <a:avLst/>
@@ -2595,10 +3134,1195 @@
           </a:sp3d>
         </p:spPr>
       </p:pic>
+      <p:sp>
+        <p:nvSpPr>
+          <p:cNvPr id="5" name="Espaço Reservado para Conteúdo 2">
+            <a:extLst>
+              <a:ext uri="{FF2B5EF4-FFF2-40B4-BE49-F238E27FC236}">
+                <a16:creationId xmlns:a16="http://schemas.microsoft.com/office/drawing/2014/main" id="{3728FD9C-3C27-3F7E-7D47-AD9C8DEBDF8F}"/>
+              </a:ext>
+            </a:extLst>
+          </p:cNvPr>
+          <p:cNvSpPr txBox="1">
+            <a:spLocks/>
+          </p:cNvSpPr>
+          <p:nvPr/>
+        </p:nvSpPr>
+        <p:spPr>
+          <a:xfrm>
+            <a:off x="6078153" y="1435606"/>
+            <a:ext cx="5750053" cy="5171669"/>
+          </a:xfrm>
+          <a:prstGeom prst="rect">
+            <a:avLst/>
+          </a:prstGeom>
+        </p:spPr>
+        <p:txBody>
+          <a:bodyPr vert="horz" lIns="91440" tIns="45720" rIns="91440" bIns="45720" rtlCol="0">
+            <a:normAutofit lnSpcReduction="10000"/>
+          </a:bodyPr>
+          <a:lstStyle>
+            <a:lvl1pPr marL="0" indent="0" algn="l" defTabSz="914400" rtl="0" eaLnBrk="1" latinLnBrk="0" hangingPunct="1">
+              <a:lnSpc>
+                <a:spcPct val="150000"/>
+              </a:lnSpc>
+              <a:spcBef>
+                <a:spcPts val="1000"/>
+              </a:spcBef>
+              <a:spcAft>
+                <a:spcPts val="1200"/>
+              </a:spcAft>
+              <a:buFontTx/>
+              <a:buNone/>
+              <a:defRPr lang="en-US" sz="1200" kern="1200" smtClean="0">
+                <a:solidFill>
+                  <a:schemeClr val="tx1">
+                    <a:lumMod val="75000"/>
+                    <a:lumOff val="25000"/>
+                  </a:schemeClr>
+                </a:solidFill>
+                <a:latin typeface="+mn-lt"/>
+                <a:ea typeface="+mn-ea"/>
+                <a:cs typeface="+mn-cs"/>
+              </a:defRPr>
+            </a:lvl1pPr>
+            <a:lvl2pPr marL="228600" indent="-228600" algn="l" defTabSz="914400" rtl="0" eaLnBrk="1" latinLnBrk="0" hangingPunct="1">
+              <a:lnSpc>
+                <a:spcPct val="150000"/>
+              </a:lnSpc>
+              <a:spcBef>
+                <a:spcPts val="1000"/>
+              </a:spcBef>
+              <a:spcAft>
+                <a:spcPts val="1200"/>
+              </a:spcAft>
+              <a:buFont typeface="Arial" panose="020B0604020202020204" pitchFamily="34" charset="0"/>
+              <a:buChar char="•"/>
+              <a:defRPr lang="en-US" sz="1200" kern="1200" smtClean="0">
+                <a:solidFill>
+                  <a:schemeClr val="tx1">
+                    <a:lumMod val="75000"/>
+                    <a:lumOff val="25000"/>
+                  </a:schemeClr>
+                </a:solidFill>
+                <a:latin typeface="+mn-lt"/>
+                <a:ea typeface="+mn-ea"/>
+                <a:cs typeface="+mn-cs"/>
+              </a:defRPr>
+            </a:lvl2pPr>
+            <a:lvl3pPr marL="685800" indent="-228600" algn="l" defTabSz="914400" rtl="0" eaLnBrk="1" latinLnBrk="0" hangingPunct="1">
+              <a:lnSpc>
+                <a:spcPct val="150000"/>
+              </a:lnSpc>
+              <a:spcBef>
+                <a:spcPts val="1000"/>
+              </a:spcBef>
+              <a:spcAft>
+                <a:spcPts val="1200"/>
+              </a:spcAft>
+              <a:buFont typeface="Arial" panose="020B0604020202020204" pitchFamily="34" charset="0"/>
+              <a:buChar char="•"/>
+              <a:defRPr lang="en-US" sz="1200" kern="1200" smtClean="0">
+                <a:solidFill>
+                  <a:schemeClr val="tx1">
+                    <a:lumMod val="75000"/>
+                    <a:lumOff val="25000"/>
+                  </a:schemeClr>
+                </a:solidFill>
+                <a:latin typeface="+mn-lt"/>
+                <a:ea typeface="+mn-ea"/>
+                <a:cs typeface="+mn-cs"/>
+              </a:defRPr>
+            </a:lvl3pPr>
+            <a:lvl4pPr marL="1143000" indent="-228600" algn="l" defTabSz="914400" rtl="0" eaLnBrk="1" latinLnBrk="0" hangingPunct="1">
+              <a:lnSpc>
+                <a:spcPct val="150000"/>
+              </a:lnSpc>
+              <a:spcBef>
+                <a:spcPts val="1000"/>
+              </a:spcBef>
+              <a:spcAft>
+                <a:spcPts val="1200"/>
+              </a:spcAft>
+              <a:buFont typeface="Arial" panose="020B0604020202020204" pitchFamily="34" charset="0"/>
+              <a:buChar char="•"/>
+              <a:defRPr lang="en-US" sz="1200" kern="1200" smtClean="0">
+                <a:solidFill>
+                  <a:schemeClr val="tx1">
+                    <a:lumMod val="75000"/>
+                    <a:lumOff val="25000"/>
+                  </a:schemeClr>
+                </a:solidFill>
+                <a:latin typeface="+mn-lt"/>
+                <a:ea typeface="+mn-ea"/>
+                <a:cs typeface="+mn-cs"/>
+              </a:defRPr>
+            </a:lvl4pPr>
+            <a:lvl5pPr marL="1600200" indent="-228600" algn="l" defTabSz="914400" rtl="0" eaLnBrk="1" latinLnBrk="0" hangingPunct="1">
+              <a:lnSpc>
+                <a:spcPct val="150000"/>
+              </a:lnSpc>
+              <a:spcBef>
+                <a:spcPts val="1000"/>
+              </a:spcBef>
+              <a:spcAft>
+                <a:spcPts val="1200"/>
+              </a:spcAft>
+              <a:buFont typeface="Arial" panose="020B0604020202020204" pitchFamily="34" charset="0"/>
+              <a:buChar char="•"/>
+              <a:defRPr lang="en-US" sz="1200" kern="1200">
+                <a:solidFill>
+                  <a:schemeClr val="tx1">
+                    <a:lumMod val="75000"/>
+                    <a:lumOff val="25000"/>
+                  </a:schemeClr>
+                </a:solidFill>
+                <a:latin typeface="+mn-lt"/>
+                <a:ea typeface="+mn-ea"/>
+                <a:cs typeface="+mn-cs"/>
+              </a:defRPr>
+            </a:lvl5pPr>
+            <a:lvl6pPr marL="2057400" indent="-228600" algn="l" defTabSz="914400" rtl="0" eaLnBrk="1" latinLnBrk="0" hangingPunct="1">
+              <a:lnSpc>
+                <a:spcPct val="150000"/>
+              </a:lnSpc>
+              <a:spcBef>
+                <a:spcPts val="1000"/>
+              </a:spcBef>
+              <a:spcAft>
+                <a:spcPts val="1200"/>
+              </a:spcAft>
+              <a:buFont typeface="Arial" panose="020B0604020202020204" pitchFamily="34" charset="0"/>
+              <a:buChar char="•"/>
+              <a:defRPr lang="en-US" sz="1200" kern="1200" dirty="0" smtClean="0">
+                <a:solidFill>
+                  <a:schemeClr val="tx1"/>
+                </a:solidFill>
+                <a:latin typeface="+mn-lt"/>
+                <a:ea typeface="+mn-ea"/>
+                <a:cs typeface="+mn-cs"/>
+              </a:defRPr>
+            </a:lvl6pPr>
+            <a:lvl7pPr marL="2514600" indent="-228600" algn="l" defTabSz="914400" rtl="0" eaLnBrk="1" latinLnBrk="0" hangingPunct="1">
+              <a:lnSpc>
+                <a:spcPct val="150000"/>
+              </a:lnSpc>
+              <a:spcBef>
+                <a:spcPts val="1000"/>
+              </a:spcBef>
+              <a:spcAft>
+                <a:spcPts val="1200"/>
+              </a:spcAft>
+              <a:buFont typeface="Arial" panose="020B0604020202020204" pitchFamily="34" charset="0"/>
+              <a:buChar char="•"/>
+              <a:defRPr lang="en-US" sz="1200" kern="1200" dirty="0" smtClean="0">
+                <a:solidFill>
+                  <a:schemeClr val="tx1"/>
+                </a:solidFill>
+                <a:latin typeface="+mn-lt"/>
+                <a:ea typeface="+mn-ea"/>
+                <a:cs typeface="+mn-cs"/>
+              </a:defRPr>
+            </a:lvl7pPr>
+            <a:lvl8pPr marL="2971800" indent="-228600" algn="l" defTabSz="914400" rtl="0" eaLnBrk="1" latinLnBrk="0" hangingPunct="1">
+              <a:lnSpc>
+                <a:spcPct val="150000"/>
+              </a:lnSpc>
+              <a:spcBef>
+                <a:spcPts val="1000"/>
+              </a:spcBef>
+              <a:spcAft>
+                <a:spcPts val="1200"/>
+              </a:spcAft>
+              <a:buFont typeface="Arial" panose="020B0604020202020204" pitchFamily="34" charset="0"/>
+              <a:buChar char="•"/>
+              <a:defRPr lang="en-US" sz="1200" kern="1200" dirty="0" smtClean="0">
+                <a:solidFill>
+                  <a:schemeClr val="tx1"/>
+                </a:solidFill>
+                <a:latin typeface="+mn-lt"/>
+                <a:ea typeface="+mn-ea"/>
+                <a:cs typeface="+mn-cs"/>
+              </a:defRPr>
+            </a:lvl8pPr>
+            <a:lvl9pPr marL="3429000" indent="-228600" algn="l" defTabSz="914400" rtl="0" eaLnBrk="1" latinLnBrk="0" hangingPunct="1">
+              <a:lnSpc>
+                <a:spcPct val="90000"/>
+              </a:lnSpc>
+              <a:spcBef>
+                <a:spcPct val="30000"/>
+              </a:spcBef>
+              <a:buFont typeface="Arial" panose="020B0604020202020204" pitchFamily="34" charset="0"/>
+              <a:buNone/>
+              <a:defRPr sz="1200" kern="1200">
+                <a:solidFill>
+                  <a:schemeClr val="tx1"/>
+                </a:solidFill>
+                <a:latin typeface="+mn-lt"/>
+                <a:ea typeface="+mn-ea"/>
+                <a:cs typeface="+mn-cs"/>
+              </a:defRPr>
+            </a:lvl9pPr>
+          </a:lstStyle>
+          <a:p>
+            <a:r>
+              <a:rPr lang="pt-BR" dirty="0"/>
+              <a:t>Toda vez que temos um seletor daquele tipo, “</a:t>
+            </a:r>
+            <a:r>
+              <a:rPr lang="pt-BR" b="1" dirty="0">
+                <a:solidFill>
+                  <a:srgbClr val="7030A0"/>
+                </a:solidFill>
+              </a:rPr>
+              <a:t>p</a:t>
+            </a:r>
+            <a:r>
+              <a:rPr lang="pt-BR" dirty="0"/>
+              <a:t>”, isso quer dizer que a força desse seletor é 1. </a:t>
+            </a:r>
+          </a:p>
+          <a:p>
+            <a:r>
+              <a:rPr lang="pt-BR" dirty="0"/>
+              <a:t>Quando temos o “</a:t>
+            </a:r>
+            <a:r>
+              <a:rPr lang="pt-BR" b="1" dirty="0" err="1">
+                <a:solidFill>
+                  <a:srgbClr val="7030A0"/>
+                </a:solidFill>
+              </a:rPr>
+              <a:t>form</a:t>
+            </a:r>
+            <a:r>
+              <a:rPr lang="pt-BR" b="1" dirty="0">
+                <a:solidFill>
+                  <a:srgbClr val="7030A0"/>
+                </a:solidFill>
+              </a:rPr>
+              <a:t> p</a:t>
+            </a:r>
+            <a:r>
+              <a:rPr lang="pt-BR" dirty="0"/>
+              <a:t>” a força disso é 1+1, a força disso é 2. Então 2, como é mais forte que o 1, o estilo aplicado vai ser o segundo, do “</a:t>
+            </a:r>
+            <a:r>
+              <a:rPr lang="pt-BR" b="1" dirty="0" err="1">
+                <a:solidFill>
+                  <a:srgbClr val="7030A0"/>
+                </a:solidFill>
+              </a:rPr>
+              <a:t>form</a:t>
+            </a:r>
+            <a:r>
+              <a:rPr lang="pt-BR" b="1" dirty="0">
+                <a:solidFill>
+                  <a:srgbClr val="7030A0"/>
+                </a:solidFill>
+              </a:rPr>
+              <a:t> p</a:t>
+            </a:r>
+            <a:r>
+              <a:rPr lang="pt-BR" dirty="0"/>
+              <a:t>”.</a:t>
+            </a:r>
+          </a:p>
+          <a:p>
+            <a:r>
+              <a:rPr lang="pt-BR" b="1" dirty="0">
+                <a:solidFill>
+                  <a:schemeClr val="accent4">
+                    <a:lumMod val="75000"/>
+                  </a:schemeClr>
+                </a:solidFill>
+              </a:rPr>
+              <a:t>.teste </a:t>
+            </a:r>
+            <a:r>
+              <a:rPr lang="pt-BR" dirty="0"/>
+              <a:t>é uma classe aplicada no </a:t>
+            </a:r>
+            <a:r>
+              <a:rPr lang="pt-BR" b="1" dirty="0">
+                <a:solidFill>
+                  <a:srgbClr val="7030A0"/>
+                </a:solidFill>
+              </a:rPr>
+              <a:t>p </a:t>
+            </a:r>
+            <a:r>
+              <a:rPr lang="pt-BR" dirty="0"/>
+              <a:t>-&gt; A classe tem uma força 10, ela é superior a esses dois marcadores que colocamos aqui. Então “</a:t>
+            </a:r>
+            <a:r>
+              <a:rPr lang="pt-BR" b="1" dirty="0">
+                <a:solidFill>
+                  <a:schemeClr val="accent4">
+                    <a:lumMod val="75000"/>
+                  </a:schemeClr>
+                </a:solidFill>
+              </a:rPr>
+              <a:t>.teste </a:t>
+            </a:r>
+            <a:r>
+              <a:rPr lang="pt-BR" dirty="0"/>
+              <a:t>10”.</a:t>
+            </a:r>
+          </a:p>
+          <a:p>
+            <a:r>
+              <a:rPr lang="pt-BR" dirty="0"/>
+              <a:t>Marcador com configuração -&gt; </a:t>
+            </a:r>
+            <a:r>
+              <a:rPr lang="pt-BR" b="1" dirty="0" err="1">
+                <a:solidFill>
+                  <a:srgbClr val="7030A0"/>
+                </a:solidFill>
+              </a:rPr>
+              <a:t>p</a:t>
+            </a:r>
+            <a:r>
+              <a:rPr lang="pt-BR" b="1" dirty="0" err="1">
+                <a:solidFill>
+                  <a:schemeClr val="accent4">
+                    <a:lumMod val="75000"/>
+                  </a:schemeClr>
+                </a:solidFill>
+              </a:rPr>
+              <a:t>.teste</a:t>
+            </a:r>
+            <a:r>
+              <a:rPr lang="pt-BR" b="1" dirty="0">
+                <a:solidFill>
+                  <a:schemeClr val="accent4">
+                    <a:lumMod val="75000"/>
+                  </a:schemeClr>
+                </a:solidFill>
+              </a:rPr>
+              <a:t> </a:t>
+            </a:r>
+            <a:br>
+              <a:rPr lang="pt-BR" dirty="0"/>
+            </a:br>
+            <a:r>
+              <a:rPr lang="pt-BR" dirty="0"/>
+              <a:t>Só os parágrafos que têm aquela classe vão ter essa cor. </a:t>
+            </a:r>
+          </a:p>
+          <a:p>
+            <a:r>
+              <a:rPr lang="pt-BR" dirty="0"/>
+              <a:t>Somamos, a classe tem a força 10, e a </a:t>
+            </a:r>
+            <a:r>
+              <a:rPr lang="pt-BR" dirty="0" err="1"/>
+              <a:t>tag</a:t>
+            </a:r>
+            <a:r>
+              <a:rPr lang="pt-BR" dirty="0"/>
+              <a:t> tem a força 1, então com 11 ele vai ser mais forte que o teste especificamente. </a:t>
+            </a:r>
+          </a:p>
+          <a:p>
+            <a:r>
+              <a:rPr lang="pt-BR" dirty="0"/>
+              <a:t>O mais forte deles é o </a:t>
+            </a:r>
+            <a:r>
+              <a:rPr lang="pt-BR" b="1" dirty="0">
+                <a:solidFill>
+                  <a:schemeClr val="accent4">
+                    <a:lumMod val="75000"/>
+                  </a:schemeClr>
+                </a:solidFill>
+                <a:highlight>
+                  <a:srgbClr val="FFFF00"/>
+                </a:highlight>
+              </a:rPr>
+              <a:t> identificador</a:t>
+            </a:r>
+            <a:r>
+              <a:rPr lang="pt-BR" dirty="0"/>
+              <a:t>, tem a </a:t>
+            </a:r>
+            <a:r>
+              <a:rPr lang="pt-BR" b="1" dirty="0">
+                <a:solidFill>
+                  <a:schemeClr val="accent4">
+                    <a:lumMod val="75000"/>
+                  </a:schemeClr>
+                </a:solidFill>
+              </a:rPr>
+              <a:t>força 100</a:t>
+            </a:r>
+            <a:r>
+              <a:rPr lang="pt-BR" dirty="0"/>
+              <a:t>. Então sempre que estamos criando CSS, precisamos pensar em o quão específico é o nosso marcador e o quão forte ele vai ser para que não seja sobrescrito por qualquer outro, e que não cometamos nenhum erro no nosso código.</a:t>
+            </a:r>
+          </a:p>
+        </p:txBody>
+      </p:sp>
     </p:spTree>
     <p:extLst>
       <p:ext uri="{BB962C8B-B14F-4D97-AF65-F5344CB8AC3E}">
-        <p14:creationId xmlns:p14="http://schemas.microsoft.com/office/powerpoint/2010/main" val="3349778009"/>
+        <p14:creationId xmlns:p14="http://schemas.microsoft.com/office/powerpoint/2010/main" val="1355120981"/>
+      </p:ext>
+    </p:extLst>
+  </p:cSld>
+  <p:clrMapOvr>
+    <a:masterClrMapping/>
+  </p:clrMapOvr>
+</p:sld>
+</file>
+
+<file path=ppt/slides/slide12.xml><?xml version="1.0" encoding="utf-8"?>
+<p:sld xmlns:a="http://schemas.openxmlformats.org/drawingml/2006/main" xmlns:r="http://schemas.openxmlformats.org/officeDocument/2006/relationships" xmlns:p="http://schemas.openxmlformats.org/presentationml/2006/main">
+  <p:cSld>
+    <p:spTree>
+      <p:nvGrpSpPr>
+        <p:cNvPr id="1" name=""/>
+        <p:cNvGrpSpPr/>
+        <p:nvPr/>
+      </p:nvGrpSpPr>
+      <p:grpSpPr>
+        <a:xfrm>
+          <a:off x="0" y="0"/>
+          <a:ext cx="0" cy="0"/>
+          <a:chOff x="0" y="0"/>
+          <a:chExt cx="0" cy="0"/>
+        </a:xfrm>
+      </p:grpSpPr>
+      <p:sp>
+        <p:nvSpPr>
+          <p:cNvPr id="2" name="Título 1">
+            <a:extLst>
+              <a:ext uri="{FF2B5EF4-FFF2-40B4-BE49-F238E27FC236}">
+                <a16:creationId xmlns:a16="http://schemas.microsoft.com/office/drawing/2014/main" id="{16D34BC4-453E-1BBE-81E2-8F6582206C1D}"/>
+              </a:ext>
+            </a:extLst>
+          </p:cNvPr>
+          <p:cNvSpPr>
+            <a:spLocks noGrp="1"/>
+          </p:cNvSpPr>
+          <p:nvPr>
+            <p:ph type="title"/>
+          </p:nvPr>
+        </p:nvSpPr>
+        <p:spPr/>
+        <p:txBody>
+          <a:bodyPr/>
+          <a:lstStyle/>
+          <a:p>
+            <a:r>
+              <a:rPr lang="pt-BR" dirty="0"/>
+              <a:t>Aprendizado – Tipos de campos diferentes</a:t>
+            </a:r>
+          </a:p>
+        </p:txBody>
+      </p:sp>
+      <p:sp>
+        <p:nvSpPr>
+          <p:cNvPr id="3" name="Espaço Reservado para Conteúdo 2">
+            <a:extLst>
+              <a:ext uri="{FF2B5EF4-FFF2-40B4-BE49-F238E27FC236}">
+                <a16:creationId xmlns:a16="http://schemas.microsoft.com/office/drawing/2014/main" id="{9EACE44D-9E57-C70C-FC79-8D9EAF5560B6}"/>
+              </a:ext>
+            </a:extLst>
+          </p:cNvPr>
+          <p:cNvSpPr>
+            <a:spLocks noGrp="1"/>
+          </p:cNvSpPr>
+          <p:nvPr>
+            <p:ph sz="quarter" idx="10"/>
+          </p:nvPr>
+        </p:nvSpPr>
+        <p:spPr/>
+        <p:txBody>
+          <a:bodyPr/>
+          <a:lstStyle/>
+          <a:p>
+            <a:r>
+              <a:rPr lang="pt-BR" dirty="0"/>
+              <a:t>A única forma de alterarmos isso e alguma coisa mais forte que o identificador é quando temos o </a:t>
+            </a:r>
+            <a:r>
+              <a:rPr lang="pt-BR" b="1" dirty="0"/>
+              <a:t>estilo </a:t>
+            </a:r>
+            <a:r>
+              <a:rPr lang="pt-BR" b="1" dirty="0" err="1"/>
+              <a:t>inline</a:t>
+            </a:r>
+            <a:r>
+              <a:rPr lang="pt-BR" dirty="0"/>
+              <a:t>. </a:t>
+            </a:r>
+          </a:p>
+          <a:p>
+            <a:r>
+              <a:rPr lang="pt-BR" dirty="0"/>
+              <a:t>O estilo </a:t>
+            </a:r>
+            <a:r>
+              <a:rPr lang="pt-BR" dirty="0" err="1"/>
+              <a:t>inline</a:t>
+            </a:r>
+            <a:r>
+              <a:rPr lang="pt-BR" dirty="0"/>
+              <a:t> é no HTML. Então se adicionarmos uma propriedade “</a:t>
+            </a:r>
+            <a:r>
+              <a:rPr lang="pt-BR" dirty="0" err="1"/>
+              <a:t>style</a:t>
+            </a:r>
+            <a:r>
+              <a:rPr lang="pt-BR" dirty="0"/>
+              <a:t>”, e colocarmos o color igual a roxo, no nosso navegador, ao recarregar, a cor vai ser roxo. </a:t>
+            </a:r>
+          </a:p>
+          <a:p>
+            <a:r>
+              <a:rPr lang="pt-BR" dirty="0"/>
+              <a:t>Nada substitui o </a:t>
+            </a:r>
+            <a:r>
+              <a:rPr lang="pt-BR" dirty="0" err="1"/>
+              <a:t>inline</a:t>
+            </a:r>
+            <a:r>
+              <a:rPr lang="pt-BR" dirty="0"/>
+              <a:t>, ele é muito específico, ele está no elemento, e por isso ele é o mais forte. Ele teria o que seria equivalente a uma força 1000, e nada substitui isso.</a:t>
+            </a:r>
+          </a:p>
+        </p:txBody>
+      </p:sp>
+    </p:spTree>
+    <p:extLst>
+      <p:ext uri="{BB962C8B-B14F-4D97-AF65-F5344CB8AC3E}">
+        <p14:creationId xmlns:p14="http://schemas.microsoft.com/office/powerpoint/2010/main" val="121435306"/>
+      </p:ext>
+    </p:extLst>
+  </p:cSld>
+  <p:clrMapOvr>
+    <a:masterClrMapping/>
+  </p:clrMapOvr>
+</p:sld>
+</file>
+
+<file path=ppt/slides/slide13.xml><?xml version="1.0" encoding="utf-8"?>
+<p:sld xmlns:a="http://schemas.openxmlformats.org/drawingml/2006/main" xmlns:r="http://schemas.openxmlformats.org/officeDocument/2006/relationships" xmlns:p="http://schemas.openxmlformats.org/presentationml/2006/main">
+  <p:cSld>
+    <p:spTree>
+      <p:nvGrpSpPr>
+        <p:cNvPr id="1" name=""/>
+        <p:cNvGrpSpPr/>
+        <p:nvPr/>
+      </p:nvGrpSpPr>
+      <p:grpSpPr>
+        <a:xfrm>
+          <a:off x="0" y="0"/>
+          <a:ext cx="0" cy="0"/>
+          <a:chOff x="0" y="0"/>
+          <a:chExt cx="0" cy="0"/>
+        </a:xfrm>
+      </p:grpSpPr>
+      <p:sp>
+        <p:nvSpPr>
+          <p:cNvPr id="2" name="Título 1">
+            <a:extLst>
+              <a:ext uri="{FF2B5EF4-FFF2-40B4-BE49-F238E27FC236}">
+                <a16:creationId xmlns:a16="http://schemas.microsoft.com/office/drawing/2014/main" id="{AF4DFBCA-EE56-FCFC-10C1-7C8CA51050B9}"/>
+              </a:ext>
+            </a:extLst>
+          </p:cNvPr>
+          <p:cNvSpPr>
+            <a:spLocks noGrp="1"/>
+          </p:cNvSpPr>
+          <p:nvPr>
+            <p:ph type="title"/>
+          </p:nvPr>
+        </p:nvSpPr>
+        <p:spPr/>
+        <p:txBody>
+          <a:bodyPr/>
+          <a:lstStyle/>
+          <a:p>
+            <a:r>
+              <a:rPr lang="pt-BR" dirty="0"/>
+              <a:t>Aprendizado – Tipos de campos diferentes</a:t>
+            </a:r>
+          </a:p>
+        </p:txBody>
+      </p:sp>
+      <p:sp>
+        <p:nvSpPr>
+          <p:cNvPr id="3" name="Espaço Reservado para Conteúdo 2">
+            <a:extLst>
+              <a:ext uri="{FF2B5EF4-FFF2-40B4-BE49-F238E27FC236}">
+                <a16:creationId xmlns:a16="http://schemas.microsoft.com/office/drawing/2014/main" id="{C7255A30-D053-6CF6-57F1-C248293313A7}"/>
+              </a:ext>
+            </a:extLst>
+          </p:cNvPr>
+          <p:cNvSpPr>
+            <a:spLocks noGrp="1"/>
+          </p:cNvSpPr>
+          <p:nvPr>
+            <p:ph sz="quarter" idx="10"/>
+          </p:nvPr>
+        </p:nvSpPr>
+        <p:spPr>
+          <a:xfrm>
+            <a:off x="442549" y="1602758"/>
+            <a:ext cx="4709554" cy="4974336"/>
+          </a:xfrm>
+        </p:spPr>
+        <p:txBody>
+          <a:bodyPr/>
+          <a:lstStyle/>
+          <a:p>
+            <a:r>
+              <a:rPr lang="pt-BR" dirty="0"/>
+              <a:t>O seletor não é um campo do tipo input, ele é um campo do tipo </a:t>
+            </a:r>
+            <a:r>
+              <a:rPr lang="pt-BR" dirty="0" err="1">
+                <a:solidFill>
+                  <a:srgbClr val="7030A0"/>
+                </a:solidFill>
+              </a:rPr>
+              <a:t>select</a:t>
+            </a:r>
+            <a:r>
+              <a:rPr lang="pt-BR" dirty="0"/>
+              <a:t>, e um campo do tipo </a:t>
+            </a:r>
+            <a:r>
+              <a:rPr lang="pt-BR" dirty="0" err="1">
+                <a:solidFill>
+                  <a:srgbClr val="7030A0"/>
+                </a:solidFill>
+              </a:rPr>
+              <a:t>select</a:t>
+            </a:r>
+            <a:r>
+              <a:rPr lang="pt-BR" dirty="0"/>
+              <a:t> tem dentro dele várias opções. </a:t>
+            </a:r>
+          </a:p>
+          <a:p>
+            <a:r>
+              <a:rPr lang="pt-BR" dirty="0"/>
+              <a:t>As opções são campos de conteúdo, e aqui eu vou colocar os valores:</a:t>
+            </a:r>
+          </a:p>
+          <a:p>
+            <a:r>
+              <a:rPr lang="pt-BR" dirty="0"/>
+              <a:t>&lt;</a:t>
+            </a:r>
+            <a:r>
+              <a:rPr lang="pt-BR" b="1" dirty="0" err="1">
+                <a:solidFill>
+                  <a:srgbClr val="7030A0"/>
+                </a:solidFill>
+              </a:rPr>
+              <a:t>option</a:t>
+            </a:r>
+            <a:r>
+              <a:rPr lang="pt-BR" dirty="0"/>
+              <a:t>&gt;Manhã&lt;/</a:t>
+            </a:r>
+            <a:r>
+              <a:rPr lang="pt-BR" b="1" dirty="0" err="1">
+                <a:solidFill>
+                  <a:srgbClr val="7030A0"/>
+                </a:solidFill>
+              </a:rPr>
+              <a:t>option</a:t>
+            </a:r>
+            <a:r>
+              <a:rPr lang="pt-BR" dirty="0"/>
+              <a:t>&gt;, uma outra opção que é a &lt;</a:t>
+            </a:r>
+            <a:r>
+              <a:rPr lang="pt-BR" b="1" dirty="0" err="1">
+                <a:solidFill>
+                  <a:srgbClr val="7030A0"/>
+                </a:solidFill>
+              </a:rPr>
+              <a:t>option</a:t>
+            </a:r>
+            <a:r>
+              <a:rPr lang="pt-BR" dirty="0"/>
+              <a:t>&gt;Tarde&lt;/</a:t>
+            </a:r>
+            <a:r>
+              <a:rPr lang="pt-BR" b="1" dirty="0" err="1">
+                <a:solidFill>
+                  <a:srgbClr val="7030A0"/>
+                </a:solidFill>
+              </a:rPr>
+              <a:t>option</a:t>
+            </a:r>
+            <a:r>
+              <a:rPr lang="pt-BR" dirty="0"/>
+              <a:t>&gt; e uma outra opção que é a &lt;</a:t>
+            </a:r>
+            <a:r>
+              <a:rPr lang="pt-BR" b="1" dirty="0" err="1">
+                <a:solidFill>
+                  <a:srgbClr val="7030A0"/>
+                </a:solidFill>
+              </a:rPr>
+              <a:t>option</a:t>
+            </a:r>
+            <a:r>
+              <a:rPr lang="pt-BR" dirty="0"/>
+              <a:t>&gt;Noite&lt;/</a:t>
+            </a:r>
+            <a:r>
+              <a:rPr lang="pt-BR" b="1" dirty="0" err="1">
+                <a:solidFill>
+                  <a:srgbClr val="7030A0"/>
+                </a:solidFill>
+              </a:rPr>
+              <a:t>option</a:t>
+            </a:r>
+            <a:r>
+              <a:rPr lang="pt-BR" dirty="0"/>
+              <a:t>&gt;.</a:t>
+            </a:r>
+          </a:p>
+          <a:p>
+            <a:r>
+              <a:rPr lang="pt-BR" dirty="0"/>
+              <a:t>A estrutura da </a:t>
+            </a:r>
+            <a:r>
+              <a:rPr lang="pt-BR" dirty="0" err="1"/>
+              <a:t>tag</a:t>
+            </a:r>
+            <a:r>
+              <a:rPr lang="pt-BR" dirty="0"/>
+              <a:t> &lt;</a:t>
+            </a:r>
+            <a:r>
+              <a:rPr lang="pt-BR" b="1" dirty="0" err="1">
+                <a:solidFill>
+                  <a:srgbClr val="7030A0"/>
+                </a:solidFill>
+              </a:rPr>
+              <a:t>select</a:t>
+            </a:r>
+            <a:r>
+              <a:rPr lang="pt-BR" dirty="0"/>
+              <a:t>&gt; é composta de um ou mais &lt;</a:t>
+            </a:r>
+            <a:r>
+              <a:rPr lang="pt-BR" b="1" dirty="0" err="1">
+                <a:solidFill>
+                  <a:srgbClr val="7030A0"/>
+                </a:solidFill>
+              </a:rPr>
+              <a:t>option</a:t>
+            </a:r>
+            <a:r>
+              <a:rPr lang="pt-BR" dirty="0"/>
+              <a:t>&gt;.</a:t>
+            </a:r>
+          </a:p>
+        </p:txBody>
+      </p:sp>
+      <p:sp>
+        <p:nvSpPr>
+          <p:cNvPr id="4" name="Espaço Reservado para Conteúdo 2">
+            <a:extLst>
+              <a:ext uri="{FF2B5EF4-FFF2-40B4-BE49-F238E27FC236}">
+                <a16:creationId xmlns:a16="http://schemas.microsoft.com/office/drawing/2014/main" id="{56B83570-4F56-BAFA-E77F-289FC4D19D4C}"/>
+              </a:ext>
+            </a:extLst>
+          </p:cNvPr>
+          <p:cNvSpPr txBox="1">
+            <a:spLocks/>
+          </p:cNvSpPr>
+          <p:nvPr/>
+        </p:nvSpPr>
+        <p:spPr>
+          <a:xfrm>
+            <a:off x="5614219" y="1602758"/>
+            <a:ext cx="6361472" cy="5181502"/>
+          </a:xfrm>
+          <a:prstGeom prst="rect">
+            <a:avLst/>
+          </a:prstGeom>
+        </p:spPr>
+        <p:txBody>
+          <a:bodyPr vert="horz" lIns="91440" tIns="45720" rIns="91440" bIns="45720" rtlCol="0">
+            <a:normAutofit/>
+          </a:bodyPr>
+          <a:lstStyle>
+            <a:lvl1pPr marL="0" indent="0" algn="l" defTabSz="914400" rtl="0" eaLnBrk="1" latinLnBrk="0" hangingPunct="1">
+              <a:lnSpc>
+                <a:spcPct val="150000"/>
+              </a:lnSpc>
+              <a:spcBef>
+                <a:spcPts val="1000"/>
+              </a:spcBef>
+              <a:spcAft>
+                <a:spcPts val="1200"/>
+              </a:spcAft>
+              <a:buFontTx/>
+              <a:buNone/>
+              <a:defRPr lang="en-US" sz="1200" kern="1200" smtClean="0">
+                <a:solidFill>
+                  <a:schemeClr val="tx1">
+                    <a:lumMod val="75000"/>
+                    <a:lumOff val="25000"/>
+                  </a:schemeClr>
+                </a:solidFill>
+                <a:latin typeface="+mn-lt"/>
+                <a:ea typeface="+mn-ea"/>
+                <a:cs typeface="+mn-cs"/>
+              </a:defRPr>
+            </a:lvl1pPr>
+            <a:lvl2pPr marL="228600" indent="-228600" algn="l" defTabSz="914400" rtl="0" eaLnBrk="1" latinLnBrk="0" hangingPunct="1">
+              <a:lnSpc>
+                <a:spcPct val="150000"/>
+              </a:lnSpc>
+              <a:spcBef>
+                <a:spcPts val="1000"/>
+              </a:spcBef>
+              <a:spcAft>
+                <a:spcPts val="1200"/>
+              </a:spcAft>
+              <a:buFont typeface="Arial" panose="020B0604020202020204" pitchFamily="34" charset="0"/>
+              <a:buChar char="•"/>
+              <a:defRPr lang="en-US" sz="1200" kern="1200" smtClean="0">
+                <a:solidFill>
+                  <a:schemeClr val="tx1">
+                    <a:lumMod val="75000"/>
+                    <a:lumOff val="25000"/>
+                  </a:schemeClr>
+                </a:solidFill>
+                <a:latin typeface="+mn-lt"/>
+                <a:ea typeface="+mn-ea"/>
+                <a:cs typeface="+mn-cs"/>
+              </a:defRPr>
+            </a:lvl2pPr>
+            <a:lvl3pPr marL="685800" indent="-228600" algn="l" defTabSz="914400" rtl="0" eaLnBrk="1" latinLnBrk="0" hangingPunct="1">
+              <a:lnSpc>
+                <a:spcPct val="150000"/>
+              </a:lnSpc>
+              <a:spcBef>
+                <a:spcPts val="1000"/>
+              </a:spcBef>
+              <a:spcAft>
+                <a:spcPts val="1200"/>
+              </a:spcAft>
+              <a:buFont typeface="Arial" panose="020B0604020202020204" pitchFamily="34" charset="0"/>
+              <a:buChar char="•"/>
+              <a:defRPr lang="en-US" sz="1200" kern="1200" smtClean="0">
+                <a:solidFill>
+                  <a:schemeClr val="tx1">
+                    <a:lumMod val="75000"/>
+                    <a:lumOff val="25000"/>
+                  </a:schemeClr>
+                </a:solidFill>
+                <a:latin typeface="+mn-lt"/>
+                <a:ea typeface="+mn-ea"/>
+                <a:cs typeface="+mn-cs"/>
+              </a:defRPr>
+            </a:lvl3pPr>
+            <a:lvl4pPr marL="1143000" indent="-228600" algn="l" defTabSz="914400" rtl="0" eaLnBrk="1" latinLnBrk="0" hangingPunct="1">
+              <a:lnSpc>
+                <a:spcPct val="150000"/>
+              </a:lnSpc>
+              <a:spcBef>
+                <a:spcPts val="1000"/>
+              </a:spcBef>
+              <a:spcAft>
+                <a:spcPts val="1200"/>
+              </a:spcAft>
+              <a:buFont typeface="Arial" panose="020B0604020202020204" pitchFamily="34" charset="0"/>
+              <a:buChar char="•"/>
+              <a:defRPr lang="en-US" sz="1200" kern="1200" smtClean="0">
+                <a:solidFill>
+                  <a:schemeClr val="tx1">
+                    <a:lumMod val="75000"/>
+                    <a:lumOff val="25000"/>
+                  </a:schemeClr>
+                </a:solidFill>
+                <a:latin typeface="+mn-lt"/>
+                <a:ea typeface="+mn-ea"/>
+                <a:cs typeface="+mn-cs"/>
+              </a:defRPr>
+            </a:lvl4pPr>
+            <a:lvl5pPr marL="1600200" indent="-228600" algn="l" defTabSz="914400" rtl="0" eaLnBrk="1" latinLnBrk="0" hangingPunct="1">
+              <a:lnSpc>
+                <a:spcPct val="150000"/>
+              </a:lnSpc>
+              <a:spcBef>
+                <a:spcPts val="1000"/>
+              </a:spcBef>
+              <a:spcAft>
+                <a:spcPts val="1200"/>
+              </a:spcAft>
+              <a:buFont typeface="Arial" panose="020B0604020202020204" pitchFamily="34" charset="0"/>
+              <a:buChar char="•"/>
+              <a:defRPr lang="en-US" sz="1200" kern="1200">
+                <a:solidFill>
+                  <a:schemeClr val="tx1">
+                    <a:lumMod val="75000"/>
+                    <a:lumOff val="25000"/>
+                  </a:schemeClr>
+                </a:solidFill>
+                <a:latin typeface="+mn-lt"/>
+                <a:ea typeface="+mn-ea"/>
+                <a:cs typeface="+mn-cs"/>
+              </a:defRPr>
+            </a:lvl5pPr>
+            <a:lvl6pPr marL="2057400" indent="-228600" algn="l" defTabSz="914400" rtl="0" eaLnBrk="1" latinLnBrk="0" hangingPunct="1">
+              <a:lnSpc>
+                <a:spcPct val="150000"/>
+              </a:lnSpc>
+              <a:spcBef>
+                <a:spcPts val="1000"/>
+              </a:spcBef>
+              <a:spcAft>
+                <a:spcPts val="1200"/>
+              </a:spcAft>
+              <a:buFont typeface="Arial" panose="020B0604020202020204" pitchFamily="34" charset="0"/>
+              <a:buChar char="•"/>
+              <a:defRPr lang="en-US" sz="1200" kern="1200" dirty="0" smtClean="0">
+                <a:solidFill>
+                  <a:schemeClr val="tx1"/>
+                </a:solidFill>
+                <a:latin typeface="+mn-lt"/>
+                <a:ea typeface="+mn-ea"/>
+                <a:cs typeface="+mn-cs"/>
+              </a:defRPr>
+            </a:lvl6pPr>
+            <a:lvl7pPr marL="2514600" indent="-228600" algn="l" defTabSz="914400" rtl="0" eaLnBrk="1" latinLnBrk="0" hangingPunct="1">
+              <a:lnSpc>
+                <a:spcPct val="150000"/>
+              </a:lnSpc>
+              <a:spcBef>
+                <a:spcPts val="1000"/>
+              </a:spcBef>
+              <a:spcAft>
+                <a:spcPts val="1200"/>
+              </a:spcAft>
+              <a:buFont typeface="Arial" panose="020B0604020202020204" pitchFamily="34" charset="0"/>
+              <a:buChar char="•"/>
+              <a:defRPr lang="en-US" sz="1200" kern="1200" dirty="0" smtClean="0">
+                <a:solidFill>
+                  <a:schemeClr val="tx1"/>
+                </a:solidFill>
+                <a:latin typeface="+mn-lt"/>
+                <a:ea typeface="+mn-ea"/>
+                <a:cs typeface="+mn-cs"/>
+              </a:defRPr>
+            </a:lvl7pPr>
+            <a:lvl8pPr marL="2971800" indent="-228600" algn="l" defTabSz="914400" rtl="0" eaLnBrk="1" latinLnBrk="0" hangingPunct="1">
+              <a:lnSpc>
+                <a:spcPct val="150000"/>
+              </a:lnSpc>
+              <a:spcBef>
+                <a:spcPts val="1000"/>
+              </a:spcBef>
+              <a:spcAft>
+                <a:spcPts val="1200"/>
+              </a:spcAft>
+              <a:buFont typeface="Arial" panose="020B0604020202020204" pitchFamily="34" charset="0"/>
+              <a:buChar char="•"/>
+              <a:defRPr lang="en-US" sz="1200" kern="1200" dirty="0" smtClean="0">
+                <a:solidFill>
+                  <a:schemeClr val="tx1"/>
+                </a:solidFill>
+                <a:latin typeface="+mn-lt"/>
+                <a:ea typeface="+mn-ea"/>
+                <a:cs typeface="+mn-cs"/>
+              </a:defRPr>
+            </a:lvl8pPr>
+            <a:lvl9pPr marL="3429000" indent="-228600" algn="l" defTabSz="914400" rtl="0" eaLnBrk="1" latinLnBrk="0" hangingPunct="1">
+              <a:lnSpc>
+                <a:spcPct val="90000"/>
+              </a:lnSpc>
+              <a:spcBef>
+                <a:spcPct val="30000"/>
+              </a:spcBef>
+              <a:buFont typeface="Arial" panose="020B0604020202020204" pitchFamily="34" charset="0"/>
+              <a:buNone/>
+              <a:defRPr sz="1200" kern="1200">
+                <a:solidFill>
+                  <a:schemeClr val="tx1"/>
+                </a:solidFill>
+                <a:latin typeface="+mn-lt"/>
+                <a:ea typeface="+mn-ea"/>
+                <a:cs typeface="+mn-cs"/>
+              </a:defRPr>
+            </a:lvl9pPr>
+          </a:lstStyle>
+          <a:p>
+            <a:pPr>
+              <a:lnSpc>
+                <a:spcPct val="110000"/>
+              </a:lnSpc>
+            </a:pPr>
+            <a:r>
+              <a:rPr lang="pt-BR" b="1" dirty="0"/>
+              <a:t>Nesta aula, vimos:</a:t>
+            </a:r>
+          </a:p>
+          <a:p>
+            <a:pPr marL="171450" indent="-171450">
+              <a:lnSpc>
+                <a:spcPct val="110000"/>
+              </a:lnSpc>
+              <a:buFont typeface="Wingdings" panose="05000000000000000000" pitchFamily="2" charset="2"/>
+              <a:buChar char="q"/>
+            </a:pPr>
+            <a:r>
+              <a:rPr lang="pt-BR" dirty="0"/>
+              <a:t>O </a:t>
+            </a:r>
+            <a:r>
+              <a:rPr lang="pt-BR" dirty="0" err="1"/>
+              <a:t>textarea</a:t>
+            </a:r>
+            <a:r>
+              <a:rPr lang="pt-BR" dirty="0"/>
+              <a:t>, para entradas de texto de mais de uma linha</a:t>
+            </a:r>
+          </a:p>
+          <a:p>
+            <a:pPr marL="171450" indent="-171450">
+              <a:lnSpc>
+                <a:spcPct val="110000"/>
+              </a:lnSpc>
+              <a:buFont typeface="Wingdings" panose="05000000000000000000" pitchFamily="2" charset="2"/>
+              <a:buChar char="q"/>
+            </a:pPr>
+            <a:r>
+              <a:rPr lang="pt-BR" dirty="0"/>
+              <a:t>O input do tipo radio</a:t>
+            </a:r>
+          </a:p>
+          <a:p>
+            <a:pPr marL="171450" indent="-171450">
+              <a:lnSpc>
+                <a:spcPct val="110000"/>
+              </a:lnSpc>
+              <a:buFont typeface="Wingdings" panose="05000000000000000000" pitchFamily="2" charset="2"/>
+              <a:buChar char="q"/>
+            </a:pPr>
+            <a:r>
+              <a:rPr lang="pt-BR" dirty="0"/>
+              <a:t>Como agrupar vários input do tipo radio, impedindo que mais de um input seja selecionado</a:t>
+            </a:r>
+          </a:p>
+          <a:p>
+            <a:pPr marL="171450" indent="-171450">
+              <a:lnSpc>
+                <a:spcPct val="110000"/>
+              </a:lnSpc>
+              <a:buFont typeface="Wingdings" panose="05000000000000000000" pitchFamily="2" charset="2"/>
+              <a:buChar char="q"/>
+            </a:pPr>
+            <a:r>
+              <a:rPr lang="pt-BR" dirty="0"/>
+              <a:t>O input do tipo </a:t>
+            </a:r>
+            <a:r>
+              <a:rPr lang="pt-BR" dirty="0" err="1"/>
+              <a:t>checkbox</a:t>
+            </a:r>
+            <a:endParaRPr lang="pt-BR" dirty="0"/>
+          </a:p>
+          <a:p>
+            <a:pPr marL="171450" indent="-171450">
+              <a:lnSpc>
+                <a:spcPct val="110000"/>
+              </a:lnSpc>
+              <a:buFont typeface="Wingdings" panose="05000000000000000000" pitchFamily="2" charset="2"/>
+              <a:buChar char="q"/>
+            </a:pPr>
+            <a:r>
+              <a:rPr lang="pt-BR" dirty="0"/>
+              <a:t>Que podemos criar um input dentro de um </a:t>
+            </a:r>
+            <a:r>
+              <a:rPr lang="pt-BR" dirty="0" err="1"/>
+              <a:t>label</a:t>
+            </a:r>
+            <a:r>
+              <a:rPr lang="pt-BR" dirty="0"/>
+              <a:t>, assim associando-os</a:t>
+            </a:r>
+          </a:p>
+          <a:p>
+            <a:pPr marL="171450" indent="-171450">
+              <a:lnSpc>
+                <a:spcPct val="110000"/>
+              </a:lnSpc>
+              <a:buFont typeface="Wingdings" panose="05000000000000000000" pitchFamily="2" charset="2"/>
+              <a:buChar char="q"/>
+            </a:pPr>
+            <a:r>
+              <a:rPr lang="pt-BR" dirty="0"/>
+              <a:t>Mais estilizações para a nossa página</a:t>
+            </a:r>
+          </a:p>
+          <a:p>
+            <a:pPr marL="171450" indent="-171450">
+              <a:lnSpc>
+                <a:spcPct val="110000"/>
+              </a:lnSpc>
+              <a:buFont typeface="Wingdings" panose="05000000000000000000" pitchFamily="2" charset="2"/>
+              <a:buChar char="q"/>
+            </a:pPr>
+            <a:r>
+              <a:rPr lang="pt-BR" dirty="0"/>
+              <a:t>Como funciona a hierarquia no CSS</a:t>
+            </a:r>
+          </a:p>
+          <a:p>
+            <a:pPr marL="171450" indent="-171450">
+              <a:lnSpc>
+                <a:spcPct val="110000"/>
+              </a:lnSpc>
+              <a:buFont typeface="Wingdings" panose="05000000000000000000" pitchFamily="2" charset="2"/>
+              <a:buChar char="q"/>
+            </a:pPr>
+            <a:r>
+              <a:rPr lang="pt-BR" dirty="0"/>
+              <a:t>O </a:t>
+            </a:r>
+            <a:r>
+              <a:rPr lang="pt-BR" dirty="0" err="1"/>
+              <a:t>select</a:t>
+            </a:r>
+            <a:r>
+              <a:rPr lang="pt-BR" dirty="0"/>
+              <a:t>, que é seletor, um campo de seleção de um item, e o </a:t>
+            </a:r>
+            <a:r>
+              <a:rPr lang="pt-BR" dirty="0" err="1"/>
+              <a:t>option</a:t>
+            </a:r>
+            <a:r>
+              <a:rPr lang="pt-BR" dirty="0"/>
+              <a:t>, que representa cada opção do seletor</a:t>
+            </a:r>
+          </a:p>
+        </p:txBody>
+      </p:sp>
+    </p:spTree>
+    <p:extLst>
+      <p:ext uri="{BB962C8B-B14F-4D97-AF65-F5344CB8AC3E}">
+        <p14:creationId xmlns:p14="http://schemas.microsoft.com/office/powerpoint/2010/main" val="2779720703"/>
       </p:ext>
     </p:extLst>
   </p:cSld>

--- a/Trilhas/[Iniciante em Programação T5 - ONE]/Material/05.HTML5_e_CSS3-parte_3.pptx
+++ b/Trilhas/[Iniciante em Programação T5 - ONE]/Material/05.HTML5_e_CSS3-parte_3.pptx
@@ -5,10 +5,10 @@
     <p:sldMasterId id="2147483660" r:id="rId1"/>
   </p:sldMasterIdLst>
   <p:notesMasterIdLst>
-    <p:notesMasterId r:id="rId15"/>
+    <p:notesMasterId r:id="rId23"/>
   </p:notesMasterIdLst>
   <p:handoutMasterIdLst>
-    <p:handoutMasterId r:id="rId16"/>
+    <p:handoutMasterId r:id="rId24"/>
   </p:handoutMasterIdLst>
   <p:sldIdLst>
     <p:sldId id="256" r:id="rId2"/>
@@ -24,6 +24,14 @@
     <p:sldId id="296" r:id="rId12"/>
     <p:sldId id="297" r:id="rId13"/>
     <p:sldId id="298" r:id="rId14"/>
+    <p:sldId id="299" r:id="rId15"/>
+    <p:sldId id="300" r:id="rId16"/>
+    <p:sldId id="301" r:id="rId17"/>
+    <p:sldId id="302" r:id="rId18"/>
+    <p:sldId id="303" r:id="rId19"/>
+    <p:sldId id="304" r:id="rId20"/>
+    <p:sldId id="305" r:id="rId21"/>
+    <p:sldId id="306" r:id="rId22"/>
   </p:sldIdLst>
   <p:sldSz cx="12192000" cy="6858000"/>
   <p:notesSz cx="6858000" cy="9144000"/>
@@ -140,6 +148,14 @@
             <p14:sldId id="296"/>
             <p14:sldId id="297"/>
             <p14:sldId id="298"/>
+            <p14:sldId id="299"/>
+            <p14:sldId id="300"/>
+            <p14:sldId id="301"/>
+            <p14:sldId id="302"/>
+            <p14:sldId id="303"/>
+            <p14:sldId id="304"/>
+            <p14:sldId id="305"/>
+            <p14:sldId id="306"/>
           </p14:sldIdLst>
         </p14:section>
       </p14:sectionLst>
@@ -255,7 +271,7 @@
             <a:pPr rtl="0"/>
             <a:fld id="{12E8EFE0-5F29-4A8F-882F-2C5E3702D946}" type="datetime1">
               <a:rPr lang="pt-BR" smtClean="0"/>
-              <a:t>11/05/2023</a:t>
+              <a:t>17/05/2023</a:t>
             </a:fld>
             <a:endParaRPr lang="pt-BR"/>
           </a:p>
@@ -425,7 +441,7 @@
             <a:fld id="{25C915AE-A572-46FB-8F05-B028884B90C4}" type="datetime1">
               <a:rPr lang="pt-BR" smtClean="0"/>
               <a:pPr/>
-              <a:t>11/05/2023</a:t>
+              <a:t>17/05/2023</a:t>
             </a:fld>
             <a:endParaRPr lang="pt-BR" dirty="0"/>
           </a:p>
@@ -1225,7 +1241,7 @@
             <a:pPr rtl="0"/>
             <a:fld id="{DFFABA16-A60E-4C58-9DC9-284576B05B35}" type="datetime1">
               <a:rPr lang="pt-BR" noProof="0" smtClean="0"/>
-              <a:t>11/05/2023</a:t>
+              <a:t>17/05/2023</a:t>
             </a:fld>
             <a:endParaRPr lang="pt-BR" noProof="0"/>
           </a:p>
@@ -1851,7 +1867,7 @@
             <a:pPr rtl="0"/>
             <a:fld id="{495CCA5C-24EB-4738-B463-0ADFEF5D3564}" type="datetime1">
               <a:rPr lang="pt-BR" noProof="0" smtClean="0"/>
-              <a:t>11/05/2023</a:t>
+              <a:t>17/05/2023</a:t>
             </a:fld>
             <a:endParaRPr lang="pt-BR" noProof="0" dirty="0"/>
           </a:p>
@@ -4332,6 +4348,4727 @@
 </p:sld>
 </file>
 
+<file path=ppt/slides/slide14.xml><?xml version="1.0" encoding="utf-8"?>
+<p:sld xmlns:a="http://schemas.openxmlformats.org/drawingml/2006/main" xmlns:r="http://schemas.openxmlformats.org/officeDocument/2006/relationships" xmlns:p="http://schemas.openxmlformats.org/presentationml/2006/main">
+  <p:cSld>
+    <p:spTree>
+      <p:nvGrpSpPr>
+        <p:cNvPr id="1" name=""/>
+        <p:cNvGrpSpPr/>
+        <p:nvPr/>
+      </p:nvGrpSpPr>
+      <p:grpSpPr>
+        <a:xfrm>
+          <a:off x="0" y="0"/>
+          <a:ext cx="0" cy="0"/>
+          <a:chOff x="0" y="0"/>
+          <a:chExt cx="0" cy="0"/>
+        </a:xfrm>
+      </p:grpSpPr>
+      <p:sp>
+        <p:nvSpPr>
+          <p:cNvPr id="2" name="Título 1">
+            <a:extLst>
+              <a:ext uri="{FF2B5EF4-FFF2-40B4-BE49-F238E27FC236}">
+                <a16:creationId xmlns:a16="http://schemas.microsoft.com/office/drawing/2014/main" id="{53EFEA1D-A38C-8B2C-92D6-2176E835BDDE}"/>
+              </a:ext>
+            </a:extLst>
+          </p:cNvPr>
+          <p:cNvSpPr>
+            <a:spLocks noGrp="1"/>
+          </p:cNvSpPr>
+          <p:nvPr>
+            <p:ph type="title"/>
+          </p:nvPr>
+        </p:nvSpPr>
+        <p:spPr/>
+        <p:txBody>
+          <a:bodyPr/>
+          <a:lstStyle/>
+          <a:p>
+            <a:r>
+              <a:rPr lang="pt-BR" dirty="0"/>
+              <a:t>Aprendizado – Melhorando a semântica </a:t>
+            </a:r>
+          </a:p>
+        </p:txBody>
+      </p:sp>
+      <p:sp>
+        <p:nvSpPr>
+          <p:cNvPr id="3" name="Espaço Reservado para Conteúdo 2">
+            <a:extLst>
+              <a:ext uri="{FF2B5EF4-FFF2-40B4-BE49-F238E27FC236}">
+                <a16:creationId xmlns:a16="http://schemas.microsoft.com/office/drawing/2014/main" id="{FE0BAE66-BA0B-269E-3D66-600A7FAE1A64}"/>
+              </a:ext>
+            </a:extLst>
+          </p:cNvPr>
+          <p:cNvSpPr>
+            <a:spLocks noGrp="1"/>
+          </p:cNvSpPr>
+          <p:nvPr>
+            <p:ph sz="quarter" idx="10"/>
+          </p:nvPr>
+        </p:nvSpPr>
+        <p:spPr>
+          <a:xfrm>
+            <a:off x="539496" y="1435607"/>
+            <a:ext cx="4416552" cy="5073347"/>
+          </a:xfrm>
+        </p:spPr>
+        <p:txBody>
+          <a:bodyPr>
+            <a:normAutofit/>
+          </a:bodyPr>
+          <a:lstStyle/>
+          <a:p>
+            <a:r>
+              <a:rPr lang="pt-BR" b="1" i="1" dirty="0"/>
+              <a:t>INPUTS PARA CELULARES</a:t>
+            </a:r>
+          </a:p>
+          <a:p>
+            <a:r>
+              <a:rPr lang="pt-BR" b="1" dirty="0"/>
+              <a:t>Mobile Input </a:t>
+            </a:r>
+            <a:r>
+              <a:rPr lang="pt-BR" b="1" dirty="0" err="1"/>
+              <a:t>Types</a:t>
+            </a:r>
+            <a:r>
+              <a:rPr lang="pt-BR" dirty="0"/>
+              <a:t>: Mostra visualmente o resultado esperado quando estamos usando um tipo de HTML5 de input em um celular.</a:t>
+            </a:r>
+          </a:p>
+          <a:p>
+            <a:r>
+              <a:rPr lang="pt-BR" dirty="0"/>
+              <a:t>SITE: </a:t>
+            </a:r>
+            <a:r>
+              <a:rPr lang="pt-BR" dirty="0">
+                <a:hlinkClick r:id="rId2"/>
+              </a:rPr>
+              <a:t>http://mobileinputtypes.com/</a:t>
+            </a:r>
+            <a:endParaRPr lang="pt-BR" dirty="0"/>
+          </a:p>
+          <a:p>
+            <a:r>
+              <a:rPr lang="pt-BR" dirty="0"/>
+              <a:t>Quando temos um input do tipo texto, o teclado permanece o mesmo, o teclado padrão do celular.</a:t>
+            </a:r>
+          </a:p>
+          <a:p>
+            <a:endParaRPr lang="pt-BR" dirty="0"/>
+          </a:p>
+        </p:txBody>
+      </p:sp>
+      <p:sp>
+        <p:nvSpPr>
+          <p:cNvPr id="6" name="Espaço Reservado para Conteúdo 2">
+            <a:extLst>
+              <a:ext uri="{FF2B5EF4-FFF2-40B4-BE49-F238E27FC236}">
+                <a16:creationId xmlns:a16="http://schemas.microsoft.com/office/drawing/2014/main" id="{501EE243-B75A-9F67-64AD-C745AC0D933A}"/>
+              </a:ext>
+            </a:extLst>
+          </p:cNvPr>
+          <p:cNvSpPr txBox="1">
+            <a:spLocks/>
+          </p:cNvSpPr>
+          <p:nvPr/>
+        </p:nvSpPr>
+        <p:spPr>
+          <a:xfrm>
+            <a:off x="6374941" y="1435606"/>
+            <a:ext cx="4416552" cy="5073347"/>
+          </a:xfrm>
+          <a:prstGeom prst="rect">
+            <a:avLst/>
+          </a:prstGeom>
+        </p:spPr>
+        <p:txBody>
+          <a:bodyPr vert="horz" lIns="91440" tIns="45720" rIns="91440" bIns="45720" rtlCol="0">
+            <a:normAutofit/>
+          </a:bodyPr>
+          <a:lstStyle>
+            <a:lvl1pPr marL="0" indent="0" algn="l" defTabSz="914400" rtl="0" eaLnBrk="1" latinLnBrk="0" hangingPunct="1">
+              <a:lnSpc>
+                <a:spcPct val="150000"/>
+              </a:lnSpc>
+              <a:spcBef>
+                <a:spcPts val="1000"/>
+              </a:spcBef>
+              <a:spcAft>
+                <a:spcPts val="1200"/>
+              </a:spcAft>
+              <a:buFontTx/>
+              <a:buNone/>
+              <a:defRPr lang="en-US" sz="1200" kern="1200" smtClean="0">
+                <a:solidFill>
+                  <a:schemeClr val="tx1">
+                    <a:lumMod val="75000"/>
+                    <a:lumOff val="25000"/>
+                  </a:schemeClr>
+                </a:solidFill>
+                <a:latin typeface="+mn-lt"/>
+                <a:ea typeface="+mn-ea"/>
+                <a:cs typeface="+mn-cs"/>
+              </a:defRPr>
+            </a:lvl1pPr>
+            <a:lvl2pPr marL="228600" indent="-228600" algn="l" defTabSz="914400" rtl="0" eaLnBrk="1" latinLnBrk="0" hangingPunct="1">
+              <a:lnSpc>
+                <a:spcPct val="150000"/>
+              </a:lnSpc>
+              <a:spcBef>
+                <a:spcPts val="1000"/>
+              </a:spcBef>
+              <a:spcAft>
+                <a:spcPts val="1200"/>
+              </a:spcAft>
+              <a:buFont typeface="Arial" panose="020B0604020202020204" pitchFamily="34" charset="0"/>
+              <a:buChar char="•"/>
+              <a:defRPr lang="en-US" sz="1200" kern="1200" smtClean="0">
+                <a:solidFill>
+                  <a:schemeClr val="tx1">
+                    <a:lumMod val="75000"/>
+                    <a:lumOff val="25000"/>
+                  </a:schemeClr>
+                </a:solidFill>
+                <a:latin typeface="+mn-lt"/>
+                <a:ea typeface="+mn-ea"/>
+                <a:cs typeface="+mn-cs"/>
+              </a:defRPr>
+            </a:lvl2pPr>
+            <a:lvl3pPr marL="685800" indent="-228600" algn="l" defTabSz="914400" rtl="0" eaLnBrk="1" latinLnBrk="0" hangingPunct="1">
+              <a:lnSpc>
+                <a:spcPct val="150000"/>
+              </a:lnSpc>
+              <a:spcBef>
+                <a:spcPts val="1000"/>
+              </a:spcBef>
+              <a:spcAft>
+                <a:spcPts val="1200"/>
+              </a:spcAft>
+              <a:buFont typeface="Arial" panose="020B0604020202020204" pitchFamily="34" charset="0"/>
+              <a:buChar char="•"/>
+              <a:defRPr lang="en-US" sz="1200" kern="1200" smtClean="0">
+                <a:solidFill>
+                  <a:schemeClr val="tx1">
+                    <a:lumMod val="75000"/>
+                    <a:lumOff val="25000"/>
+                  </a:schemeClr>
+                </a:solidFill>
+                <a:latin typeface="+mn-lt"/>
+                <a:ea typeface="+mn-ea"/>
+                <a:cs typeface="+mn-cs"/>
+              </a:defRPr>
+            </a:lvl3pPr>
+            <a:lvl4pPr marL="1143000" indent="-228600" algn="l" defTabSz="914400" rtl="0" eaLnBrk="1" latinLnBrk="0" hangingPunct="1">
+              <a:lnSpc>
+                <a:spcPct val="150000"/>
+              </a:lnSpc>
+              <a:spcBef>
+                <a:spcPts val="1000"/>
+              </a:spcBef>
+              <a:spcAft>
+                <a:spcPts val="1200"/>
+              </a:spcAft>
+              <a:buFont typeface="Arial" panose="020B0604020202020204" pitchFamily="34" charset="0"/>
+              <a:buChar char="•"/>
+              <a:defRPr lang="en-US" sz="1200" kern="1200" smtClean="0">
+                <a:solidFill>
+                  <a:schemeClr val="tx1">
+                    <a:lumMod val="75000"/>
+                    <a:lumOff val="25000"/>
+                  </a:schemeClr>
+                </a:solidFill>
+                <a:latin typeface="+mn-lt"/>
+                <a:ea typeface="+mn-ea"/>
+                <a:cs typeface="+mn-cs"/>
+              </a:defRPr>
+            </a:lvl4pPr>
+            <a:lvl5pPr marL="1600200" indent="-228600" algn="l" defTabSz="914400" rtl="0" eaLnBrk="1" latinLnBrk="0" hangingPunct="1">
+              <a:lnSpc>
+                <a:spcPct val="150000"/>
+              </a:lnSpc>
+              <a:spcBef>
+                <a:spcPts val="1000"/>
+              </a:spcBef>
+              <a:spcAft>
+                <a:spcPts val="1200"/>
+              </a:spcAft>
+              <a:buFont typeface="Arial" panose="020B0604020202020204" pitchFamily="34" charset="0"/>
+              <a:buChar char="•"/>
+              <a:defRPr lang="en-US" sz="1200" kern="1200">
+                <a:solidFill>
+                  <a:schemeClr val="tx1">
+                    <a:lumMod val="75000"/>
+                    <a:lumOff val="25000"/>
+                  </a:schemeClr>
+                </a:solidFill>
+                <a:latin typeface="+mn-lt"/>
+                <a:ea typeface="+mn-ea"/>
+                <a:cs typeface="+mn-cs"/>
+              </a:defRPr>
+            </a:lvl5pPr>
+            <a:lvl6pPr marL="2057400" indent="-228600" algn="l" defTabSz="914400" rtl="0" eaLnBrk="1" latinLnBrk="0" hangingPunct="1">
+              <a:lnSpc>
+                <a:spcPct val="150000"/>
+              </a:lnSpc>
+              <a:spcBef>
+                <a:spcPts val="1000"/>
+              </a:spcBef>
+              <a:spcAft>
+                <a:spcPts val="1200"/>
+              </a:spcAft>
+              <a:buFont typeface="Arial" panose="020B0604020202020204" pitchFamily="34" charset="0"/>
+              <a:buChar char="•"/>
+              <a:defRPr lang="en-US" sz="1200" kern="1200" dirty="0" smtClean="0">
+                <a:solidFill>
+                  <a:schemeClr val="tx1"/>
+                </a:solidFill>
+                <a:latin typeface="+mn-lt"/>
+                <a:ea typeface="+mn-ea"/>
+                <a:cs typeface="+mn-cs"/>
+              </a:defRPr>
+            </a:lvl6pPr>
+            <a:lvl7pPr marL="2514600" indent="-228600" algn="l" defTabSz="914400" rtl="0" eaLnBrk="1" latinLnBrk="0" hangingPunct="1">
+              <a:lnSpc>
+                <a:spcPct val="150000"/>
+              </a:lnSpc>
+              <a:spcBef>
+                <a:spcPts val="1000"/>
+              </a:spcBef>
+              <a:spcAft>
+                <a:spcPts val="1200"/>
+              </a:spcAft>
+              <a:buFont typeface="Arial" panose="020B0604020202020204" pitchFamily="34" charset="0"/>
+              <a:buChar char="•"/>
+              <a:defRPr lang="en-US" sz="1200" kern="1200" dirty="0" smtClean="0">
+                <a:solidFill>
+                  <a:schemeClr val="tx1"/>
+                </a:solidFill>
+                <a:latin typeface="+mn-lt"/>
+                <a:ea typeface="+mn-ea"/>
+                <a:cs typeface="+mn-cs"/>
+              </a:defRPr>
+            </a:lvl7pPr>
+            <a:lvl8pPr marL="2971800" indent="-228600" algn="l" defTabSz="914400" rtl="0" eaLnBrk="1" latinLnBrk="0" hangingPunct="1">
+              <a:lnSpc>
+                <a:spcPct val="150000"/>
+              </a:lnSpc>
+              <a:spcBef>
+                <a:spcPts val="1000"/>
+              </a:spcBef>
+              <a:spcAft>
+                <a:spcPts val="1200"/>
+              </a:spcAft>
+              <a:buFont typeface="Arial" panose="020B0604020202020204" pitchFamily="34" charset="0"/>
+              <a:buChar char="•"/>
+              <a:defRPr lang="en-US" sz="1200" kern="1200" dirty="0" smtClean="0">
+                <a:solidFill>
+                  <a:schemeClr val="tx1"/>
+                </a:solidFill>
+                <a:latin typeface="+mn-lt"/>
+                <a:ea typeface="+mn-ea"/>
+                <a:cs typeface="+mn-cs"/>
+              </a:defRPr>
+            </a:lvl8pPr>
+            <a:lvl9pPr marL="3429000" indent="-228600" algn="l" defTabSz="914400" rtl="0" eaLnBrk="1" latinLnBrk="0" hangingPunct="1">
+              <a:lnSpc>
+                <a:spcPct val="90000"/>
+              </a:lnSpc>
+              <a:spcBef>
+                <a:spcPct val="30000"/>
+              </a:spcBef>
+              <a:buFont typeface="Arial" panose="020B0604020202020204" pitchFamily="34" charset="0"/>
+              <a:buNone/>
+              <a:defRPr sz="1200" kern="1200">
+                <a:solidFill>
+                  <a:schemeClr val="tx1"/>
+                </a:solidFill>
+                <a:latin typeface="+mn-lt"/>
+                <a:ea typeface="+mn-ea"/>
+                <a:cs typeface="+mn-cs"/>
+              </a:defRPr>
+            </a:lvl9pPr>
+          </a:lstStyle>
+          <a:p>
+            <a:r>
+              <a:rPr lang="pt-BR" b="1" dirty="0">
+                <a:solidFill>
+                  <a:srgbClr val="FFFFFF"/>
+                </a:solidFill>
+                <a:effectLst/>
+              </a:rPr>
+              <a:t>.</a:t>
+            </a:r>
+          </a:p>
+          <a:p>
+            <a:endParaRPr lang="pt-BR" dirty="0"/>
+          </a:p>
+        </p:txBody>
+      </p:sp>
+    </p:spTree>
+    <p:extLst>
+      <p:ext uri="{BB962C8B-B14F-4D97-AF65-F5344CB8AC3E}">
+        <p14:creationId xmlns:p14="http://schemas.microsoft.com/office/powerpoint/2010/main" val="2530361932"/>
+      </p:ext>
+    </p:extLst>
+  </p:cSld>
+  <p:clrMapOvr>
+    <a:masterClrMapping/>
+  </p:clrMapOvr>
+</p:sld>
+</file>
+
+<file path=ppt/slides/slide15.xml><?xml version="1.0" encoding="utf-8"?>
+<p:sld xmlns:a="http://schemas.openxmlformats.org/drawingml/2006/main" xmlns:r="http://schemas.openxmlformats.org/officeDocument/2006/relationships" xmlns:p="http://schemas.openxmlformats.org/presentationml/2006/main">
+  <p:cSld>
+    <p:spTree>
+      <p:nvGrpSpPr>
+        <p:cNvPr id="1" name=""/>
+        <p:cNvGrpSpPr/>
+        <p:nvPr/>
+      </p:nvGrpSpPr>
+      <p:grpSpPr>
+        <a:xfrm>
+          <a:off x="0" y="0"/>
+          <a:ext cx="0" cy="0"/>
+          <a:chOff x="0" y="0"/>
+          <a:chExt cx="0" cy="0"/>
+        </a:xfrm>
+      </p:grpSpPr>
+      <p:sp>
+        <p:nvSpPr>
+          <p:cNvPr id="2" name="Título 1">
+            <a:extLst>
+              <a:ext uri="{FF2B5EF4-FFF2-40B4-BE49-F238E27FC236}">
+                <a16:creationId xmlns:a16="http://schemas.microsoft.com/office/drawing/2014/main" id="{3E147607-50CA-6841-6231-FC0EB8B5D0E1}"/>
+              </a:ext>
+            </a:extLst>
+          </p:cNvPr>
+          <p:cNvSpPr>
+            <a:spLocks noGrp="1"/>
+          </p:cNvSpPr>
+          <p:nvPr>
+            <p:ph type="title"/>
+          </p:nvPr>
+        </p:nvSpPr>
+        <p:spPr/>
+        <p:txBody>
+          <a:bodyPr/>
+          <a:lstStyle/>
+          <a:p>
+            <a:r>
+              <a:rPr lang="pt-BR" dirty="0"/>
+              <a:t>Aprendizado – Melhorando a semântica </a:t>
+            </a:r>
+          </a:p>
+        </p:txBody>
+      </p:sp>
+      <p:sp>
+        <p:nvSpPr>
+          <p:cNvPr id="3" name="Espaço Reservado para Conteúdo 2">
+            <a:extLst>
+              <a:ext uri="{FF2B5EF4-FFF2-40B4-BE49-F238E27FC236}">
+                <a16:creationId xmlns:a16="http://schemas.microsoft.com/office/drawing/2014/main" id="{1F323272-C73F-70B5-2A92-BC97999C3ABE}"/>
+              </a:ext>
+            </a:extLst>
+          </p:cNvPr>
+          <p:cNvSpPr>
+            <a:spLocks noGrp="1"/>
+          </p:cNvSpPr>
+          <p:nvPr>
+            <p:ph sz="quarter" idx="10"/>
+          </p:nvPr>
+        </p:nvSpPr>
+        <p:spPr>
+          <a:xfrm>
+            <a:off x="521207" y="1440180"/>
+            <a:ext cx="2693941" cy="4969764"/>
+          </a:xfrm>
+        </p:spPr>
+        <p:txBody>
+          <a:bodyPr/>
+          <a:lstStyle/>
+          <a:p>
+            <a:r>
+              <a:rPr lang="pt-BR" b="1" i="1" dirty="0"/>
+              <a:t>INPUTS PARA CELULARES</a:t>
+            </a:r>
+          </a:p>
+          <a:p>
+            <a:r>
+              <a:rPr lang="pt-BR" sz="1100" b="1" dirty="0"/>
+              <a:t>input o tipo "</a:t>
+            </a:r>
+            <a:r>
+              <a:rPr lang="pt-BR" sz="1100" b="1" dirty="0" err="1"/>
+              <a:t>email</a:t>
+            </a:r>
+            <a:r>
+              <a:rPr lang="pt-BR" sz="1100" b="1" dirty="0"/>
+              <a:t>" </a:t>
+            </a:r>
+            <a:r>
+              <a:rPr lang="pt-BR" sz="1100" dirty="0"/>
+              <a:t>-&gt; Ao invés de uma barra de espaço muito grande, a barra de espaço é dividida e terá um arroba, um ponto. Em alguns teclados e sistemas operacionais, terá um “.com”. Isso facilita a vida do usuário na hora de cadastrar o seu e-mail.</a:t>
+            </a:r>
+          </a:p>
+          <a:p>
+            <a:r>
+              <a:rPr lang="pt-BR" sz="1100" b="1" dirty="0">
+                <a:solidFill>
+                  <a:srgbClr val="9999AA"/>
+                </a:solidFill>
+                <a:effectLst/>
+              </a:rPr>
+              <a:t>&lt;</a:t>
+            </a:r>
+            <a:r>
+              <a:rPr lang="pt-BR" sz="1100" b="1" dirty="0">
+                <a:solidFill>
+                  <a:srgbClr val="BBA0FF"/>
+                </a:solidFill>
+                <a:effectLst/>
+              </a:rPr>
+              <a:t>input</a:t>
+            </a:r>
+            <a:r>
+              <a:rPr lang="pt-BR" sz="1100" b="1" dirty="0">
+                <a:solidFill>
+                  <a:srgbClr val="BBBBCC"/>
+                </a:solidFill>
+                <a:effectLst/>
+              </a:rPr>
+              <a:t> </a:t>
+            </a:r>
+            <a:r>
+              <a:rPr lang="pt-BR" sz="1100" b="1" dirty="0" err="1">
+                <a:solidFill>
+                  <a:srgbClr val="FFDD44"/>
+                </a:solidFill>
+                <a:effectLst/>
+              </a:rPr>
+              <a:t>type</a:t>
+            </a:r>
+            <a:r>
+              <a:rPr lang="pt-BR" sz="1100" b="1" dirty="0">
+                <a:solidFill>
+                  <a:srgbClr val="BBBBCC"/>
+                </a:solidFill>
+                <a:effectLst/>
+              </a:rPr>
+              <a:t>=</a:t>
+            </a:r>
+            <a:r>
+              <a:rPr lang="pt-BR" sz="1100" b="1" dirty="0">
+                <a:solidFill>
+                  <a:srgbClr val="88CC44"/>
+                </a:solidFill>
+                <a:effectLst/>
+              </a:rPr>
+              <a:t>"</a:t>
+            </a:r>
+            <a:r>
+              <a:rPr lang="pt-BR" sz="1100" b="1" dirty="0" err="1">
+                <a:solidFill>
+                  <a:srgbClr val="88CC44"/>
+                </a:solidFill>
+                <a:effectLst/>
+              </a:rPr>
+              <a:t>email</a:t>
+            </a:r>
+            <a:r>
+              <a:rPr lang="pt-BR" sz="1100" b="1" dirty="0">
+                <a:solidFill>
+                  <a:srgbClr val="88CC44"/>
+                </a:solidFill>
+                <a:effectLst/>
+              </a:rPr>
+              <a:t>"</a:t>
+            </a:r>
+            <a:r>
+              <a:rPr lang="pt-BR" sz="1100" b="1" dirty="0">
+                <a:solidFill>
+                  <a:srgbClr val="9999AA"/>
+                </a:solidFill>
+                <a:effectLst/>
+              </a:rPr>
+              <a:t>&gt;</a:t>
+            </a:r>
+          </a:p>
+          <a:p>
+            <a:r>
+              <a:rPr lang="pt-BR" sz="1100" b="1" dirty="0">
+                <a:effectLst/>
+              </a:rPr>
+              <a:t>input tipo “</a:t>
+            </a:r>
+            <a:r>
+              <a:rPr lang="pt-BR" sz="1100" b="1" dirty="0" err="1">
+                <a:effectLst/>
+              </a:rPr>
+              <a:t>tel</a:t>
+            </a:r>
+            <a:r>
+              <a:rPr lang="pt-BR" sz="1100" b="1" dirty="0">
+                <a:effectLst/>
+              </a:rPr>
+              <a:t>” </a:t>
+            </a:r>
+            <a:r>
+              <a:rPr lang="pt-BR" sz="1100" dirty="0">
+                <a:effectLst/>
+              </a:rPr>
+              <a:t>-&gt; Troca o teclado para teclado numérico</a:t>
+            </a:r>
+          </a:p>
+          <a:p>
+            <a:r>
+              <a:rPr lang="pt-BR" sz="1100" b="1" dirty="0">
+                <a:solidFill>
+                  <a:srgbClr val="9999AA"/>
+                </a:solidFill>
+                <a:effectLst/>
+              </a:rPr>
+              <a:t>&lt;</a:t>
+            </a:r>
+            <a:r>
+              <a:rPr lang="pt-BR" sz="1100" b="1" dirty="0">
+                <a:solidFill>
+                  <a:srgbClr val="BBA0FF"/>
+                </a:solidFill>
+                <a:effectLst/>
+              </a:rPr>
+              <a:t>input</a:t>
+            </a:r>
+            <a:r>
+              <a:rPr lang="pt-BR" sz="1100" b="1" dirty="0">
+                <a:solidFill>
+                  <a:srgbClr val="BBBBCC"/>
+                </a:solidFill>
+                <a:effectLst/>
+              </a:rPr>
+              <a:t> </a:t>
+            </a:r>
+            <a:r>
+              <a:rPr lang="pt-BR" sz="1100" b="1" dirty="0" err="1">
+                <a:solidFill>
+                  <a:srgbClr val="FFDD44"/>
+                </a:solidFill>
+                <a:effectLst/>
+              </a:rPr>
+              <a:t>type</a:t>
+            </a:r>
+            <a:r>
+              <a:rPr lang="pt-BR" sz="1100" b="1" dirty="0">
+                <a:solidFill>
+                  <a:srgbClr val="BBBBCC"/>
+                </a:solidFill>
+                <a:effectLst/>
+              </a:rPr>
+              <a:t>=</a:t>
+            </a:r>
+            <a:r>
+              <a:rPr lang="pt-BR" sz="1100" b="1" dirty="0">
+                <a:solidFill>
+                  <a:srgbClr val="88CC44"/>
+                </a:solidFill>
+                <a:effectLst/>
+              </a:rPr>
+              <a:t>"</a:t>
+            </a:r>
+            <a:r>
+              <a:rPr lang="pt-BR" sz="1100" b="1" dirty="0" err="1">
+                <a:solidFill>
+                  <a:srgbClr val="88CC44"/>
+                </a:solidFill>
+                <a:effectLst/>
+              </a:rPr>
+              <a:t>tel</a:t>
+            </a:r>
+            <a:r>
+              <a:rPr lang="pt-BR" sz="1100" b="1" dirty="0">
+                <a:solidFill>
+                  <a:srgbClr val="88CC44"/>
+                </a:solidFill>
+                <a:effectLst/>
+              </a:rPr>
+              <a:t>"</a:t>
+            </a:r>
+            <a:r>
+              <a:rPr lang="pt-BR" sz="1100" b="1" dirty="0">
+                <a:solidFill>
+                  <a:srgbClr val="9999AA"/>
+                </a:solidFill>
+                <a:effectLst/>
+              </a:rPr>
+              <a:t>&gt;</a:t>
+            </a:r>
+            <a:endParaRPr lang="pt-BR" sz="1100" b="1" dirty="0">
+              <a:solidFill>
+                <a:srgbClr val="FFFFFF"/>
+              </a:solidFill>
+              <a:effectLst/>
+            </a:endParaRPr>
+          </a:p>
+          <a:p>
+            <a:endParaRPr lang="pt-BR" b="1" i="1" dirty="0"/>
+          </a:p>
+          <a:p>
+            <a:endParaRPr lang="pt-BR" dirty="0"/>
+          </a:p>
+        </p:txBody>
+      </p:sp>
+      <p:sp>
+        <p:nvSpPr>
+          <p:cNvPr id="4" name="Espaço Reservado para Conteúdo 2">
+            <a:extLst>
+              <a:ext uri="{FF2B5EF4-FFF2-40B4-BE49-F238E27FC236}">
+                <a16:creationId xmlns:a16="http://schemas.microsoft.com/office/drawing/2014/main" id="{559C64AB-B154-AD31-17C9-CDD37E2A6383}"/>
+              </a:ext>
+            </a:extLst>
+          </p:cNvPr>
+          <p:cNvSpPr txBox="1">
+            <a:spLocks/>
+          </p:cNvSpPr>
+          <p:nvPr/>
+        </p:nvSpPr>
+        <p:spPr>
+          <a:xfrm>
+            <a:off x="3448786" y="1440180"/>
+            <a:ext cx="2693941" cy="4969764"/>
+          </a:xfrm>
+          <a:prstGeom prst="rect">
+            <a:avLst/>
+          </a:prstGeom>
+        </p:spPr>
+        <p:txBody>
+          <a:bodyPr vert="horz" lIns="91440" tIns="45720" rIns="91440" bIns="45720" rtlCol="0">
+            <a:normAutofit fontScale="92500" lnSpcReduction="20000"/>
+          </a:bodyPr>
+          <a:lstStyle>
+            <a:lvl1pPr marL="0" indent="0" algn="l" defTabSz="914400" rtl="0" eaLnBrk="1" latinLnBrk="0" hangingPunct="1">
+              <a:lnSpc>
+                <a:spcPct val="150000"/>
+              </a:lnSpc>
+              <a:spcBef>
+                <a:spcPts val="1000"/>
+              </a:spcBef>
+              <a:spcAft>
+                <a:spcPts val="1200"/>
+              </a:spcAft>
+              <a:buFontTx/>
+              <a:buNone/>
+              <a:defRPr lang="en-US" sz="1200" kern="1200" smtClean="0">
+                <a:solidFill>
+                  <a:schemeClr val="tx1">
+                    <a:lumMod val="75000"/>
+                    <a:lumOff val="25000"/>
+                  </a:schemeClr>
+                </a:solidFill>
+                <a:latin typeface="+mn-lt"/>
+                <a:ea typeface="+mn-ea"/>
+                <a:cs typeface="+mn-cs"/>
+              </a:defRPr>
+            </a:lvl1pPr>
+            <a:lvl2pPr marL="228600" indent="-228600" algn="l" defTabSz="914400" rtl="0" eaLnBrk="1" latinLnBrk="0" hangingPunct="1">
+              <a:lnSpc>
+                <a:spcPct val="150000"/>
+              </a:lnSpc>
+              <a:spcBef>
+                <a:spcPts val="1000"/>
+              </a:spcBef>
+              <a:spcAft>
+                <a:spcPts val="1200"/>
+              </a:spcAft>
+              <a:buFont typeface="Arial" panose="020B0604020202020204" pitchFamily="34" charset="0"/>
+              <a:buChar char="•"/>
+              <a:defRPr lang="en-US" sz="1200" kern="1200" smtClean="0">
+                <a:solidFill>
+                  <a:schemeClr val="tx1">
+                    <a:lumMod val="75000"/>
+                    <a:lumOff val="25000"/>
+                  </a:schemeClr>
+                </a:solidFill>
+                <a:latin typeface="+mn-lt"/>
+                <a:ea typeface="+mn-ea"/>
+                <a:cs typeface="+mn-cs"/>
+              </a:defRPr>
+            </a:lvl2pPr>
+            <a:lvl3pPr marL="685800" indent="-228600" algn="l" defTabSz="914400" rtl="0" eaLnBrk="1" latinLnBrk="0" hangingPunct="1">
+              <a:lnSpc>
+                <a:spcPct val="150000"/>
+              </a:lnSpc>
+              <a:spcBef>
+                <a:spcPts val="1000"/>
+              </a:spcBef>
+              <a:spcAft>
+                <a:spcPts val="1200"/>
+              </a:spcAft>
+              <a:buFont typeface="Arial" panose="020B0604020202020204" pitchFamily="34" charset="0"/>
+              <a:buChar char="•"/>
+              <a:defRPr lang="en-US" sz="1200" kern="1200" smtClean="0">
+                <a:solidFill>
+                  <a:schemeClr val="tx1">
+                    <a:lumMod val="75000"/>
+                    <a:lumOff val="25000"/>
+                  </a:schemeClr>
+                </a:solidFill>
+                <a:latin typeface="+mn-lt"/>
+                <a:ea typeface="+mn-ea"/>
+                <a:cs typeface="+mn-cs"/>
+              </a:defRPr>
+            </a:lvl3pPr>
+            <a:lvl4pPr marL="1143000" indent="-228600" algn="l" defTabSz="914400" rtl="0" eaLnBrk="1" latinLnBrk="0" hangingPunct="1">
+              <a:lnSpc>
+                <a:spcPct val="150000"/>
+              </a:lnSpc>
+              <a:spcBef>
+                <a:spcPts val="1000"/>
+              </a:spcBef>
+              <a:spcAft>
+                <a:spcPts val="1200"/>
+              </a:spcAft>
+              <a:buFont typeface="Arial" panose="020B0604020202020204" pitchFamily="34" charset="0"/>
+              <a:buChar char="•"/>
+              <a:defRPr lang="en-US" sz="1200" kern="1200" smtClean="0">
+                <a:solidFill>
+                  <a:schemeClr val="tx1">
+                    <a:lumMod val="75000"/>
+                    <a:lumOff val="25000"/>
+                  </a:schemeClr>
+                </a:solidFill>
+                <a:latin typeface="+mn-lt"/>
+                <a:ea typeface="+mn-ea"/>
+                <a:cs typeface="+mn-cs"/>
+              </a:defRPr>
+            </a:lvl4pPr>
+            <a:lvl5pPr marL="1600200" indent="-228600" algn="l" defTabSz="914400" rtl="0" eaLnBrk="1" latinLnBrk="0" hangingPunct="1">
+              <a:lnSpc>
+                <a:spcPct val="150000"/>
+              </a:lnSpc>
+              <a:spcBef>
+                <a:spcPts val="1000"/>
+              </a:spcBef>
+              <a:spcAft>
+                <a:spcPts val="1200"/>
+              </a:spcAft>
+              <a:buFont typeface="Arial" panose="020B0604020202020204" pitchFamily="34" charset="0"/>
+              <a:buChar char="•"/>
+              <a:defRPr lang="en-US" sz="1200" kern="1200">
+                <a:solidFill>
+                  <a:schemeClr val="tx1">
+                    <a:lumMod val="75000"/>
+                    <a:lumOff val="25000"/>
+                  </a:schemeClr>
+                </a:solidFill>
+                <a:latin typeface="+mn-lt"/>
+                <a:ea typeface="+mn-ea"/>
+                <a:cs typeface="+mn-cs"/>
+              </a:defRPr>
+            </a:lvl5pPr>
+            <a:lvl6pPr marL="2057400" indent="-228600" algn="l" defTabSz="914400" rtl="0" eaLnBrk="1" latinLnBrk="0" hangingPunct="1">
+              <a:lnSpc>
+                <a:spcPct val="150000"/>
+              </a:lnSpc>
+              <a:spcBef>
+                <a:spcPts val="1000"/>
+              </a:spcBef>
+              <a:spcAft>
+                <a:spcPts val="1200"/>
+              </a:spcAft>
+              <a:buFont typeface="Arial" panose="020B0604020202020204" pitchFamily="34" charset="0"/>
+              <a:buChar char="•"/>
+              <a:defRPr lang="en-US" sz="1200" kern="1200" dirty="0" smtClean="0">
+                <a:solidFill>
+                  <a:schemeClr val="tx1"/>
+                </a:solidFill>
+                <a:latin typeface="+mn-lt"/>
+                <a:ea typeface="+mn-ea"/>
+                <a:cs typeface="+mn-cs"/>
+              </a:defRPr>
+            </a:lvl6pPr>
+            <a:lvl7pPr marL="2514600" indent="-228600" algn="l" defTabSz="914400" rtl="0" eaLnBrk="1" latinLnBrk="0" hangingPunct="1">
+              <a:lnSpc>
+                <a:spcPct val="150000"/>
+              </a:lnSpc>
+              <a:spcBef>
+                <a:spcPts val="1000"/>
+              </a:spcBef>
+              <a:spcAft>
+                <a:spcPts val="1200"/>
+              </a:spcAft>
+              <a:buFont typeface="Arial" panose="020B0604020202020204" pitchFamily="34" charset="0"/>
+              <a:buChar char="•"/>
+              <a:defRPr lang="en-US" sz="1200" kern="1200" dirty="0" smtClean="0">
+                <a:solidFill>
+                  <a:schemeClr val="tx1"/>
+                </a:solidFill>
+                <a:latin typeface="+mn-lt"/>
+                <a:ea typeface="+mn-ea"/>
+                <a:cs typeface="+mn-cs"/>
+              </a:defRPr>
+            </a:lvl7pPr>
+            <a:lvl8pPr marL="2971800" indent="-228600" algn="l" defTabSz="914400" rtl="0" eaLnBrk="1" latinLnBrk="0" hangingPunct="1">
+              <a:lnSpc>
+                <a:spcPct val="150000"/>
+              </a:lnSpc>
+              <a:spcBef>
+                <a:spcPts val="1000"/>
+              </a:spcBef>
+              <a:spcAft>
+                <a:spcPts val="1200"/>
+              </a:spcAft>
+              <a:buFont typeface="Arial" panose="020B0604020202020204" pitchFamily="34" charset="0"/>
+              <a:buChar char="•"/>
+              <a:defRPr lang="en-US" sz="1200" kern="1200" dirty="0" smtClean="0">
+                <a:solidFill>
+                  <a:schemeClr val="tx1"/>
+                </a:solidFill>
+                <a:latin typeface="+mn-lt"/>
+                <a:ea typeface="+mn-ea"/>
+                <a:cs typeface="+mn-cs"/>
+              </a:defRPr>
+            </a:lvl8pPr>
+            <a:lvl9pPr marL="3429000" indent="-228600" algn="l" defTabSz="914400" rtl="0" eaLnBrk="1" latinLnBrk="0" hangingPunct="1">
+              <a:lnSpc>
+                <a:spcPct val="90000"/>
+              </a:lnSpc>
+              <a:spcBef>
+                <a:spcPct val="30000"/>
+              </a:spcBef>
+              <a:buFont typeface="Arial" panose="020B0604020202020204" pitchFamily="34" charset="0"/>
+              <a:buNone/>
+              <a:defRPr sz="1200" kern="1200">
+                <a:solidFill>
+                  <a:schemeClr val="tx1"/>
+                </a:solidFill>
+                <a:latin typeface="+mn-lt"/>
+                <a:ea typeface="+mn-ea"/>
+                <a:cs typeface="+mn-cs"/>
+              </a:defRPr>
+            </a:lvl9pPr>
+          </a:lstStyle>
+          <a:p>
+            <a:endParaRPr lang="pt-BR" b="1" dirty="0"/>
+          </a:p>
+          <a:p>
+            <a:r>
+              <a:rPr lang="pt-BR" b="1" dirty="0"/>
+              <a:t>input tipo "</a:t>
+            </a:r>
+            <a:r>
+              <a:rPr lang="pt-BR" b="1" dirty="0" err="1"/>
+              <a:t>number</a:t>
+            </a:r>
+            <a:r>
+              <a:rPr lang="pt-BR" b="1" dirty="0"/>
+              <a:t>" </a:t>
+            </a:r>
+            <a:r>
+              <a:rPr lang="pt-BR" dirty="0"/>
+              <a:t>-&gt; Muda para o teclado de número e o usuário consegue entrar os dados facilmente. Exemplo: Inserção de CEP, CPF em algum </a:t>
+            </a:r>
+            <a:r>
+              <a:rPr lang="pt-BR" dirty="0" err="1"/>
+              <a:t>formulpario</a:t>
+            </a:r>
+            <a:r>
+              <a:rPr lang="pt-BR" dirty="0"/>
+              <a:t> de compra de um site. O ideal é que se input seja do tipo </a:t>
+            </a:r>
+            <a:r>
+              <a:rPr lang="pt-BR" dirty="0" err="1"/>
+              <a:t>number</a:t>
+            </a:r>
+            <a:r>
+              <a:rPr lang="pt-BR" dirty="0"/>
+              <a:t> para entrar com os dados rapidamente.</a:t>
+            </a:r>
+          </a:p>
+          <a:p>
+            <a:r>
+              <a:rPr lang="pt-BR" b="1" dirty="0">
+                <a:solidFill>
+                  <a:srgbClr val="9999AA"/>
+                </a:solidFill>
+                <a:effectLst/>
+              </a:rPr>
+              <a:t>&lt;</a:t>
+            </a:r>
+            <a:r>
+              <a:rPr lang="pt-BR" b="1" dirty="0">
+                <a:solidFill>
+                  <a:srgbClr val="BBA0FF"/>
+                </a:solidFill>
+                <a:effectLst/>
+              </a:rPr>
+              <a:t>input</a:t>
+            </a:r>
+            <a:r>
+              <a:rPr lang="pt-BR" b="1" dirty="0">
+                <a:solidFill>
+                  <a:srgbClr val="BBBBCC"/>
+                </a:solidFill>
+                <a:effectLst/>
+              </a:rPr>
+              <a:t> </a:t>
+            </a:r>
+            <a:r>
+              <a:rPr lang="pt-BR" b="1" dirty="0" err="1">
+                <a:solidFill>
+                  <a:srgbClr val="FFDD44"/>
+                </a:solidFill>
+                <a:effectLst/>
+              </a:rPr>
+              <a:t>type</a:t>
+            </a:r>
+            <a:r>
+              <a:rPr lang="pt-BR" b="1" dirty="0">
+                <a:solidFill>
+                  <a:srgbClr val="BBBBCC"/>
+                </a:solidFill>
+                <a:effectLst/>
+              </a:rPr>
+              <a:t>=</a:t>
+            </a:r>
+            <a:r>
+              <a:rPr lang="pt-BR" b="1" dirty="0">
+                <a:solidFill>
+                  <a:srgbClr val="88CC44"/>
+                </a:solidFill>
+                <a:effectLst/>
+              </a:rPr>
+              <a:t>"</a:t>
+            </a:r>
+            <a:r>
+              <a:rPr lang="pt-BR" b="1" dirty="0" err="1">
+                <a:solidFill>
+                  <a:srgbClr val="88CC44"/>
+                </a:solidFill>
+                <a:effectLst/>
+              </a:rPr>
+              <a:t>number</a:t>
+            </a:r>
+            <a:r>
+              <a:rPr lang="pt-BR" b="1" dirty="0">
+                <a:solidFill>
+                  <a:srgbClr val="88CC44"/>
+                </a:solidFill>
+                <a:effectLst/>
+              </a:rPr>
+              <a:t>"</a:t>
+            </a:r>
+            <a:r>
+              <a:rPr lang="pt-BR" b="1" dirty="0">
+                <a:solidFill>
+                  <a:srgbClr val="9999AA"/>
+                </a:solidFill>
+                <a:effectLst/>
+              </a:rPr>
+              <a:t>&gt;</a:t>
+            </a:r>
+          </a:p>
+          <a:p>
+            <a:r>
+              <a:rPr lang="pt-BR" b="1" dirty="0"/>
+              <a:t>input tipo "</a:t>
+            </a:r>
+            <a:r>
+              <a:rPr lang="pt-BR" b="1" dirty="0" err="1"/>
+              <a:t>password</a:t>
+            </a:r>
+            <a:r>
+              <a:rPr lang="pt-BR" b="1" dirty="0"/>
+              <a:t>" </a:t>
+            </a:r>
+            <a:r>
+              <a:rPr lang="pt-BR" dirty="0"/>
+              <a:t>-&gt; Transforma o conteúdo digitado em um asterisco ou em uma bolinha para que não seja possível visualizar diretamente nossa senha.</a:t>
+            </a:r>
+          </a:p>
+          <a:p>
+            <a:r>
+              <a:rPr lang="pt-BR" sz="1300" b="1" dirty="0">
+                <a:solidFill>
+                  <a:srgbClr val="9999AA"/>
+                </a:solidFill>
+                <a:effectLst/>
+              </a:rPr>
+              <a:t>&lt;</a:t>
+            </a:r>
+            <a:r>
+              <a:rPr lang="pt-BR" sz="1300" b="1" dirty="0">
+                <a:solidFill>
+                  <a:srgbClr val="BBA0FF"/>
+                </a:solidFill>
+                <a:effectLst/>
+              </a:rPr>
+              <a:t>input</a:t>
+            </a:r>
+            <a:r>
+              <a:rPr lang="pt-BR" sz="1300" b="1" dirty="0">
+                <a:solidFill>
+                  <a:srgbClr val="BBBBCC"/>
+                </a:solidFill>
+                <a:effectLst/>
+              </a:rPr>
+              <a:t> </a:t>
+            </a:r>
+            <a:r>
+              <a:rPr lang="pt-BR" sz="1300" b="1" dirty="0" err="1">
+                <a:solidFill>
+                  <a:srgbClr val="FFDD44"/>
+                </a:solidFill>
+                <a:effectLst/>
+              </a:rPr>
+              <a:t>type</a:t>
+            </a:r>
+            <a:r>
+              <a:rPr lang="pt-BR" sz="1300" b="1" dirty="0">
+                <a:solidFill>
+                  <a:srgbClr val="BBBBCC"/>
+                </a:solidFill>
+                <a:effectLst/>
+              </a:rPr>
+              <a:t>=</a:t>
+            </a:r>
+            <a:r>
+              <a:rPr lang="pt-BR" sz="1300" b="1" dirty="0">
+                <a:solidFill>
+                  <a:srgbClr val="88CC44"/>
+                </a:solidFill>
+                <a:effectLst/>
+              </a:rPr>
+              <a:t>"</a:t>
+            </a:r>
+            <a:r>
+              <a:rPr lang="pt-BR" sz="1300" b="1" dirty="0" err="1">
+                <a:solidFill>
+                  <a:srgbClr val="88CC44"/>
+                </a:solidFill>
+                <a:effectLst/>
+              </a:rPr>
+              <a:t>password</a:t>
+            </a:r>
+            <a:r>
+              <a:rPr lang="pt-BR" sz="1300" b="1" dirty="0">
+                <a:solidFill>
+                  <a:srgbClr val="88CC44"/>
+                </a:solidFill>
+                <a:effectLst/>
+              </a:rPr>
+              <a:t>"</a:t>
+            </a:r>
+            <a:r>
+              <a:rPr lang="pt-BR" sz="1300" b="1" dirty="0">
+                <a:solidFill>
+                  <a:srgbClr val="9999AA"/>
+                </a:solidFill>
+                <a:effectLst/>
+              </a:rPr>
+              <a:t>&gt;</a:t>
+            </a:r>
+            <a:endParaRPr lang="pt-BR" sz="1300" b="1" dirty="0">
+              <a:solidFill>
+                <a:srgbClr val="FFFFFF"/>
+              </a:solidFill>
+              <a:effectLst/>
+            </a:endParaRPr>
+          </a:p>
+          <a:p>
+            <a:endParaRPr lang="pt-BR" dirty="0"/>
+          </a:p>
+        </p:txBody>
+      </p:sp>
+      <p:sp>
+        <p:nvSpPr>
+          <p:cNvPr id="5" name="Espaço Reservado para Conteúdo 2">
+            <a:extLst>
+              <a:ext uri="{FF2B5EF4-FFF2-40B4-BE49-F238E27FC236}">
+                <a16:creationId xmlns:a16="http://schemas.microsoft.com/office/drawing/2014/main" id="{62D2759F-69E2-9E9A-B64C-0C3D2B2B2BC6}"/>
+              </a:ext>
+            </a:extLst>
+          </p:cNvPr>
+          <p:cNvSpPr txBox="1">
+            <a:spLocks/>
+          </p:cNvSpPr>
+          <p:nvPr/>
+        </p:nvSpPr>
+        <p:spPr>
+          <a:xfrm>
+            <a:off x="6282911" y="1440179"/>
+            <a:ext cx="2693941" cy="4969764"/>
+          </a:xfrm>
+          <a:prstGeom prst="rect">
+            <a:avLst/>
+          </a:prstGeom>
+        </p:spPr>
+        <p:txBody>
+          <a:bodyPr vert="horz" lIns="91440" tIns="45720" rIns="91440" bIns="45720" rtlCol="0">
+            <a:normAutofit/>
+          </a:bodyPr>
+          <a:lstStyle>
+            <a:lvl1pPr marL="0" indent="0" algn="l" defTabSz="914400" rtl="0" eaLnBrk="1" latinLnBrk="0" hangingPunct="1">
+              <a:lnSpc>
+                <a:spcPct val="150000"/>
+              </a:lnSpc>
+              <a:spcBef>
+                <a:spcPts val="1000"/>
+              </a:spcBef>
+              <a:spcAft>
+                <a:spcPts val="1200"/>
+              </a:spcAft>
+              <a:buFontTx/>
+              <a:buNone/>
+              <a:defRPr lang="en-US" sz="1200" kern="1200" smtClean="0">
+                <a:solidFill>
+                  <a:schemeClr val="tx1">
+                    <a:lumMod val="75000"/>
+                    <a:lumOff val="25000"/>
+                  </a:schemeClr>
+                </a:solidFill>
+                <a:latin typeface="+mn-lt"/>
+                <a:ea typeface="+mn-ea"/>
+                <a:cs typeface="+mn-cs"/>
+              </a:defRPr>
+            </a:lvl1pPr>
+            <a:lvl2pPr marL="228600" indent="-228600" algn="l" defTabSz="914400" rtl="0" eaLnBrk="1" latinLnBrk="0" hangingPunct="1">
+              <a:lnSpc>
+                <a:spcPct val="150000"/>
+              </a:lnSpc>
+              <a:spcBef>
+                <a:spcPts val="1000"/>
+              </a:spcBef>
+              <a:spcAft>
+                <a:spcPts val="1200"/>
+              </a:spcAft>
+              <a:buFont typeface="Arial" panose="020B0604020202020204" pitchFamily="34" charset="0"/>
+              <a:buChar char="•"/>
+              <a:defRPr lang="en-US" sz="1200" kern="1200" smtClean="0">
+                <a:solidFill>
+                  <a:schemeClr val="tx1">
+                    <a:lumMod val="75000"/>
+                    <a:lumOff val="25000"/>
+                  </a:schemeClr>
+                </a:solidFill>
+                <a:latin typeface="+mn-lt"/>
+                <a:ea typeface="+mn-ea"/>
+                <a:cs typeface="+mn-cs"/>
+              </a:defRPr>
+            </a:lvl2pPr>
+            <a:lvl3pPr marL="685800" indent="-228600" algn="l" defTabSz="914400" rtl="0" eaLnBrk="1" latinLnBrk="0" hangingPunct="1">
+              <a:lnSpc>
+                <a:spcPct val="150000"/>
+              </a:lnSpc>
+              <a:spcBef>
+                <a:spcPts val="1000"/>
+              </a:spcBef>
+              <a:spcAft>
+                <a:spcPts val="1200"/>
+              </a:spcAft>
+              <a:buFont typeface="Arial" panose="020B0604020202020204" pitchFamily="34" charset="0"/>
+              <a:buChar char="•"/>
+              <a:defRPr lang="en-US" sz="1200" kern="1200" smtClean="0">
+                <a:solidFill>
+                  <a:schemeClr val="tx1">
+                    <a:lumMod val="75000"/>
+                    <a:lumOff val="25000"/>
+                  </a:schemeClr>
+                </a:solidFill>
+                <a:latin typeface="+mn-lt"/>
+                <a:ea typeface="+mn-ea"/>
+                <a:cs typeface="+mn-cs"/>
+              </a:defRPr>
+            </a:lvl3pPr>
+            <a:lvl4pPr marL="1143000" indent="-228600" algn="l" defTabSz="914400" rtl="0" eaLnBrk="1" latinLnBrk="0" hangingPunct="1">
+              <a:lnSpc>
+                <a:spcPct val="150000"/>
+              </a:lnSpc>
+              <a:spcBef>
+                <a:spcPts val="1000"/>
+              </a:spcBef>
+              <a:spcAft>
+                <a:spcPts val="1200"/>
+              </a:spcAft>
+              <a:buFont typeface="Arial" panose="020B0604020202020204" pitchFamily="34" charset="0"/>
+              <a:buChar char="•"/>
+              <a:defRPr lang="en-US" sz="1200" kern="1200" smtClean="0">
+                <a:solidFill>
+                  <a:schemeClr val="tx1">
+                    <a:lumMod val="75000"/>
+                    <a:lumOff val="25000"/>
+                  </a:schemeClr>
+                </a:solidFill>
+                <a:latin typeface="+mn-lt"/>
+                <a:ea typeface="+mn-ea"/>
+                <a:cs typeface="+mn-cs"/>
+              </a:defRPr>
+            </a:lvl4pPr>
+            <a:lvl5pPr marL="1600200" indent="-228600" algn="l" defTabSz="914400" rtl="0" eaLnBrk="1" latinLnBrk="0" hangingPunct="1">
+              <a:lnSpc>
+                <a:spcPct val="150000"/>
+              </a:lnSpc>
+              <a:spcBef>
+                <a:spcPts val="1000"/>
+              </a:spcBef>
+              <a:spcAft>
+                <a:spcPts val="1200"/>
+              </a:spcAft>
+              <a:buFont typeface="Arial" panose="020B0604020202020204" pitchFamily="34" charset="0"/>
+              <a:buChar char="•"/>
+              <a:defRPr lang="en-US" sz="1200" kern="1200">
+                <a:solidFill>
+                  <a:schemeClr val="tx1">
+                    <a:lumMod val="75000"/>
+                    <a:lumOff val="25000"/>
+                  </a:schemeClr>
+                </a:solidFill>
+                <a:latin typeface="+mn-lt"/>
+                <a:ea typeface="+mn-ea"/>
+                <a:cs typeface="+mn-cs"/>
+              </a:defRPr>
+            </a:lvl5pPr>
+            <a:lvl6pPr marL="2057400" indent="-228600" algn="l" defTabSz="914400" rtl="0" eaLnBrk="1" latinLnBrk="0" hangingPunct="1">
+              <a:lnSpc>
+                <a:spcPct val="150000"/>
+              </a:lnSpc>
+              <a:spcBef>
+                <a:spcPts val="1000"/>
+              </a:spcBef>
+              <a:spcAft>
+                <a:spcPts val="1200"/>
+              </a:spcAft>
+              <a:buFont typeface="Arial" panose="020B0604020202020204" pitchFamily="34" charset="0"/>
+              <a:buChar char="•"/>
+              <a:defRPr lang="en-US" sz="1200" kern="1200" dirty="0" smtClean="0">
+                <a:solidFill>
+                  <a:schemeClr val="tx1"/>
+                </a:solidFill>
+                <a:latin typeface="+mn-lt"/>
+                <a:ea typeface="+mn-ea"/>
+                <a:cs typeface="+mn-cs"/>
+              </a:defRPr>
+            </a:lvl6pPr>
+            <a:lvl7pPr marL="2514600" indent="-228600" algn="l" defTabSz="914400" rtl="0" eaLnBrk="1" latinLnBrk="0" hangingPunct="1">
+              <a:lnSpc>
+                <a:spcPct val="150000"/>
+              </a:lnSpc>
+              <a:spcBef>
+                <a:spcPts val="1000"/>
+              </a:spcBef>
+              <a:spcAft>
+                <a:spcPts val="1200"/>
+              </a:spcAft>
+              <a:buFont typeface="Arial" panose="020B0604020202020204" pitchFamily="34" charset="0"/>
+              <a:buChar char="•"/>
+              <a:defRPr lang="en-US" sz="1200" kern="1200" dirty="0" smtClean="0">
+                <a:solidFill>
+                  <a:schemeClr val="tx1"/>
+                </a:solidFill>
+                <a:latin typeface="+mn-lt"/>
+                <a:ea typeface="+mn-ea"/>
+                <a:cs typeface="+mn-cs"/>
+              </a:defRPr>
+            </a:lvl7pPr>
+            <a:lvl8pPr marL="2971800" indent="-228600" algn="l" defTabSz="914400" rtl="0" eaLnBrk="1" latinLnBrk="0" hangingPunct="1">
+              <a:lnSpc>
+                <a:spcPct val="150000"/>
+              </a:lnSpc>
+              <a:spcBef>
+                <a:spcPts val="1000"/>
+              </a:spcBef>
+              <a:spcAft>
+                <a:spcPts val="1200"/>
+              </a:spcAft>
+              <a:buFont typeface="Arial" panose="020B0604020202020204" pitchFamily="34" charset="0"/>
+              <a:buChar char="•"/>
+              <a:defRPr lang="en-US" sz="1200" kern="1200" dirty="0" smtClean="0">
+                <a:solidFill>
+                  <a:schemeClr val="tx1"/>
+                </a:solidFill>
+                <a:latin typeface="+mn-lt"/>
+                <a:ea typeface="+mn-ea"/>
+                <a:cs typeface="+mn-cs"/>
+              </a:defRPr>
+            </a:lvl8pPr>
+            <a:lvl9pPr marL="3429000" indent="-228600" algn="l" defTabSz="914400" rtl="0" eaLnBrk="1" latinLnBrk="0" hangingPunct="1">
+              <a:lnSpc>
+                <a:spcPct val="90000"/>
+              </a:lnSpc>
+              <a:spcBef>
+                <a:spcPct val="30000"/>
+              </a:spcBef>
+              <a:buFont typeface="Arial" panose="020B0604020202020204" pitchFamily="34" charset="0"/>
+              <a:buNone/>
+              <a:defRPr sz="1200" kern="1200">
+                <a:solidFill>
+                  <a:schemeClr val="tx1"/>
+                </a:solidFill>
+                <a:latin typeface="+mn-lt"/>
+                <a:ea typeface="+mn-ea"/>
+                <a:cs typeface="+mn-cs"/>
+              </a:defRPr>
+            </a:lvl9pPr>
+          </a:lstStyle>
+          <a:p>
+            <a:endParaRPr lang="pt-BR" b="1" dirty="0"/>
+          </a:p>
+          <a:p>
+            <a:r>
+              <a:rPr lang="pt-BR" sz="1100" b="1" dirty="0"/>
+              <a:t>input tipo "date" </a:t>
+            </a:r>
+            <a:r>
+              <a:rPr lang="pt-BR" sz="1100" dirty="0"/>
+              <a:t>-&gt; Abre o seletor de data do telefone, sendo possível rolar para achar o dia, mês e ano.</a:t>
+            </a:r>
+          </a:p>
+          <a:p>
+            <a:r>
+              <a:rPr lang="pt-BR" sz="1100" b="1" dirty="0">
+                <a:solidFill>
+                  <a:srgbClr val="9999AA"/>
+                </a:solidFill>
+                <a:effectLst/>
+              </a:rPr>
+              <a:t>&lt;</a:t>
+            </a:r>
+            <a:r>
+              <a:rPr lang="pt-BR" sz="1100" b="1" dirty="0">
+                <a:solidFill>
+                  <a:srgbClr val="BBA0FF"/>
+                </a:solidFill>
+                <a:effectLst/>
+              </a:rPr>
+              <a:t>input</a:t>
+            </a:r>
+            <a:r>
+              <a:rPr lang="pt-BR" sz="1100" b="1" dirty="0">
+                <a:solidFill>
+                  <a:srgbClr val="BBBBCC"/>
+                </a:solidFill>
+                <a:effectLst/>
+              </a:rPr>
+              <a:t> </a:t>
+            </a:r>
+            <a:r>
+              <a:rPr lang="pt-BR" sz="1100" b="1" dirty="0" err="1">
+                <a:solidFill>
+                  <a:srgbClr val="FFDD44"/>
+                </a:solidFill>
+                <a:effectLst/>
+              </a:rPr>
+              <a:t>type</a:t>
+            </a:r>
+            <a:r>
+              <a:rPr lang="pt-BR" sz="1100" b="1" dirty="0">
+                <a:solidFill>
+                  <a:srgbClr val="BBBBCC"/>
+                </a:solidFill>
+                <a:effectLst/>
+              </a:rPr>
+              <a:t>=</a:t>
+            </a:r>
+            <a:r>
+              <a:rPr lang="pt-BR" sz="1100" b="1" dirty="0">
+                <a:solidFill>
+                  <a:srgbClr val="88CC44"/>
+                </a:solidFill>
+                <a:effectLst/>
+              </a:rPr>
+              <a:t>"date"</a:t>
+            </a:r>
+            <a:r>
+              <a:rPr lang="pt-BR" sz="1100" b="1" dirty="0">
+                <a:solidFill>
+                  <a:srgbClr val="9999AA"/>
+                </a:solidFill>
+                <a:effectLst/>
+              </a:rPr>
+              <a:t>&gt;</a:t>
+            </a:r>
+          </a:p>
+          <a:p>
+            <a:r>
+              <a:rPr lang="pt-BR" sz="1100" b="1" dirty="0">
+                <a:effectLst/>
+              </a:rPr>
+              <a:t>input tipo "</a:t>
+            </a:r>
+            <a:r>
+              <a:rPr lang="pt-BR" sz="1100" b="1" dirty="0" err="1">
+                <a:effectLst/>
+              </a:rPr>
+              <a:t>datetime</a:t>
+            </a:r>
+            <a:r>
+              <a:rPr lang="pt-BR" sz="1100" b="1" dirty="0">
+                <a:effectLst/>
+              </a:rPr>
+              <a:t>" </a:t>
+            </a:r>
+            <a:r>
+              <a:rPr lang="pt-BR" sz="1100" dirty="0">
+                <a:effectLst/>
+              </a:rPr>
+              <a:t>-&gt; Além da data, abre o teclado, onde é possível escolher o dia, as horas e segundos.</a:t>
+            </a:r>
+          </a:p>
+          <a:p>
+            <a:r>
+              <a:rPr lang="pt-BR" sz="1100" b="1" dirty="0">
+                <a:solidFill>
+                  <a:srgbClr val="9999AA"/>
+                </a:solidFill>
+                <a:effectLst/>
+              </a:rPr>
+              <a:t>&lt;</a:t>
+            </a:r>
+            <a:r>
+              <a:rPr lang="pt-BR" sz="1100" b="1" dirty="0">
+                <a:solidFill>
+                  <a:srgbClr val="BBA0FF"/>
+                </a:solidFill>
+                <a:effectLst/>
+              </a:rPr>
+              <a:t>input</a:t>
+            </a:r>
+            <a:r>
+              <a:rPr lang="pt-BR" sz="1100" b="1" dirty="0">
+                <a:solidFill>
+                  <a:srgbClr val="BBBBCC"/>
+                </a:solidFill>
+                <a:effectLst/>
+              </a:rPr>
+              <a:t> </a:t>
+            </a:r>
+            <a:r>
+              <a:rPr lang="pt-BR" sz="1100" b="1" dirty="0" err="1">
+                <a:solidFill>
+                  <a:srgbClr val="FFDD44"/>
+                </a:solidFill>
+                <a:effectLst/>
+              </a:rPr>
+              <a:t>type</a:t>
+            </a:r>
+            <a:r>
+              <a:rPr lang="pt-BR" sz="1100" b="1" dirty="0">
+                <a:solidFill>
+                  <a:srgbClr val="BBBBCC"/>
+                </a:solidFill>
+                <a:effectLst/>
+              </a:rPr>
+              <a:t>=</a:t>
+            </a:r>
+            <a:r>
+              <a:rPr lang="pt-BR" sz="1100" b="1" dirty="0">
+                <a:solidFill>
+                  <a:srgbClr val="88CC44"/>
+                </a:solidFill>
+                <a:effectLst/>
+              </a:rPr>
+              <a:t>"</a:t>
+            </a:r>
+            <a:r>
+              <a:rPr lang="pt-BR" sz="1100" b="1" dirty="0" err="1">
+                <a:solidFill>
+                  <a:srgbClr val="88CC44"/>
+                </a:solidFill>
+                <a:effectLst/>
+              </a:rPr>
+              <a:t>datetime</a:t>
+            </a:r>
+            <a:r>
+              <a:rPr lang="pt-BR" sz="1100" b="1" dirty="0">
+                <a:solidFill>
+                  <a:srgbClr val="88CC44"/>
+                </a:solidFill>
+                <a:effectLst/>
+              </a:rPr>
+              <a:t>"</a:t>
+            </a:r>
+            <a:r>
+              <a:rPr lang="pt-BR" sz="1100" b="1" dirty="0">
+                <a:solidFill>
+                  <a:srgbClr val="9999AA"/>
+                </a:solidFill>
+                <a:effectLst/>
+              </a:rPr>
+              <a:t>&gt;</a:t>
+            </a:r>
+          </a:p>
+          <a:p>
+            <a:endParaRPr lang="pt-BR" dirty="0">
+              <a:effectLst/>
+            </a:endParaRPr>
+          </a:p>
+          <a:p>
+            <a:r>
+              <a:rPr lang="pt-BR" dirty="0">
+                <a:effectLst/>
+              </a:rPr>
+              <a:t> </a:t>
+            </a:r>
+          </a:p>
+          <a:p>
+            <a:endParaRPr lang="pt-BR" dirty="0"/>
+          </a:p>
+          <a:p>
+            <a:endParaRPr lang="pt-BR" dirty="0"/>
+          </a:p>
+        </p:txBody>
+      </p:sp>
+      <p:sp>
+        <p:nvSpPr>
+          <p:cNvPr id="6" name="Espaço Reservado para Conteúdo 2">
+            <a:extLst>
+              <a:ext uri="{FF2B5EF4-FFF2-40B4-BE49-F238E27FC236}">
+                <a16:creationId xmlns:a16="http://schemas.microsoft.com/office/drawing/2014/main" id="{090CF6C0-39AA-6040-5B46-56427ABC2CB3}"/>
+              </a:ext>
+            </a:extLst>
+          </p:cNvPr>
+          <p:cNvSpPr txBox="1">
+            <a:spLocks/>
+          </p:cNvSpPr>
+          <p:nvPr/>
+        </p:nvSpPr>
+        <p:spPr>
+          <a:xfrm>
+            <a:off x="9117036" y="1440179"/>
+            <a:ext cx="2693941" cy="4969764"/>
+          </a:xfrm>
+          <a:prstGeom prst="rect">
+            <a:avLst/>
+          </a:prstGeom>
+        </p:spPr>
+        <p:txBody>
+          <a:bodyPr vert="horz" lIns="91440" tIns="45720" rIns="91440" bIns="45720" rtlCol="0">
+            <a:normAutofit/>
+          </a:bodyPr>
+          <a:lstStyle>
+            <a:lvl1pPr marL="0" indent="0" algn="l" defTabSz="914400" rtl="0" eaLnBrk="1" latinLnBrk="0" hangingPunct="1">
+              <a:lnSpc>
+                <a:spcPct val="150000"/>
+              </a:lnSpc>
+              <a:spcBef>
+                <a:spcPts val="1000"/>
+              </a:spcBef>
+              <a:spcAft>
+                <a:spcPts val="1200"/>
+              </a:spcAft>
+              <a:buFontTx/>
+              <a:buNone/>
+              <a:defRPr lang="en-US" sz="1200" kern="1200" smtClean="0">
+                <a:solidFill>
+                  <a:schemeClr val="tx1">
+                    <a:lumMod val="75000"/>
+                    <a:lumOff val="25000"/>
+                  </a:schemeClr>
+                </a:solidFill>
+                <a:latin typeface="+mn-lt"/>
+                <a:ea typeface="+mn-ea"/>
+                <a:cs typeface="+mn-cs"/>
+              </a:defRPr>
+            </a:lvl1pPr>
+            <a:lvl2pPr marL="228600" indent="-228600" algn="l" defTabSz="914400" rtl="0" eaLnBrk="1" latinLnBrk="0" hangingPunct="1">
+              <a:lnSpc>
+                <a:spcPct val="150000"/>
+              </a:lnSpc>
+              <a:spcBef>
+                <a:spcPts val="1000"/>
+              </a:spcBef>
+              <a:spcAft>
+                <a:spcPts val="1200"/>
+              </a:spcAft>
+              <a:buFont typeface="Arial" panose="020B0604020202020204" pitchFamily="34" charset="0"/>
+              <a:buChar char="•"/>
+              <a:defRPr lang="en-US" sz="1200" kern="1200" smtClean="0">
+                <a:solidFill>
+                  <a:schemeClr val="tx1">
+                    <a:lumMod val="75000"/>
+                    <a:lumOff val="25000"/>
+                  </a:schemeClr>
+                </a:solidFill>
+                <a:latin typeface="+mn-lt"/>
+                <a:ea typeface="+mn-ea"/>
+                <a:cs typeface="+mn-cs"/>
+              </a:defRPr>
+            </a:lvl2pPr>
+            <a:lvl3pPr marL="685800" indent="-228600" algn="l" defTabSz="914400" rtl="0" eaLnBrk="1" latinLnBrk="0" hangingPunct="1">
+              <a:lnSpc>
+                <a:spcPct val="150000"/>
+              </a:lnSpc>
+              <a:spcBef>
+                <a:spcPts val="1000"/>
+              </a:spcBef>
+              <a:spcAft>
+                <a:spcPts val="1200"/>
+              </a:spcAft>
+              <a:buFont typeface="Arial" panose="020B0604020202020204" pitchFamily="34" charset="0"/>
+              <a:buChar char="•"/>
+              <a:defRPr lang="en-US" sz="1200" kern="1200" smtClean="0">
+                <a:solidFill>
+                  <a:schemeClr val="tx1">
+                    <a:lumMod val="75000"/>
+                    <a:lumOff val="25000"/>
+                  </a:schemeClr>
+                </a:solidFill>
+                <a:latin typeface="+mn-lt"/>
+                <a:ea typeface="+mn-ea"/>
+                <a:cs typeface="+mn-cs"/>
+              </a:defRPr>
+            </a:lvl3pPr>
+            <a:lvl4pPr marL="1143000" indent="-228600" algn="l" defTabSz="914400" rtl="0" eaLnBrk="1" latinLnBrk="0" hangingPunct="1">
+              <a:lnSpc>
+                <a:spcPct val="150000"/>
+              </a:lnSpc>
+              <a:spcBef>
+                <a:spcPts val="1000"/>
+              </a:spcBef>
+              <a:spcAft>
+                <a:spcPts val="1200"/>
+              </a:spcAft>
+              <a:buFont typeface="Arial" panose="020B0604020202020204" pitchFamily="34" charset="0"/>
+              <a:buChar char="•"/>
+              <a:defRPr lang="en-US" sz="1200" kern="1200" smtClean="0">
+                <a:solidFill>
+                  <a:schemeClr val="tx1">
+                    <a:lumMod val="75000"/>
+                    <a:lumOff val="25000"/>
+                  </a:schemeClr>
+                </a:solidFill>
+                <a:latin typeface="+mn-lt"/>
+                <a:ea typeface="+mn-ea"/>
+                <a:cs typeface="+mn-cs"/>
+              </a:defRPr>
+            </a:lvl4pPr>
+            <a:lvl5pPr marL="1600200" indent="-228600" algn="l" defTabSz="914400" rtl="0" eaLnBrk="1" latinLnBrk="0" hangingPunct="1">
+              <a:lnSpc>
+                <a:spcPct val="150000"/>
+              </a:lnSpc>
+              <a:spcBef>
+                <a:spcPts val="1000"/>
+              </a:spcBef>
+              <a:spcAft>
+                <a:spcPts val="1200"/>
+              </a:spcAft>
+              <a:buFont typeface="Arial" panose="020B0604020202020204" pitchFamily="34" charset="0"/>
+              <a:buChar char="•"/>
+              <a:defRPr lang="en-US" sz="1200" kern="1200">
+                <a:solidFill>
+                  <a:schemeClr val="tx1">
+                    <a:lumMod val="75000"/>
+                    <a:lumOff val="25000"/>
+                  </a:schemeClr>
+                </a:solidFill>
+                <a:latin typeface="+mn-lt"/>
+                <a:ea typeface="+mn-ea"/>
+                <a:cs typeface="+mn-cs"/>
+              </a:defRPr>
+            </a:lvl5pPr>
+            <a:lvl6pPr marL="2057400" indent="-228600" algn="l" defTabSz="914400" rtl="0" eaLnBrk="1" latinLnBrk="0" hangingPunct="1">
+              <a:lnSpc>
+                <a:spcPct val="150000"/>
+              </a:lnSpc>
+              <a:spcBef>
+                <a:spcPts val="1000"/>
+              </a:spcBef>
+              <a:spcAft>
+                <a:spcPts val="1200"/>
+              </a:spcAft>
+              <a:buFont typeface="Arial" panose="020B0604020202020204" pitchFamily="34" charset="0"/>
+              <a:buChar char="•"/>
+              <a:defRPr lang="en-US" sz="1200" kern="1200" dirty="0" smtClean="0">
+                <a:solidFill>
+                  <a:schemeClr val="tx1"/>
+                </a:solidFill>
+                <a:latin typeface="+mn-lt"/>
+                <a:ea typeface="+mn-ea"/>
+                <a:cs typeface="+mn-cs"/>
+              </a:defRPr>
+            </a:lvl6pPr>
+            <a:lvl7pPr marL="2514600" indent="-228600" algn="l" defTabSz="914400" rtl="0" eaLnBrk="1" latinLnBrk="0" hangingPunct="1">
+              <a:lnSpc>
+                <a:spcPct val="150000"/>
+              </a:lnSpc>
+              <a:spcBef>
+                <a:spcPts val="1000"/>
+              </a:spcBef>
+              <a:spcAft>
+                <a:spcPts val="1200"/>
+              </a:spcAft>
+              <a:buFont typeface="Arial" panose="020B0604020202020204" pitchFamily="34" charset="0"/>
+              <a:buChar char="•"/>
+              <a:defRPr lang="en-US" sz="1200" kern="1200" dirty="0" smtClean="0">
+                <a:solidFill>
+                  <a:schemeClr val="tx1"/>
+                </a:solidFill>
+                <a:latin typeface="+mn-lt"/>
+                <a:ea typeface="+mn-ea"/>
+                <a:cs typeface="+mn-cs"/>
+              </a:defRPr>
+            </a:lvl7pPr>
+            <a:lvl8pPr marL="2971800" indent="-228600" algn="l" defTabSz="914400" rtl="0" eaLnBrk="1" latinLnBrk="0" hangingPunct="1">
+              <a:lnSpc>
+                <a:spcPct val="150000"/>
+              </a:lnSpc>
+              <a:spcBef>
+                <a:spcPts val="1000"/>
+              </a:spcBef>
+              <a:spcAft>
+                <a:spcPts val="1200"/>
+              </a:spcAft>
+              <a:buFont typeface="Arial" panose="020B0604020202020204" pitchFamily="34" charset="0"/>
+              <a:buChar char="•"/>
+              <a:defRPr lang="en-US" sz="1200" kern="1200" dirty="0" smtClean="0">
+                <a:solidFill>
+                  <a:schemeClr val="tx1"/>
+                </a:solidFill>
+                <a:latin typeface="+mn-lt"/>
+                <a:ea typeface="+mn-ea"/>
+                <a:cs typeface="+mn-cs"/>
+              </a:defRPr>
+            </a:lvl8pPr>
+            <a:lvl9pPr marL="3429000" indent="-228600" algn="l" defTabSz="914400" rtl="0" eaLnBrk="1" latinLnBrk="0" hangingPunct="1">
+              <a:lnSpc>
+                <a:spcPct val="90000"/>
+              </a:lnSpc>
+              <a:spcBef>
+                <a:spcPct val="30000"/>
+              </a:spcBef>
+              <a:buFont typeface="Arial" panose="020B0604020202020204" pitchFamily="34" charset="0"/>
+              <a:buNone/>
+              <a:defRPr sz="1200" kern="1200">
+                <a:solidFill>
+                  <a:schemeClr val="tx1"/>
+                </a:solidFill>
+                <a:latin typeface="+mn-lt"/>
+                <a:ea typeface="+mn-ea"/>
+                <a:cs typeface="+mn-cs"/>
+              </a:defRPr>
+            </a:lvl9pPr>
+          </a:lstStyle>
+          <a:p>
+            <a:endParaRPr lang="pt-BR" sz="1100" b="1" dirty="0">
+              <a:effectLst/>
+            </a:endParaRPr>
+          </a:p>
+          <a:p>
+            <a:r>
+              <a:rPr lang="pt-BR" sz="1100" b="1" dirty="0">
+                <a:effectLst/>
+              </a:rPr>
+              <a:t>input tipo "</a:t>
+            </a:r>
+            <a:r>
+              <a:rPr lang="pt-BR" sz="1100" b="1" dirty="0" err="1">
+                <a:effectLst/>
+              </a:rPr>
+              <a:t>month</a:t>
+            </a:r>
+            <a:r>
+              <a:rPr lang="pt-BR" sz="1100" b="1" dirty="0">
+                <a:effectLst/>
+              </a:rPr>
+              <a:t>" </a:t>
+            </a:r>
+            <a:r>
+              <a:rPr lang="pt-BR" sz="1100" dirty="0">
+                <a:effectLst/>
+              </a:rPr>
+              <a:t>-&gt; É possível selecionar o mês e o ano.</a:t>
+            </a:r>
+          </a:p>
+          <a:p>
+            <a:r>
+              <a:rPr lang="pt-BR" sz="1100" b="1" dirty="0">
+                <a:solidFill>
+                  <a:srgbClr val="9999AA"/>
+                </a:solidFill>
+                <a:effectLst/>
+              </a:rPr>
+              <a:t>&lt;</a:t>
+            </a:r>
+            <a:r>
+              <a:rPr lang="pt-BR" sz="1100" b="1" dirty="0">
+                <a:solidFill>
+                  <a:srgbClr val="BBA0FF"/>
+                </a:solidFill>
+                <a:effectLst/>
+              </a:rPr>
+              <a:t>input</a:t>
+            </a:r>
+            <a:r>
+              <a:rPr lang="pt-BR" sz="1100" b="1" dirty="0">
+                <a:solidFill>
+                  <a:srgbClr val="BBBBCC"/>
+                </a:solidFill>
+                <a:effectLst/>
+              </a:rPr>
+              <a:t> </a:t>
+            </a:r>
+            <a:r>
+              <a:rPr lang="pt-BR" sz="1100" b="1" dirty="0" err="1">
+                <a:solidFill>
+                  <a:srgbClr val="FFDD44"/>
+                </a:solidFill>
+                <a:effectLst/>
+              </a:rPr>
+              <a:t>type</a:t>
+            </a:r>
+            <a:r>
+              <a:rPr lang="pt-BR" sz="1100" b="1" dirty="0">
+                <a:solidFill>
+                  <a:srgbClr val="BBBBCC"/>
+                </a:solidFill>
+                <a:effectLst/>
+              </a:rPr>
+              <a:t>=</a:t>
+            </a:r>
+            <a:r>
+              <a:rPr lang="pt-BR" sz="1100" b="1" dirty="0">
+                <a:solidFill>
+                  <a:srgbClr val="88CC44"/>
+                </a:solidFill>
+                <a:effectLst/>
+              </a:rPr>
+              <a:t>"</a:t>
+            </a:r>
+            <a:r>
+              <a:rPr lang="pt-BR" sz="1100" b="1" dirty="0" err="1">
+                <a:solidFill>
+                  <a:srgbClr val="88CC44"/>
+                </a:solidFill>
+                <a:effectLst/>
+              </a:rPr>
+              <a:t>month</a:t>
+            </a:r>
+            <a:r>
+              <a:rPr lang="pt-BR" sz="1100" b="1" dirty="0">
+                <a:solidFill>
+                  <a:srgbClr val="88CC44"/>
+                </a:solidFill>
+                <a:effectLst/>
+              </a:rPr>
+              <a:t>"</a:t>
+            </a:r>
+            <a:r>
+              <a:rPr lang="pt-BR" sz="1100" b="1" dirty="0">
+                <a:solidFill>
+                  <a:srgbClr val="9999AA"/>
+                </a:solidFill>
+                <a:effectLst/>
+              </a:rPr>
+              <a:t>&gt;</a:t>
+            </a:r>
+            <a:endParaRPr lang="pt-BR" sz="1100" dirty="0"/>
+          </a:p>
+          <a:p>
+            <a:r>
+              <a:rPr lang="pt-BR" sz="1100" b="1" dirty="0"/>
+              <a:t>input tipo "busca" </a:t>
+            </a:r>
+            <a:r>
+              <a:rPr lang="pt-BR" sz="1100" dirty="0"/>
+              <a:t>-&gt; Irá uma caixa de busca. É uma mudança bem sutil é que ao invés de ser “Go” ou “</a:t>
+            </a:r>
+            <a:r>
+              <a:rPr lang="pt-BR" sz="1100" dirty="0" err="1"/>
+              <a:t>Done</a:t>
+            </a:r>
+            <a:r>
+              <a:rPr lang="pt-BR" sz="1100" dirty="0"/>
+              <a:t>”, o campo de envio vira “Pesquisar”, “Buscar”.</a:t>
+            </a:r>
+          </a:p>
+          <a:p>
+            <a:r>
+              <a:rPr lang="pt-BR" sz="1100" b="1" dirty="0">
+                <a:solidFill>
+                  <a:srgbClr val="9999AA"/>
+                </a:solidFill>
+                <a:effectLst/>
+              </a:rPr>
+              <a:t>&lt;</a:t>
+            </a:r>
+            <a:r>
+              <a:rPr lang="pt-BR" sz="1100" b="1" dirty="0">
+                <a:solidFill>
+                  <a:srgbClr val="BBA0FF"/>
+                </a:solidFill>
+                <a:effectLst/>
+              </a:rPr>
+              <a:t>input</a:t>
+            </a:r>
+            <a:r>
+              <a:rPr lang="pt-BR" sz="1100" b="1" dirty="0">
+                <a:solidFill>
+                  <a:srgbClr val="BBBBCC"/>
+                </a:solidFill>
+                <a:effectLst/>
+              </a:rPr>
+              <a:t> </a:t>
+            </a:r>
+            <a:r>
+              <a:rPr lang="pt-BR" sz="1100" b="1" dirty="0" err="1">
+                <a:solidFill>
+                  <a:srgbClr val="FFDD44"/>
+                </a:solidFill>
+                <a:effectLst/>
+              </a:rPr>
+              <a:t>type</a:t>
+            </a:r>
+            <a:r>
+              <a:rPr lang="pt-BR" sz="1100" b="1" dirty="0">
+                <a:solidFill>
+                  <a:srgbClr val="BBBBCC"/>
+                </a:solidFill>
+                <a:effectLst/>
+              </a:rPr>
+              <a:t>=</a:t>
+            </a:r>
+            <a:r>
+              <a:rPr lang="pt-BR" sz="1100" b="1" dirty="0">
+                <a:solidFill>
+                  <a:srgbClr val="88CC44"/>
+                </a:solidFill>
+                <a:effectLst/>
+              </a:rPr>
+              <a:t>"</a:t>
+            </a:r>
+            <a:r>
+              <a:rPr lang="pt-BR" sz="1100" b="1" dirty="0" err="1">
+                <a:solidFill>
+                  <a:srgbClr val="88CC44"/>
+                </a:solidFill>
+                <a:effectLst/>
+              </a:rPr>
+              <a:t>search</a:t>
+            </a:r>
+            <a:r>
+              <a:rPr lang="pt-BR" sz="1100" b="1" dirty="0">
+                <a:solidFill>
+                  <a:srgbClr val="88CC44"/>
+                </a:solidFill>
+                <a:effectLst/>
+              </a:rPr>
+              <a:t>"</a:t>
+            </a:r>
+            <a:r>
+              <a:rPr lang="pt-BR" sz="1100" b="1" dirty="0">
+                <a:solidFill>
+                  <a:srgbClr val="9999AA"/>
+                </a:solidFill>
+                <a:effectLst/>
+              </a:rPr>
+              <a:t>&gt;</a:t>
+            </a:r>
+            <a:endParaRPr lang="pt-BR" sz="1100" b="1" dirty="0">
+              <a:solidFill>
+                <a:srgbClr val="FFFFFF"/>
+              </a:solidFill>
+              <a:effectLst/>
+            </a:endParaRPr>
+          </a:p>
+          <a:p>
+            <a:endParaRPr lang="pt-BR" dirty="0"/>
+          </a:p>
+          <a:p>
+            <a:endParaRPr lang="pt-BR" dirty="0"/>
+          </a:p>
+        </p:txBody>
+      </p:sp>
+    </p:spTree>
+    <p:extLst>
+      <p:ext uri="{BB962C8B-B14F-4D97-AF65-F5344CB8AC3E}">
+        <p14:creationId xmlns:p14="http://schemas.microsoft.com/office/powerpoint/2010/main" val="3894530246"/>
+      </p:ext>
+    </p:extLst>
+  </p:cSld>
+  <p:clrMapOvr>
+    <a:masterClrMapping/>
+  </p:clrMapOvr>
+</p:sld>
+</file>
+
+<file path=ppt/slides/slide16.xml><?xml version="1.0" encoding="utf-8"?>
+<p:sld xmlns:a="http://schemas.openxmlformats.org/drawingml/2006/main" xmlns:r="http://schemas.openxmlformats.org/officeDocument/2006/relationships" xmlns:p="http://schemas.openxmlformats.org/presentationml/2006/main">
+  <p:cSld>
+    <p:spTree>
+      <p:nvGrpSpPr>
+        <p:cNvPr id="1" name=""/>
+        <p:cNvGrpSpPr/>
+        <p:nvPr/>
+      </p:nvGrpSpPr>
+      <p:grpSpPr>
+        <a:xfrm>
+          <a:off x="0" y="0"/>
+          <a:ext cx="0" cy="0"/>
+          <a:chOff x="0" y="0"/>
+          <a:chExt cx="0" cy="0"/>
+        </a:xfrm>
+      </p:grpSpPr>
+      <p:sp>
+        <p:nvSpPr>
+          <p:cNvPr id="2" name="Título 1">
+            <a:extLst>
+              <a:ext uri="{FF2B5EF4-FFF2-40B4-BE49-F238E27FC236}">
+                <a16:creationId xmlns:a16="http://schemas.microsoft.com/office/drawing/2014/main" id="{8B9A7869-C798-678B-565B-3BD15AF6784E}"/>
+              </a:ext>
+            </a:extLst>
+          </p:cNvPr>
+          <p:cNvSpPr>
+            <a:spLocks noGrp="1"/>
+          </p:cNvSpPr>
+          <p:nvPr>
+            <p:ph type="title"/>
+          </p:nvPr>
+        </p:nvSpPr>
+        <p:spPr/>
+        <p:txBody>
+          <a:bodyPr/>
+          <a:lstStyle/>
+          <a:p>
+            <a:r>
+              <a:rPr lang="pt-BR" dirty="0"/>
+              <a:t>Aprendizado – Melhorando a semântica </a:t>
+            </a:r>
+          </a:p>
+        </p:txBody>
+      </p:sp>
+      <p:sp>
+        <p:nvSpPr>
+          <p:cNvPr id="3" name="Espaço Reservado para Conteúdo 2">
+            <a:extLst>
+              <a:ext uri="{FF2B5EF4-FFF2-40B4-BE49-F238E27FC236}">
+                <a16:creationId xmlns:a16="http://schemas.microsoft.com/office/drawing/2014/main" id="{72BAFDA6-D138-E265-8FCF-93FC3CE47DAC}"/>
+              </a:ext>
+            </a:extLst>
+          </p:cNvPr>
+          <p:cNvSpPr>
+            <a:spLocks noGrp="1"/>
+          </p:cNvSpPr>
+          <p:nvPr>
+            <p:ph sz="quarter" idx="10"/>
+          </p:nvPr>
+        </p:nvSpPr>
+        <p:spPr>
+          <a:xfrm>
+            <a:off x="539496" y="1435608"/>
+            <a:ext cx="4416552" cy="4974336"/>
+          </a:xfrm>
+        </p:spPr>
+        <p:txBody>
+          <a:bodyPr>
+            <a:normAutofit/>
+          </a:bodyPr>
+          <a:lstStyle/>
+          <a:p>
+            <a:r>
+              <a:rPr lang="pt-BR" b="1" i="1" dirty="0"/>
+              <a:t>DADOS IMPORTANTES NOS INPUTS </a:t>
+            </a:r>
+          </a:p>
+          <a:p>
+            <a:r>
+              <a:rPr lang="pt-BR" dirty="0"/>
+              <a:t>Regras para deixar campos obrigatórios</a:t>
+            </a:r>
+          </a:p>
+          <a:p>
+            <a:r>
+              <a:rPr lang="pt-BR" dirty="0"/>
+              <a:t>No HTML5, sempre que temos um </a:t>
+            </a:r>
+            <a:r>
+              <a:rPr lang="pt-BR" dirty="0">
+                <a:solidFill>
+                  <a:srgbClr val="7030A0"/>
+                </a:solidFill>
+              </a:rPr>
+              <a:t>input</a:t>
+            </a:r>
+            <a:r>
+              <a:rPr lang="pt-BR" dirty="0"/>
+              <a:t> e queremos que ele seja preenchido, nós podemos colocar na </a:t>
+            </a:r>
+            <a:r>
+              <a:rPr lang="pt-BR" dirty="0" err="1"/>
+              <a:t>tag</a:t>
+            </a:r>
+            <a:r>
+              <a:rPr lang="pt-BR" dirty="0"/>
+              <a:t> do </a:t>
+            </a:r>
+            <a:r>
+              <a:rPr lang="pt-BR" dirty="0">
+                <a:solidFill>
+                  <a:srgbClr val="7030A0"/>
+                </a:solidFill>
+              </a:rPr>
+              <a:t>input</a:t>
+            </a:r>
+            <a:r>
+              <a:rPr lang="pt-BR" dirty="0"/>
+              <a:t> uma palavra reservada chamada “</a:t>
+            </a:r>
+            <a:r>
+              <a:rPr lang="pt-BR" b="1" dirty="0" err="1">
+                <a:solidFill>
+                  <a:schemeClr val="accent4">
+                    <a:lumMod val="75000"/>
+                  </a:schemeClr>
+                </a:solidFill>
+              </a:rPr>
+              <a:t>required</a:t>
+            </a:r>
+            <a:r>
+              <a:rPr lang="pt-BR" dirty="0"/>
+              <a:t>”, que quer dizer “obrigatório”.</a:t>
+            </a:r>
+          </a:p>
+          <a:p>
+            <a:r>
+              <a:rPr lang="pt-BR" dirty="0"/>
+              <a:t>Ao tentar enviar o formulário, ele volta para aquele campo e me diz que aquele campo precisa ser preenchido, ou seja, antes de enviar o formulário, aquele campo precisa ter qualquer conteúdo. Tornamos o </a:t>
+            </a:r>
+            <a:r>
+              <a:rPr lang="pt-BR" b="1" dirty="0"/>
+              <a:t>preenchimento daquele campo obrigatório.</a:t>
+            </a:r>
+          </a:p>
+          <a:p>
+            <a:endParaRPr lang="pt-BR" dirty="0"/>
+          </a:p>
+          <a:p>
+            <a:endParaRPr lang="pt-BR" b="1" i="1" dirty="0"/>
+          </a:p>
+        </p:txBody>
+      </p:sp>
+      <p:sp>
+        <p:nvSpPr>
+          <p:cNvPr id="4" name="Espaço Reservado para Conteúdo 2">
+            <a:extLst>
+              <a:ext uri="{FF2B5EF4-FFF2-40B4-BE49-F238E27FC236}">
+                <a16:creationId xmlns:a16="http://schemas.microsoft.com/office/drawing/2014/main" id="{BE9D0920-B1CA-0D14-D085-4650ADA3A11D}"/>
+              </a:ext>
+            </a:extLst>
+          </p:cNvPr>
+          <p:cNvSpPr txBox="1">
+            <a:spLocks/>
+          </p:cNvSpPr>
+          <p:nvPr/>
+        </p:nvSpPr>
+        <p:spPr>
+          <a:xfrm>
+            <a:off x="6542090" y="1435608"/>
+            <a:ext cx="4416552" cy="4974336"/>
+          </a:xfrm>
+          <a:prstGeom prst="rect">
+            <a:avLst/>
+          </a:prstGeom>
+        </p:spPr>
+        <p:txBody>
+          <a:bodyPr vert="horz" lIns="91440" tIns="45720" rIns="91440" bIns="45720" rtlCol="0">
+            <a:normAutofit/>
+          </a:bodyPr>
+          <a:lstStyle>
+            <a:lvl1pPr marL="0" indent="0" algn="l" defTabSz="914400" rtl="0" eaLnBrk="1" latinLnBrk="0" hangingPunct="1">
+              <a:lnSpc>
+                <a:spcPct val="150000"/>
+              </a:lnSpc>
+              <a:spcBef>
+                <a:spcPts val="1000"/>
+              </a:spcBef>
+              <a:spcAft>
+                <a:spcPts val="1200"/>
+              </a:spcAft>
+              <a:buFontTx/>
+              <a:buNone/>
+              <a:defRPr lang="en-US" sz="1200" kern="1200" smtClean="0">
+                <a:solidFill>
+                  <a:schemeClr val="tx1">
+                    <a:lumMod val="75000"/>
+                    <a:lumOff val="25000"/>
+                  </a:schemeClr>
+                </a:solidFill>
+                <a:latin typeface="+mn-lt"/>
+                <a:ea typeface="+mn-ea"/>
+                <a:cs typeface="+mn-cs"/>
+              </a:defRPr>
+            </a:lvl1pPr>
+            <a:lvl2pPr marL="228600" indent="-228600" algn="l" defTabSz="914400" rtl="0" eaLnBrk="1" latinLnBrk="0" hangingPunct="1">
+              <a:lnSpc>
+                <a:spcPct val="150000"/>
+              </a:lnSpc>
+              <a:spcBef>
+                <a:spcPts val="1000"/>
+              </a:spcBef>
+              <a:spcAft>
+                <a:spcPts val="1200"/>
+              </a:spcAft>
+              <a:buFont typeface="Arial" panose="020B0604020202020204" pitchFamily="34" charset="0"/>
+              <a:buChar char="•"/>
+              <a:defRPr lang="en-US" sz="1200" kern="1200" smtClean="0">
+                <a:solidFill>
+                  <a:schemeClr val="tx1">
+                    <a:lumMod val="75000"/>
+                    <a:lumOff val="25000"/>
+                  </a:schemeClr>
+                </a:solidFill>
+                <a:latin typeface="+mn-lt"/>
+                <a:ea typeface="+mn-ea"/>
+                <a:cs typeface="+mn-cs"/>
+              </a:defRPr>
+            </a:lvl2pPr>
+            <a:lvl3pPr marL="685800" indent="-228600" algn="l" defTabSz="914400" rtl="0" eaLnBrk="1" latinLnBrk="0" hangingPunct="1">
+              <a:lnSpc>
+                <a:spcPct val="150000"/>
+              </a:lnSpc>
+              <a:spcBef>
+                <a:spcPts val="1000"/>
+              </a:spcBef>
+              <a:spcAft>
+                <a:spcPts val="1200"/>
+              </a:spcAft>
+              <a:buFont typeface="Arial" panose="020B0604020202020204" pitchFamily="34" charset="0"/>
+              <a:buChar char="•"/>
+              <a:defRPr lang="en-US" sz="1200" kern="1200" smtClean="0">
+                <a:solidFill>
+                  <a:schemeClr val="tx1">
+                    <a:lumMod val="75000"/>
+                    <a:lumOff val="25000"/>
+                  </a:schemeClr>
+                </a:solidFill>
+                <a:latin typeface="+mn-lt"/>
+                <a:ea typeface="+mn-ea"/>
+                <a:cs typeface="+mn-cs"/>
+              </a:defRPr>
+            </a:lvl3pPr>
+            <a:lvl4pPr marL="1143000" indent="-228600" algn="l" defTabSz="914400" rtl="0" eaLnBrk="1" latinLnBrk="0" hangingPunct="1">
+              <a:lnSpc>
+                <a:spcPct val="150000"/>
+              </a:lnSpc>
+              <a:spcBef>
+                <a:spcPts val="1000"/>
+              </a:spcBef>
+              <a:spcAft>
+                <a:spcPts val="1200"/>
+              </a:spcAft>
+              <a:buFont typeface="Arial" panose="020B0604020202020204" pitchFamily="34" charset="0"/>
+              <a:buChar char="•"/>
+              <a:defRPr lang="en-US" sz="1200" kern="1200" smtClean="0">
+                <a:solidFill>
+                  <a:schemeClr val="tx1">
+                    <a:lumMod val="75000"/>
+                    <a:lumOff val="25000"/>
+                  </a:schemeClr>
+                </a:solidFill>
+                <a:latin typeface="+mn-lt"/>
+                <a:ea typeface="+mn-ea"/>
+                <a:cs typeface="+mn-cs"/>
+              </a:defRPr>
+            </a:lvl4pPr>
+            <a:lvl5pPr marL="1600200" indent="-228600" algn="l" defTabSz="914400" rtl="0" eaLnBrk="1" latinLnBrk="0" hangingPunct="1">
+              <a:lnSpc>
+                <a:spcPct val="150000"/>
+              </a:lnSpc>
+              <a:spcBef>
+                <a:spcPts val="1000"/>
+              </a:spcBef>
+              <a:spcAft>
+                <a:spcPts val="1200"/>
+              </a:spcAft>
+              <a:buFont typeface="Arial" panose="020B0604020202020204" pitchFamily="34" charset="0"/>
+              <a:buChar char="•"/>
+              <a:defRPr lang="en-US" sz="1200" kern="1200">
+                <a:solidFill>
+                  <a:schemeClr val="tx1">
+                    <a:lumMod val="75000"/>
+                    <a:lumOff val="25000"/>
+                  </a:schemeClr>
+                </a:solidFill>
+                <a:latin typeface="+mn-lt"/>
+                <a:ea typeface="+mn-ea"/>
+                <a:cs typeface="+mn-cs"/>
+              </a:defRPr>
+            </a:lvl5pPr>
+            <a:lvl6pPr marL="2057400" indent="-228600" algn="l" defTabSz="914400" rtl="0" eaLnBrk="1" latinLnBrk="0" hangingPunct="1">
+              <a:lnSpc>
+                <a:spcPct val="150000"/>
+              </a:lnSpc>
+              <a:spcBef>
+                <a:spcPts val="1000"/>
+              </a:spcBef>
+              <a:spcAft>
+                <a:spcPts val="1200"/>
+              </a:spcAft>
+              <a:buFont typeface="Arial" panose="020B0604020202020204" pitchFamily="34" charset="0"/>
+              <a:buChar char="•"/>
+              <a:defRPr lang="en-US" sz="1200" kern="1200" dirty="0" smtClean="0">
+                <a:solidFill>
+                  <a:schemeClr val="tx1"/>
+                </a:solidFill>
+                <a:latin typeface="+mn-lt"/>
+                <a:ea typeface="+mn-ea"/>
+                <a:cs typeface="+mn-cs"/>
+              </a:defRPr>
+            </a:lvl6pPr>
+            <a:lvl7pPr marL="2514600" indent="-228600" algn="l" defTabSz="914400" rtl="0" eaLnBrk="1" latinLnBrk="0" hangingPunct="1">
+              <a:lnSpc>
+                <a:spcPct val="150000"/>
+              </a:lnSpc>
+              <a:spcBef>
+                <a:spcPts val="1000"/>
+              </a:spcBef>
+              <a:spcAft>
+                <a:spcPts val="1200"/>
+              </a:spcAft>
+              <a:buFont typeface="Arial" panose="020B0604020202020204" pitchFamily="34" charset="0"/>
+              <a:buChar char="•"/>
+              <a:defRPr lang="en-US" sz="1200" kern="1200" dirty="0" smtClean="0">
+                <a:solidFill>
+                  <a:schemeClr val="tx1"/>
+                </a:solidFill>
+                <a:latin typeface="+mn-lt"/>
+                <a:ea typeface="+mn-ea"/>
+                <a:cs typeface="+mn-cs"/>
+              </a:defRPr>
+            </a:lvl7pPr>
+            <a:lvl8pPr marL="2971800" indent="-228600" algn="l" defTabSz="914400" rtl="0" eaLnBrk="1" latinLnBrk="0" hangingPunct="1">
+              <a:lnSpc>
+                <a:spcPct val="150000"/>
+              </a:lnSpc>
+              <a:spcBef>
+                <a:spcPts val="1000"/>
+              </a:spcBef>
+              <a:spcAft>
+                <a:spcPts val="1200"/>
+              </a:spcAft>
+              <a:buFont typeface="Arial" panose="020B0604020202020204" pitchFamily="34" charset="0"/>
+              <a:buChar char="•"/>
+              <a:defRPr lang="en-US" sz="1200" kern="1200" dirty="0" smtClean="0">
+                <a:solidFill>
+                  <a:schemeClr val="tx1"/>
+                </a:solidFill>
+                <a:latin typeface="+mn-lt"/>
+                <a:ea typeface="+mn-ea"/>
+                <a:cs typeface="+mn-cs"/>
+              </a:defRPr>
+            </a:lvl8pPr>
+            <a:lvl9pPr marL="3429000" indent="-228600" algn="l" defTabSz="914400" rtl="0" eaLnBrk="1" latinLnBrk="0" hangingPunct="1">
+              <a:lnSpc>
+                <a:spcPct val="90000"/>
+              </a:lnSpc>
+              <a:spcBef>
+                <a:spcPct val="30000"/>
+              </a:spcBef>
+              <a:buFont typeface="Arial" panose="020B0604020202020204" pitchFamily="34" charset="0"/>
+              <a:buNone/>
+              <a:defRPr sz="1200" kern="1200">
+                <a:solidFill>
+                  <a:schemeClr val="tx1"/>
+                </a:solidFill>
+                <a:latin typeface="+mn-lt"/>
+                <a:ea typeface="+mn-ea"/>
+                <a:cs typeface="+mn-cs"/>
+              </a:defRPr>
+            </a:lvl9pPr>
+          </a:lstStyle>
+          <a:p>
+            <a:r>
+              <a:rPr lang="pt-BR" b="1" dirty="0" err="1">
+                <a:solidFill>
+                  <a:schemeClr val="accent4">
+                    <a:lumMod val="75000"/>
+                  </a:schemeClr>
+                </a:solidFill>
+              </a:rPr>
+              <a:t>placeholder</a:t>
+            </a:r>
+            <a:r>
+              <a:rPr lang="pt-BR" dirty="0"/>
+              <a:t>=</a:t>
+            </a:r>
+            <a:r>
+              <a:rPr lang="pt-BR" b="1" dirty="0">
+                <a:solidFill>
+                  <a:schemeClr val="accent6"/>
+                </a:solidFill>
+              </a:rPr>
+              <a:t>""</a:t>
+            </a:r>
+            <a:r>
+              <a:rPr lang="pt-BR" dirty="0"/>
+              <a:t> -&gt; Sugestão de preenchimento </a:t>
+            </a:r>
+          </a:p>
+          <a:p>
+            <a:r>
+              <a:rPr lang="pt-BR" b="1" dirty="0" err="1">
+                <a:solidFill>
+                  <a:schemeClr val="accent4">
+                    <a:lumMod val="75000"/>
+                  </a:schemeClr>
+                </a:solidFill>
+              </a:rPr>
+              <a:t>checked</a:t>
+            </a:r>
+            <a:r>
+              <a:rPr lang="pt-BR" dirty="0"/>
+              <a:t> -&gt; Sugestão de marcação </a:t>
+            </a:r>
+          </a:p>
+          <a:p>
+            <a:r>
+              <a:rPr lang="pt-BR" dirty="0"/>
+              <a:t>É útil fazer quando temos um </a:t>
+            </a:r>
+            <a:r>
+              <a:rPr lang="pt-BR" dirty="0" err="1"/>
+              <a:t>checkbox</a:t>
+            </a:r>
+            <a:r>
+              <a:rPr lang="pt-BR" dirty="0"/>
+              <a:t> e queremos que ele seja marcado, também usarmos a palavra reservada “</a:t>
+            </a:r>
+            <a:r>
+              <a:rPr lang="pt-BR" b="1" dirty="0" err="1">
+                <a:solidFill>
+                  <a:schemeClr val="accent4">
+                    <a:lumMod val="75000"/>
+                  </a:schemeClr>
+                </a:solidFill>
+              </a:rPr>
+              <a:t>checked</a:t>
+            </a:r>
+            <a:r>
+              <a:rPr lang="pt-BR" dirty="0"/>
+              <a:t>” no </a:t>
+            </a:r>
+            <a:r>
+              <a:rPr lang="pt-BR" dirty="0">
+                <a:solidFill>
+                  <a:srgbClr val="7030A0"/>
+                </a:solidFill>
+              </a:rPr>
+              <a:t>input</a:t>
+            </a:r>
+            <a:r>
+              <a:rPr lang="pt-BR" dirty="0"/>
+              <a:t> do </a:t>
+            </a:r>
+            <a:r>
+              <a:rPr lang="pt-BR" dirty="0" err="1"/>
+              <a:t>checkbox</a:t>
+            </a:r>
+            <a:r>
+              <a:rPr lang="pt-BR" dirty="0"/>
+              <a:t>.</a:t>
+            </a:r>
+          </a:p>
+          <a:p>
+            <a:endParaRPr lang="pt-BR" b="1" i="1" dirty="0"/>
+          </a:p>
+        </p:txBody>
+      </p:sp>
+    </p:spTree>
+    <p:extLst>
+      <p:ext uri="{BB962C8B-B14F-4D97-AF65-F5344CB8AC3E}">
+        <p14:creationId xmlns:p14="http://schemas.microsoft.com/office/powerpoint/2010/main" val="2024231558"/>
+      </p:ext>
+    </p:extLst>
+  </p:cSld>
+  <p:clrMapOvr>
+    <a:masterClrMapping/>
+  </p:clrMapOvr>
+</p:sld>
+</file>
+
+<file path=ppt/slides/slide17.xml><?xml version="1.0" encoding="utf-8"?>
+<p:sld xmlns:a="http://schemas.openxmlformats.org/drawingml/2006/main" xmlns:r="http://schemas.openxmlformats.org/officeDocument/2006/relationships" xmlns:p="http://schemas.openxmlformats.org/presentationml/2006/main">
+  <p:cSld>
+    <p:spTree>
+      <p:nvGrpSpPr>
+        <p:cNvPr id="1" name=""/>
+        <p:cNvGrpSpPr/>
+        <p:nvPr/>
+      </p:nvGrpSpPr>
+      <p:grpSpPr>
+        <a:xfrm>
+          <a:off x="0" y="0"/>
+          <a:ext cx="0" cy="0"/>
+          <a:chOff x="0" y="0"/>
+          <a:chExt cx="0" cy="0"/>
+        </a:xfrm>
+      </p:grpSpPr>
+      <p:sp>
+        <p:nvSpPr>
+          <p:cNvPr id="2" name="Título 1">
+            <a:extLst>
+              <a:ext uri="{FF2B5EF4-FFF2-40B4-BE49-F238E27FC236}">
+                <a16:creationId xmlns:a16="http://schemas.microsoft.com/office/drawing/2014/main" id="{99A87FEE-A589-D5BA-B79D-3DD04F945502}"/>
+              </a:ext>
+            </a:extLst>
+          </p:cNvPr>
+          <p:cNvSpPr>
+            <a:spLocks noGrp="1"/>
+          </p:cNvSpPr>
+          <p:nvPr>
+            <p:ph type="title"/>
+          </p:nvPr>
+        </p:nvSpPr>
+        <p:spPr/>
+        <p:txBody>
+          <a:bodyPr/>
+          <a:lstStyle/>
+          <a:p>
+            <a:r>
+              <a:rPr lang="pt-BR" dirty="0"/>
+              <a:t>Aprendizado – Melhorando a semântica </a:t>
+            </a:r>
+          </a:p>
+        </p:txBody>
+      </p:sp>
+      <p:sp>
+        <p:nvSpPr>
+          <p:cNvPr id="3" name="Espaço Reservado para Conteúdo 2">
+            <a:extLst>
+              <a:ext uri="{FF2B5EF4-FFF2-40B4-BE49-F238E27FC236}">
+                <a16:creationId xmlns:a16="http://schemas.microsoft.com/office/drawing/2014/main" id="{511C57CC-5D88-B07E-B35E-DA83813D6207}"/>
+              </a:ext>
+            </a:extLst>
+          </p:cNvPr>
+          <p:cNvSpPr>
+            <a:spLocks noGrp="1"/>
+          </p:cNvSpPr>
+          <p:nvPr>
+            <p:ph sz="quarter" idx="10"/>
+          </p:nvPr>
+        </p:nvSpPr>
+        <p:spPr>
+          <a:xfrm>
+            <a:off x="539496" y="1288122"/>
+            <a:ext cx="4416552" cy="4974336"/>
+          </a:xfrm>
+        </p:spPr>
+        <p:txBody>
+          <a:bodyPr>
+            <a:normAutofit/>
+          </a:bodyPr>
+          <a:lstStyle/>
+          <a:p>
+            <a:r>
+              <a:rPr lang="pt-BR" b="1" i="1" dirty="0"/>
+              <a:t>MELHORANDO A SEMÂNTICA DO FORMULÁRIO</a:t>
+            </a:r>
+          </a:p>
+          <a:p>
+            <a:pPr algn="just"/>
+            <a:r>
+              <a:rPr lang="pt-BR" dirty="0"/>
+              <a:t>Dentro do formulário, quando queremos agrupar os campos e quando queremos ter um título para isso, temos </a:t>
+            </a:r>
+            <a:r>
+              <a:rPr lang="pt-BR" dirty="0" err="1"/>
+              <a:t>tags</a:t>
+            </a:r>
+            <a:r>
+              <a:rPr lang="pt-BR" dirty="0"/>
+              <a:t> específicas, que deixam nosso formulário melhor escrito. A primeira é a divisão, quando temos um campo e um texto, ou vários campos referentes a alguma coisa, não usamos a </a:t>
+            </a:r>
+            <a:r>
+              <a:rPr lang="pt-BR" dirty="0" err="1"/>
+              <a:t>tag</a:t>
+            </a:r>
+            <a:r>
+              <a:rPr lang="pt-BR" dirty="0"/>
+              <a:t> </a:t>
+            </a:r>
+            <a:r>
+              <a:rPr lang="pt-BR" dirty="0" err="1">
+                <a:solidFill>
+                  <a:srgbClr val="7030A0"/>
+                </a:solidFill>
+              </a:rPr>
+              <a:t>div</a:t>
+            </a:r>
+            <a:r>
+              <a:rPr lang="pt-BR" dirty="0"/>
+              <a:t>, usamos a </a:t>
+            </a:r>
+            <a:r>
+              <a:rPr lang="pt-BR" dirty="0" err="1"/>
+              <a:t>tag</a:t>
+            </a:r>
+            <a:r>
+              <a:rPr lang="pt-BR" dirty="0"/>
+              <a:t> </a:t>
+            </a:r>
+            <a:r>
+              <a:rPr lang="pt-BR" dirty="0" err="1">
+                <a:solidFill>
+                  <a:srgbClr val="7030A0"/>
+                </a:solidFill>
+              </a:rPr>
+              <a:t>fieldset</a:t>
+            </a:r>
+            <a:r>
+              <a:rPr lang="pt-BR" dirty="0"/>
+              <a:t>. Ela é referente à configuração de um ou mais campos referentes a um assunto específico.</a:t>
+            </a:r>
+          </a:p>
+          <a:p>
+            <a:pPr algn="just"/>
+            <a:r>
+              <a:rPr lang="pt-BR" dirty="0"/>
+              <a:t>Dentro de um </a:t>
+            </a:r>
+            <a:r>
+              <a:rPr lang="pt-BR" dirty="0" err="1">
+                <a:solidFill>
+                  <a:srgbClr val="7030A0"/>
+                </a:solidFill>
+              </a:rPr>
+              <a:t>fieldset</a:t>
+            </a:r>
+            <a:r>
+              <a:rPr lang="pt-BR" dirty="0"/>
+              <a:t> não temos parágrafos, nós temos o título, e o título de um </a:t>
+            </a:r>
+            <a:r>
+              <a:rPr lang="pt-BR" dirty="0" err="1">
+                <a:solidFill>
+                  <a:srgbClr val="7030A0"/>
+                </a:solidFill>
+              </a:rPr>
+              <a:t>fildset</a:t>
+            </a:r>
+            <a:r>
+              <a:rPr lang="pt-BR" dirty="0"/>
+              <a:t> é chamado de </a:t>
+            </a:r>
+            <a:r>
+              <a:rPr lang="pt-BR" dirty="0" err="1">
+                <a:solidFill>
+                  <a:srgbClr val="7030A0"/>
+                </a:solidFill>
+              </a:rPr>
+              <a:t>legend</a:t>
+            </a:r>
+            <a:r>
+              <a:rPr lang="pt-BR" dirty="0"/>
+              <a:t>.</a:t>
+            </a:r>
+          </a:p>
+          <a:p>
+            <a:pPr algn="just"/>
+            <a:r>
+              <a:rPr lang="pt-BR" b="1" dirty="0" err="1">
+                <a:solidFill>
+                  <a:schemeClr val="accent4">
+                    <a:lumMod val="75000"/>
+                  </a:schemeClr>
+                </a:solidFill>
+              </a:rPr>
+              <a:t>alt</a:t>
+            </a:r>
+            <a:r>
+              <a:rPr lang="pt-BR" dirty="0"/>
+              <a:t>=</a:t>
+            </a:r>
+            <a:r>
+              <a:rPr lang="pt-BR" b="1" dirty="0">
+                <a:solidFill>
+                  <a:schemeClr val="accent6"/>
+                </a:solidFill>
+              </a:rPr>
+              <a:t>"" </a:t>
+            </a:r>
+            <a:r>
+              <a:rPr lang="pt-BR" dirty="0"/>
+              <a:t>nas imagens -&gt; Campo importante para acessibilidade. </a:t>
+            </a:r>
+            <a:r>
+              <a:rPr lang="pt-BR" dirty="0">
+                <a:solidFill>
+                  <a:schemeClr val="accent4">
+                    <a:lumMod val="75000"/>
+                  </a:schemeClr>
+                </a:solidFill>
+              </a:rPr>
+              <a:t>Alt</a:t>
+            </a:r>
+            <a:r>
+              <a:rPr lang="pt-BR" dirty="0"/>
+              <a:t> é uma alternativa. Descreve a imagem. </a:t>
+            </a:r>
+          </a:p>
+          <a:p>
+            <a:endParaRPr lang="pt-BR" b="1" i="1" dirty="0"/>
+          </a:p>
+        </p:txBody>
+      </p:sp>
+      <p:sp>
+        <p:nvSpPr>
+          <p:cNvPr id="4" name="Espaço Reservado para Conteúdo 2">
+            <a:extLst>
+              <a:ext uri="{FF2B5EF4-FFF2-40B4-BE49-F238E27FC236}">
+                <a16:creationId xmlns:a16="http://schemas.microsoft.com/office/drawing/2014/main" id="{77970916-0EE6-42D9-0BCB-F49087079C68}"/>
+              </a:ext>
+            </a:extLst>
+          </p:cNvPr>
+          <p:cNvSpPr txBox="1">
+            <a:spLocks/>
+          </p:cNvSpPr>
+          <p:nvPr/>
+        </p:nvSpPr>
+        <p:spPr>
+          <a:xfrm>
+            <a:off x="6473264" y="1288121"/>
+            <a:ext cx="4416552" cy="5171669"/>
+          </a:xfrm>
+          <a:prstGeom prst="rect">
+            <a:avLst/>
+          </a:prstGeom>
+        </p:spPr>
+        <p:txBody>
+          <a:bodyPr vert="horz" lIns="91440" tIns="45720" rIns="91440" bIns="45720" rtlCol="0">
+            <a:normAutofit lnSpcReduction="10000"/>
+          </a:bodyPr>
+          <a:lstStyle>
+            <a:lvl1pPr marL="0" indent="0" algn="l" defTabSz="914400" rtl="0" eaLnBrk="1" latinLnBrk="0" hangingPunct="1">
+              <a:lnSpc>
+                <a:spcPct val="150000"/>
+              </a:lnSpc>
+              <a:spcBef>
+                <a:spcPts val="1000"/>
+              </a:spcBef>
+              <a:spcAft>
+                <a:spcPts val="1200"/>
+              </a:spcAft>
+              <a:buFontTx/>
+              <a:buNone/>
+              <a:defRPr lang="en-US" sz="1200" kern="1200" smtClean="0">
+                <a:solidFill>
+                  <a:schemeClr val="tx1">
+                    <a:lumMod val="75000"/>
+                    <a:lumOff val="25000"/>
+                  </a:schemeClr>
+                </a:solidFill>
+                <a:latin typeface="+mn-lt"/>
+                <a:ea typeface="+mn-ea"/>
+                <a:cs typeface="+mn-cs"/>
+              </a:defRPr>
+            </a:lvl1pPr>
+            <a:lvl2pPr marL="228600" indent="-228600" algn="l" defTabSz="914400" rtl="0" eaLnBrk="1" latinLnBrk="0" hangingPunct="1">
+              <a:lnSpc>
+                <a:spcPct val="150000"/>
+              </a:lnSpc>
+              <a:spcBef>
+                <a:spcPts val="1000"/>
+              </a:spcBef>
+              <a:spcAft>
+                <a:spcPts val="1200"/>
+              </a:spcAft>
+              <a:buFont typeface="Arial" panose="020B0604020202020204" pitchFamily="34" charset="0"/>
+              <a:buChar char="•"/>
+              <a:defRPr lang="en-US" sz="1200" kern="1200" smtClean="0">
+                <a:solidFill>
+                  <a:schemeClr val="tx1">
+                    <a:lumMod val="75000"/>
+                    <a:lumOff val="25000"/>
+                  </a:schemeClr>
+                </a:solidFill>
+                <a:latin typeface="+mn-lt"/>
+                <a:ea typeface="+mn-ea"/>
+                <a:cs typeface="+mn-cs"/>
+              </a:defRPr>
+            </a:lvl2pPr>
+            <a:lvl3pPr marL="685800" indent="-228600" algn="l" defTabSz="914400" rtl="0" eaLnBrk="1" latinLnBrk="0" hangingPunct="1">
+              <a:lnSpc>
+                <a:spcPct val="150000"/>
+              </a:lnSpc>
+              <a:spcBef>
+                <a:spcPts val="1000"/>
+              </a:spcBef>
+              <a:spcAft>
+                <a:spcPts val="1200"/>
+              </a:spcAft>
+              <a:buFont typeface="Arial" panose="020B0604020202020204" pitchFamily="34" charset="0"/>
+              <a:buChar char="•"/>
+              <a:defRPr lang="en-US" sz="1200" kern="1200" smtClean="0">
+                <a:solidFill>
+                  <a:schemeClr val="tx1">
+                    <a:lumMod val="75000"/>
+                    <a:lumOff val="25000"/>
+                  </a:schemeClr>
+                </a:solidFill>
+                <a:latin typeface="+mn-lt"/>
+                <a:ea typeface="+mn-ea"/>
+                <a:cs typeface="+mn-cs"/>
+              </a:defRPr>
+            </a:lvl3pPr>
+            <a:lvl4pPr marL="1143000" indent="-228600" algn="l" defTabSz="914400" rtl="0" eaLnBrk="1" latinLnBrk="0" hangingPunct="1">
+              <a:lnSpc>
+                <a:spcPct val="150000"/>
+              </a:lnSpc>
+              <a:spcBef>
+                <a:spcPts val="1000"/>
+              </a:spcBef>
+              <a:spcAft>
+                <a:spcPts val="1200"/>
+              </a:spcAft>
+              <a:buFont typeface="Arial" panose="020B0604020202020204" pitchFamily="34" charset="0"/>
+              <a:buChar char="•"/>
+              <a:defRPr lang="en-US" sz="1200" kern="1200" smtClean="0">
+                <a:solidFill>
+                  <a:schemeClr val="tx1">
+                    <a:lumMod val="75000"/>
+                    <a:lumOff val="25000"/>
+                  </a:schemeClr>
+                </a:solidFill>
+                <a:latin typeface="+mn-lt"/>
+                <a:ea typeface="+mn-ea"/>
+                <a:cs typeface="+mn-cs"/>
+              </a:defRPr>
+            </a:lvl4pPr>
+            <a:lvl5pPr marL="1600200" indent="-228600" algn="l" defTabSz="914400" rtl="0" eaLnBrk="1" latinLnBrk="0" hangingPunct="1">
+              <a:lnSpc>
+                <a:spcPct val="150000"/>
+              </a:lnSpc>
+              <a:spcBef>
+                <a:spcPts val="1000"/>
+              </a:spcBef>
+              <a:spcAft>
+                <a:spcPts val="1200"/>
+              </a:spcAft>
+              <a:buFont typeface="Arial" panose="020B0604020202020204" pitchFamily="34" charset="0"/>
+              <a:buChar char="•"/>
+              <a:defRPr lang="en-US" sz="1200" kern="1200">
+                <a:solidFill>
+                  <a:schemeClr val="tx1">
+                    <a:lumMod val="75000"/>
+                    <a:lumOff val="25000"/>
+                  </a:schemeClr>
+                </a:solidFill>
+                <a:latin typeface="+mn-lt"/>
+                <a:ea typeface="+mn-ea"/>
+                <a:cs typeface="+mn-cs"/>
+              </a:defRPr>
+            </a:lvl5pPr>
+            <a:lvl6pPr marL="2057400" indent="-228600" algn="l" defTabSz="914400" rtl="0" eaLnBrk="1" latinLnBrk="0" hangingPunct="1">
+              <a:lnSpc>
+                <a:spcPct val="150000"/>
+              </a:lnSpc>
+              <a:spcBef>
+                <a:spcPts val="1000"/>
+              </a:spcBef>
+              <a:spcAft>
+                <a:spcPts val="1200"/>
+              </a:spcAft>
+              <a:buFont typeface="Arial" panose="020B0604020202020204" pitchFamily="34" charset="0"/>
+              <a:buChar char="•"/>
+              <a:defRPr lang="en-US" sz="1200" kern="1200" dirty="0" smtClean="0">
+                <a:solidFill>
+                  <a:schemeClr val="tx1"/>
+                </a:solidFill>
+                <a:latin typeface="+mn-lt"/>
+                <a:ea typeface="+mn-ea"/>
+                <a:cs typeface="+mn-cs"/>
+              </a:defRPr>
+            </a:lvl6pPr>
+            <a:lvl7pPr marL="2514600" indent="-228600" algn="l" defTabSz="914400" rtl="0" eaLnBrk="1" latinLnBrk="0" hangingPunct="1">
+              <a:lnSpc>
+                <a:spcPct val="150000"/>
+              </a:lnSpc>
+              <a:spcBef>
+                <a:spcPts val="1000"/>
+              </a:spcBef>
+              <a:spcAft>
+                <a:spcPts val="1200"/>
+              </a:spcAft>
+              <a:buFont typeface="Arial" panose="020B0604020202020204" pitchFamily="34" charset="0"/>
+              <a:buChar char="•"/>
+              <a:defRPr lang="en-US" sz="1200" kern="1200" dirty="0" smtClean="0">
+                <a:solidFill>
+                  <a:schemeClr val="tx1"/>
+                </a:solidFill>
+                <a:latin typeface="+mn-lt"/>
+                <a:ea typeface="+mn-ea"/>
+                <a:cs typeface="+mn-cs"/>
+              </a:defRPr>
+            </a:lvl7pPr>
+            <a:lvl8pPr marL="2971800" indent="-228600" algn="l" defTabSz="914400" rtl="0" eaLnBrk="1" latinLnBrk="0" hangingPunct="1">
+              <a:lnSpc>
+                <a:spcPct val="150000"/>
+              </a:lnSpc>
+              <a:spcBef>
+                <a:spcPts val="1000"/>
+              </a:spcBef>
+              <a:spcAft>
+                <a:spcPts val="1200"/>
+              </a:spcAft>
+              <a:buFont typeface="Arial" panose="020B0604020202020204" pitchFamily="34" charset="0"/>
+              <a:buChar char="•"/>
+              <a:defRPr lang="en-US" sz="1200" kern="1200" dirty="0" smtClean="0">
+                <a:solidFill>
+                  <a:schemeClr val="tx1"/>
+                </a:solidFill>
+                <a:latin typeface="+mn-lt"/>
+                <a:ea typeface="+mn-ea"/>
+                <a:cs typeface="+mn-cs"/>
+              </a:defRPr>
+            </a:lvl8pPr>
+            <a:lvl9pPr marL="3429000" indent="-228600" algn="l" defTabSz="914400" rtl="0" eaLnBrk="1" latinLnBrk="0" hangingPunct="1">
+              <a:lnSpc>
+                <a:spcPct val="90000"/>
+              </a:lnSpc>
+              <a:spcBef>
+                <a:spcPct val="30000"/>
+              </a:spcBef>
+              <a:buFont typeface="Arial" panose="020B0604020202020204" pitchFamily="34" charset="0"/>
+              <a:buNone/>
+              <a:defRPr sz="1200" kern="1200">
+                <a:solidFill>
+                  <a:schemeClr val="tx1"/>
+                </a:solidFill>
+                <a:latin typeface="+mn-lt"/>
+                <a:ea typeface="+mn-ea"/>
+                <a:cs typeface="+mn-cs"/>
+              </a:defRPr>
+            </a:lvl9pPr>
+          </a:lstStyle>
+          <a:p>
+            <a:r>
+              <a:rPr lang="pt-BR" b="1" dirty="0"/>
+              <a:t>Nesta aula, aprendemos:</a:t>
+            </a:r>
+          </a:p>
+          <a:p>
+            <a:pPr marL="171450" indent="-171450">
+              <a:buFont typeface="Wingdings" panose="05000000000000000000" pitchFamily="2" charset="2"/>
+              <a:buChar char="q"/>
+            </a:pPr>
+            <a:r>
+              <a:rPr lang="pt-BR" dirty="0"/>
+              <a:t>Alguns tipos de inputs para celular: </a:t>
+            </a:r>
+            <a:r>
+              <a:rPr lang="pt-BR" dirty="0" err="1"/>
+              <a:t>email</a:t>
+            </a:r>
+            <a:r>
+              <a:rPr lang="pt-BR" dirty="0"/>
+              <a:t>, </a:t>
+            </a:r>
+            <a:r>
+              <a:rPr lang="pt-BR" dirty="0" err="1"/>
+              <a:t>tel</a:t>
+            </a:r>
+            <a:r>
+              <a:rPr lang="pt-BR" dirty="0"/>
+              <a:t>, </a:t>
+            </a:r>
+            <a:r>
+              <a:rPr lang="pt-BR" dirty="0" err="1"/>
+              <a:t>number</a:t>
+            </a:r>
+            <a:r>
+              <a:rPr lang="pt-BR" dirty="0"/>
+              <a:t>, </a:t>
+            </a:r>
+            <a:r>
+              <a:rPr lang="pt-BR" dirty="0" err="1"/>
+              <a:t>password</a:t>
+            </a:r>
+            <a:r>
+              <a:rPr lang="pt-BR" dirty="0"/>
+              <a:t>, date, </a:t>
+            </a:r>
+            <a:r>
+              <a:rPr lang="pt-BR" dirty="0" err="1"/>
+              <a:t>datetime</a:t>
+            </a:r>
+            <a:r>
+              <a:rPr lang="pt-BR" dirty="0"/>
+              <a:t>, </a:t>
+            </a:r>
+            <a:r>
+              <a:rPr lang="pt-BR" dirty="0" err="1"/>
+              <a:t>month</a:t>
+            </a:r>
+            <a:r>
+              <a:rPr lang="pt-BR" dirty="0"/>
+              <a:t> e Search</a:t>
+            </a:r>
+          </a:p>
+          <a:p>
+            <a:pPr marL="171450" indent="-171450">
+              <a:buFont typeface="Wingdings" panose="05000000000000000000" pitchFamily="2" charset="2"/>
+              <a:buChar char="q"/>
+            </a:pPr>
+            <a:r>
+              <a:rPr lang="pt-BR" dirty="0"/>
+              <a:t>Como não permitir que um campo não seja preenchido, através do atributo </a:t>
+            </a:r>
+            <a:r>
+              <a:rPr lang="pt-BR" dirty="0" err="1"/>
+              <a:t>required</a:t>
+            </a:r>
+            <a:endParaRPr lang="pt-BR" dirty="0"/>
+          </a:p>
+          <a:p>
+            <a:pPr marL="171450" indent="-171450">
+              <a:buFont typeface="Wingdings" panose="05000000000000000000" pitchFamily="2" charset="2"/>
+              <a:buChar char="q"/>
+            </a:pPr>
+            <a:r>
+              <a:rPr lang="pt-BR" dirty="0"/>
+              <a:t>Como exibir uma sugestão de preenchimento para os campos, através do atributo </a:t>
+            </a:r>
+            <a:r>
+              <a:rPr lang="pt-BR" dirty="0" err="1"/>
+              <a:t>placeholder</a:t>
+            </a:r>
+            <a:endParaRPr lang="pt-BR" dirty="0"/>
+          </a:p>
+          <a:p>
+            <a:pPr marL="171450" indent="-171450">
+              <a:buFont typeface="Wingdings" panose="05000000000000000000" pitchFamily="2" charset="2"/>
+              <a:buChar char="q"/>
+            </a:pPr>
+            <a:r>
+              <a:rPr lang="pt-BR" dirty="0"/>
+              <a:t>Como deixar uma opção marcada por padrão nos nossos input radio e </a:t>
+            </a:r>
+            <a:r>
+              <a:rPr lang="pt-BR" dirty="0" err="1"/>
+              <a:t>checkbox</a:t>
+            </a:r>
+            <a:r>
+              <a:rPr lang="pt-BR" dirty="0"/>
+              <a:t>, através do atributo </a:t>
+            </a:r>
+            <a:r>
+              <a:rPr lang="pt-BR" dirty="0" err="1"/>
+              <a:t>checked</a:t>
+            </a:r>
+            <a:endParaRPr lang="pt-BR" dirty="0"/>
+          </a:p>
+          <a:p>
+            <a:pPr marL="171450" indent="-171450">
+              <a:buFont typeface="Wingdings" panose="05000000000000000000" pitchFamily="2" charset="2"/>
+              <a:buChar char="q"/>
+            </a:pPr>
+            <a:r>
+              <a:rPr lang="pt-BR" dirty="0"/>
+              <a:t>Como estruturar melhor o nosso código com </a:t>
+            </a:r>
+            <a:r>
+              <a:rPr lang="pt-BR" dirty="0" err="1"/>
+              <a:t>fieldset</a:t>
+            </a:r>
+            <a:r>
+              <a:rPr lang="pt-BR" dirty="0"/>
+              <a:t> e </a:t>
+            </a:r>
+            <a:r>
+              <a:rPr lang="pt-BR" dirty="0" err="1"/>
+              <a:t>legend</a:t>
+            </a:r>
+            <a:endParaRPr lang="pt-BR" dirty="0"/>
+          </a:p>
+          <a:p>
+            <a:pPr marL="171450" indent="-171450">
+              <a:buFont typeface="Wingdings" panose="05000000000000000000" pitchFamily="2" charset="2"/>
+              <a:buChar char="q"/>
+            </a:pPr>
+            <a:r>
+              <a:rPr lang="pt-BR" dirty="0"/>
+              <a:t>Como adicionar uma alternativa à imagem, descrevendo-a, com o atributo </a:t>
+            </a:r>
+            <a:r>
+              <a:rPr lang="pt-BR" dirty="0" err="1"/>
+              <a:t>alt</a:t>
+            </a:r>
+            <a:endParaRPr lang="pt-BR" dirty="0"/>
+          </a:p>
+        </p:txBody>
+      </p:sp>
+    </p:spTree>
+    <p:extLst>
+      <p:ext uri="{BB962C8B-B14F-4D97-AF65-F5344CB8AC3E}">
+        <p14:creationId xmlns:p14="http://schemas.microsoft.com/office/powerpoint/2010/main" val="2287390525"/>
+      </p:ext>
+    </p:extLst>
+  </p:cSld>
+  <p:clrMapOvr>
+    <a:masterClrMapping/>
+  </p:clrMapOvr>
+</p:sld>
+</file>
+
+<file path=ppt/slides/slide18.xml><?xml version="1.0" encoding="utf-8"?>
+<p:sld xmlns:a="http://schemas.openxmlformats.org/drawingml/2006/main" xmlns:r="http://schemas.openxmlformats.org/officeDocument/2006/relationships" xmlns:p="http://schemas.openxmlformats.org/presentationml/2006/main">
+  <p:cSld>
+    <p:spTree>
+      <p:nvGrpSpPr>
+        <p:cNvPr id="1" name=""/>
+        <p:cNvGrpSpPr/>
+        <p:nvPr/>
+      </p:nvGrpSpPr>
+      <p:grpSpPr>
+        <a:xfrm>
+          <a:off x="0" y="0"/>
+          <a:ext cx="0" cy="0"/>
+          <a:chOff x="0" y="0"/>
+          <a:chExt cx="0" cy="0"/>
+        </a:xfrm>
+      </p:grpSpPr>
+      <p:sp>
+        <p:nvSpPr>
+          <p:cNvPr id="2" name="Título 1">
+            <a:extLst>
+              <a:ext uri="{FF2B5EF4-FFF2-40B4-BE49-F238E27FC236}">
+                <a16:creationId xmlns:a16="http://schemas.microsoft.com/office/drawing/2014/main" id="{48DD701F-9FC7-47BD-0CF5-98950346050C}"/>
+              </a:ext>
+            </a:extLst>
+          </p:cNvPr>
+          <p:cNvSpPr>
+            <a:spLocks noGrp="1"/>
+          </p:cNvSpPr>
+          <p:nvPr>
+            <p:ph type="title"/>
+          </p:nvPr>
+        </p:nvSpPr>
+        <p:spPr/>
+        <p:txBody>
+          <a:bodyPr/>
+          <a:lstStyle/>
+          <a:p>
+            <a:r>
+              <a:rPr lang="pt-BR" dirty="0"/>
+              <a:t>Aprendizado – CSS AVANÇADO</a:t>
+            </a:r>
+          </a:p>
+        </p:txBody>
+      </p:sp>
+      <p:sp>
+        <p:nvSpPr>
+          <p:cNvPr id="3" name="Espaço Reservado para Conteúdo 2">
+            <a:extLst>
+              <a:ext uri="{FF2B5EF4-FFF2-40B4-BE49-F238E27FC236}">
+                <a16:creationId xmlns:a16="http://schemas.microsoft.com/office/drawing/2014/main" id="{122A1C48-6EC7-14C4-DFF2-3D901872729D}"/>
+              </a:ext>
+            </a:extLst>
+          </p:cNvPr>
+          <p:cNvSpPr>
+            <a:spLocks noGrp="1"/>
+          </p:cNvSpPr>
+          <p:nvPr>
+            <p:ph sz="quarter" idx="10"/>
+          </p:nvPr>
+        </p:nvSpPr>
+        <p:spPr>
+          <a:xfrm>
+            <a:off x="539496" y="1396279"/>
+            <a:ext cx="4416552" cy="5250327"/>
+          </a:xfrm>
+        </p:spPr>
+        <p:txBody>
+          <a:bodyPr>
+            <a:normAutofit/>
+          </a:bodyPr>
+          <a:lstStyle/>
+          <a:p>
+            <a:r>
+              <a:rPr lang="pt-BR" b="1" i="1" dirty="0"/>
+              <a:t>O QUE SÃO TRANSIÇÕES? </a:t>
+            </a:r>
+          </a:p>
+          <a:p>
+            <a:r>
+              <a:rPr lang="pt-BR" b="1" dirty="0"/>
+              <a:t>Propriedade </a:t>
+            </a:r>
+            <a:r>
+              <a:rPr lang="pt-BR" b="1" dirty="0" err="1"/>
+              <a:t>transition</a:t>
+            </a:r>
+            <a:r>
+              <a:rPr lang="pt-BR" dirty="0"/>
+              <a:t>: Podemos dizer o tempo de transição de uma cor para outra. </a:t>
+            </a:r>
+          </a:p>
+          <a:p>
+            <a:r>
+              <a:rPr lang="pt-BR" b="1" dirty="0"/>
+              <a:t>Propriedade cursor: </a:t>
+            </a:r>
+            <a:r>
+              <a:rPr lang="pt-BR" b="1" dirty="0">
+                <a:solidFill>
+                  <a:srgbClr val="7030A0"/>
+                </a:solidFill>
+              </a:rPr>
+              <a:t>pointer</a:t>
+            </a:r>
+            <a:r>
+              <a:rPr lang="pt-BR" b="1" dirty="0"/>
+              <a:t> </a:t>
+            </a:r>
+            <a:r>
+              <a:rPr lang="pt-BR" dirty="0"/>
+              <a:t>-&gt; mostra ao usuário uma mãozinha e ele consegue saber que é </a:t>
+            </a:r>
+            <a:r>
+              <a:rPr lang="pt-BR" dirty="0" err="1"/>
+              <a:t>clicável</a:t>
+            </a:r>
+            <a:r>
+              <a:rPr lang="pt-BR" dirty="0"/>
+              <a:t>. </a:t>
+            </a:r>
+          </a:p>
+          <a:p>
+            <a:r>
+              <a:rPr lang="pt-BR" b="1" i="1" dirty="0"/>
+              <a:t>ENTENDENDO TRANSFORMAÇÕES </a:t>
+            </a:r>
+          </a:p>
+          <a:p>
+            <a:r>
+              <a:rPr lang="pt-BR" b="1" dirty="0"/>
+              <a:t>Propriedade </a:t>
+            </a:r>
+            <a:r>
+              <a:rPr lang="pt-BR" b="1" dirty="0" err="1"/>
+              <a:t>transform</a:t>
+            </a:r>
+            <a:r>
+              <a:rPr lang="pt-BR" b="1" dirty="0"/>
+              <a:t>: </a:t>
+            </a:r>
+            <a:r>
+              <a:rPr lang="pt-BR" dirty="0"/>
+              <a:t>Passa o mouse por cima e aumenta o elemento</a:t>
+            </a:r>
+          </a:p>
+          <a:p>
+            <a:r>
+              <a:rPr lang="pt-BR" b="1" dirty="0"/>
+              <a:t>Propriedade </a:t>
+            </a:r>
+            <a:r>
+              <a:rPr lang="pt-BR" b="1" dirty="0" err="1"/>
+              <a:t>transform</a:t>
+            </a:r>
+            <a:r>
+              <a:rPr lang="pt-BR" b="1" dirty="0"/>
+              <a:t>: </a:t>
+            </a:r>
+            <a:r>
+              <a:rPr lang="pt-BR" b="1" dirty="0" err="1">
+                <a:solidFill>
+                  <a:schemeClr val="accent4">
+                    <a:lumMod val="75000"/>
+                  </a:schemeClr>
+                </a:solidFill>
+              </a:rPr>
+              <a:t>scale</a:t>
+            </a:r>
+            <a:r>
+              <a:rPr lang="pt-BR" dirty="0"/>
+              <a:t>( ) aumenta um elemento proporcionalmente.</a:t>
+            </a:r>
+          </a:p>
+          <a:p>
+            <a:r>
+              <a:rPr lang="pt-BR" b="1" dirty="0"/>
+              <a:t>Propriedade </a:t>
+            </a:r>
+            <a:r>
+              <a:rPr lang="pt-BR" b="1" dirty="0" err="1"/>
+              <a:t>transform</a:t>
+            </a:r>
+            <a:r>
+              <a:rPr lang="pt-BR" b="1" dirty="0"/>
+              <a:t>: </a:t>
+            </a:r>
+            <a:r>
+              <a:rPr lang="pt-BR" b="1" dirty="0" err="1">
+                <a:solidFill>
+                  <a:schemeClr val="accent4">
+                    <a:lumMod val="75000"/>
+                  </a:schemeClr>
+                </a:solidFill>
+              </a:rPr>
+              <a:t>rotate</a:t>
+            </a:r>
+            <a:r>
+              <a:rPr lang="pt-BR" dirty="0"/>
+              <a:t>( ) "gira" um elemento em seu eixo.</a:t>
+            </a:r>
+          </a:p>
+          <a:p>
+            <a:endParaRPr lang="pt-BR" dirty="0"/>
+          </a:p>
+        </p:txBody>
+      </p:sp>
+      <p:sp>
+        <p:nvSpPr>
+          <p:cNvPr id="5" name="Espaço Reservado para Conteúdo 2">
+            <a:extLst>
+              <a:ext uri="{FF2B5EF4-FFF2-40B4-BE49-F238E27FC236}">
+                <a16:creationId xmlns:a16="http://schemas.microsoft.com/office/drawing/2014/main" id="{7548A1CA-28D9-A220-3EBF-F0A9BA93EC39}"/>
+              </a:ext>
+            </a:extLst>
+          </p:cNvPr>
+          <p:cNvSpPr txBox="1">
+            <a:spLocks/>
+          </p:cNvSpPr>
+          <p:nvPr/>
+        </p:nvSpPr>
+        <p:spPr>
+          <a:xfrm>
+            <a:off x="6096000" y="1396278"/>
+            <a:ext cx="4416552" cy="5250327"/>
+          </a:xfrm>
+          <a:prstGeom prst="rect">
+            <a:avLst/>
+          </a:prstGeom>
+        </p:spPr>
+        <p:txBody>
+          <a:bodyPr vert="horz" lIns="91440" tIns="45720" rIns="91440" bIns="45720" rtlCol="0">
+            <a:normAutofit/>
+          </a:bodyPr>
+          <a:lstStyle>
+            <a:lvl1pPr marL="0" indent="0" algn="l" defTabSz="914400" rtl="0" eaLnBrk="1" latinLnBrk="0" hangingPunct="1">
+              <a:lnSpc>
+                <a:spcPct val="150000"/>
+              </a:lnSpc>
+              <a:spcBef>
+                <a:spcPts val="1000"/>
+              </a:spcBef>
+              <a:spcAft>
+                <a:spcPts val="1200"/>
+              </a:spcAft>
+              <a:buFontTx/>
+              <a:buNone/>
+              <a:defRPr lang="en-US" sz="1200" kern="1200" smtClean="0">
+                <a:solidFill>
+                  <a:schemeClr val="tx1">
+                    <a:lumMod val="75000"/>
+                    <a:lumOff val="25000"/>
+                  </a:schemeClr>
+                </a:solidFill>
+                <a:latin typeface="+mn-lt"/>
+                <a:ea typeface="+mn-ea"/>
+                <a:cs typeface="+mn-cs"/>
+              </a:defRPr>
+            </a:lvl1pPr>
+            <a:lvl2pPr marL="228600" indent="-228600" algn="l" defTabSz="914400" rtl="0" eaLnBrk="1" latinLnBrk="0" hangingPunct="1">
+              <a:lnSpc>
+                <a:spcPct val="150000"/>
+              </a:lnSpc>
+              <a:spcBef>
+                <a:spcPts val="1000"/>
+              </a:spcBef>
+              <a:spcAft>
+                <a:spcPts val="1200"/>
+              </a:spcAft>
+              <a:buFont typeface="Arial" panose="020B0604020202020204" pitchFamily="34" charset="0"/>
+              <a:buChar char="•"/>
+              <a:defRPr lang="en-US" sz="1200" kern="1200" smtClean="0">
+                <a:solidFill>
+                  <a:schemeClr val="tx1">
+                    <a:lumMod val="75000"/>
+                    <a:lumOff val="25000"/>
+                  </a:schemeClr>
+                </a:solidFill>
+                <a:latin typeface="+mn-lt"/>
+                <a:ea typeface="+mn-ea"/>
+                <a:cs typeface="+mn-cs"/>
+              </a:defRPr>
+            </a:lvl2pPr>
+            <a:lvl3pPr marL="685800" indent="-228600" algn="l" defTabSz="914400" rtl="0" eaLnBrk="1" latinLnBrk="0" hangingPunct="1">
+              <a:lnSpc>
+                <a:spcPct val="150000"/>
+              </a:lnSpc>
+              <a:spcBef>
+                <a:spcPts val="1000"/>
+              </a:spcBef>
+              <a:spcAft>
+                <a:spcPts val="1200"/>
+              </a:spcAft>
+              <a:buFont typeface="Arial" panose="020B0604020202020204" pitchFamily="34" charset="0"/>
+              <a:buChar char="•"/>
+              <a:defRPr lang="en-US" sz="1200" kern="1200" smtClean="0">
+                <a:solidFill>
+                  <a:schemeClr val="tx1">
+                    <a:lumMod val="75000"/>
+                    <a:lumOff val="25000"/>
+                  </a:schemeClr>
+                </a:solidFill>
+                <a:latin typeface="+mn-lt"/>
+                <a:ea typeface="+mn-ea"/>
+                <a:cs typeface="+mn-cs"/>
+              </a:defRPr>
+            </a:lvl3pPr>
+            <a:lvl4pPr marL="1143000" indent="-228600" algn="l" defTabSz="914400" rtl="0" eaLnBrk="1" latinLnBrk="0" hangingPunct="1">
+              <a:lnSpc>
+                <a:spcPct val="150000"/>
+              </a:lnSpc>
+              <a:spcBef>
+                <a:spcPts val="1000"/>
+              </a:spcBef>
+              <a:spcAft>
+                <a:spcPts val="1200"/>
+              </a:spcAft>
+              <a:buFont typeface="Arial" panose="020B0604020202020204" pitchFamily="34" charset="0"/>
+              <a:buChar char="•"/>
+              <a:defRPr lang="en-US" sz="1200" kern="1200" smtClean="0">
+                <a:solidFill>
+                  <a:schemeClr val="tx1">
+                    <a:lumMod val="75000"/>
+                    <a:lumOff val="25000"/>
+                  </a:schemeClr>
+                </a:solidFill>
+                <a:latin typeface="+mn-lt"/>
+                <a:ea typeface="+mn-ea"/>
+                <a:cs typeface="+mn-cs"/>
+              </a:defRPr>
+            </a:lvl4pPr>
+            <a:lvl5pPr marL="1600200" indent="-228600" algn="l" defTabSz="914400" rtl="0" eaLnBrk="1" latinLnBrk="0" hangingPunct="1">
+              <a:lnSpc>
+                <a:spcPct val="150000"/>
+              </a:lnSpc>
+              <a:spcBef>
+                <a:spcPts val="1000"/>
+              </a:spcBef>
+              <a:spcAft>
+                <a:spcPts val="1200"/>
+              </a:spcAft>
+              <a:buFont typeface="Arial" panose="020B0604020202020204" pitchFamily="34" charset="0"/>
+              <a:buChar char="•"/>
+              <a:defRPr lang="en-US" sz="1200" kern="1200">
+                <a:solidFill>
+                  <a:schemeClr val="tx1">
+                    <a:lumMod val="75000"/>
+                    <a:lumOff val="25000"/>
+                  </a:schemeClr>
+                </a:solidFill>
+                <a:latin typeface="+mn-lt"/>
+                <a:ea typeface="+mn-ea"/>
+                <a:cs typeface="+mn-cs"/>
+              </a:defRPr>
+            </a:lvl5pPr>
+            <a:lvl6pPr marL="2057400" indent="-228600" algn="l" defTabSz="914400" rtl="0" eaLnBrk="1" latinLnBrk="0" hangingPunct="1">
+              <a:lnSpc>
+                <a:spcPct val="150000"/>
+              </a:lnSpc>
+              <a:spcBef>
+                <a:spcPts val="1000"/>
+              </a:spcBef>
+              <a:spcAft>
+                <a:spcPts val="1200"/>
+              </a:spcAft>
+              <a:buFont typeface="Arial" panose="020B0604020202020204" pitchFamily="34" charset="0"/>
+              <a:buChar char="•"/>
+              <a:defRPr lang="en-US" sz="1200" kern="1200" dirty="0" smtClean="0">
+                <a:solidFill>
+                  <a:schemeClr val="tx1"/>
+                </a:solidFill>
+                <a:latin typeface="+mn-lt"/>
+                <a:ea typeface="+mn-ea"/>
+                <a:cs typeface="+mn-cs"/>
+              </a:defRPr>
+            </a:lvl6pPr>
+            <a:lvl7pPr marL="2514600" indent="-228600" algn="l" defTabSz="914400" rtl="0" eaLnBrk="1" latinLnBrk="0" hangingPunct="1">
+              <a:lnSpc>
+                <a:spcPct val="150000"/>
+              </a:lnSpc>
+              <a:spcBef>
+                <a:spcPts val="1000"/>
+              </a:spcBef>
+              <a:spcAft>
+                <a:spcPts val="1200"/>
+              </a:spcAft>
+              <a:buFont typeface="Arial" panose="020B0604020202020204" pitchFamily="34" charset="0"/>
+              <a:buChar char="•"/>
+              <a:defRPr lang="en-US" sz="1200" kern="1200" dirty="0" smtClean="0">
+                <a:solidFill>
+                  <a:schemeClr val="tx1"/>
+                </a:solidFill>
+                <a:latin typeface="+mn-lt"/>
+                <a:ea typeface="+mn-ea"/>
+                <a:cs typeface="+mn-cs"/>
+              </a:defRPr>
+            </a:lvl7pPr>
+            <a:lvl8pPr marL="2971800" indent="-228600" algn="l" defTabSz="914400" rtl="0" eaLnBrk="1" latinLnBrk="0" hangingPunct="1">
+              <a:lnSpc>
+                <a:spcPct val="150000"/>
+              </a:lnSpc>
+              <a:spcBef>
+                <a:spcPts val="1000"/>
+              </a:spcBef>
+              <a:spcAft>
+                <a:spcPts val="1200"/>
+              </a:spcAft>
+              <a:buFont typeface="Arial" panose="020B0604020202020204" pitchFamily="34" charset="0"/>
+              <a:buChar char="•"/>
+              <a:defRPr lang="en-US" sz="1200" kern="1200" dirty="0" smtClean="0">
+                <a:solidFill>
+                  <a:schemeClr val="tx1"/>
+                </a:solidFill>
+                <a:latin typeface="+mn-lt"/>
+                <a:ea typeface="+mn-ea"/>
+                <a:cs typeface="+mn-cs"/>
+              </a:defRPr>
+            </a:lvl8pPr>
+            <a:lvl9pPr marL="3429000" indent="-228600" algn="l" defTabSz="914400" rtl="0" eaLnBrk="1" latinLnBrk="0" hangingPunct="1">
+              <a:lnSpc>
+                <a:spcPct val="90000"/>
+              </a:lnSpc>
+              <a:spcBef>
+                <a:spcPct val="30000"/>
+              </a:spcBef>
+              <a:buFont typeface="Arial" panose="020B0604020202020204" pitchFamily="34" charset="0"/>
+              <a:buNone/>
+              <a:defRPr sz="1200" kern="1200">
+                <a:solidFill>
+                  <a:schemeClr val="tx1"/>
+                </a:solidFill>
+                <a:latin typeface="+mn-lt"/>
+                <a:ea typeface="+mn-ea"/>
+                <a:cs typeface="+mn-cs"/>
+              </a:defRPr>
+            </a:lvl9pPr>
+          </a:lstStyle>
+          <a:p>
+            <a:r>
+              <a:rPr lang="pt-BR" b="1" dirty="0"/>
+              <a:t>Nesta aula, aprendemos:</a:t>
+            </a:r>
+          </a:p>
+          <a:p>
+            <a:pPr marL="171450" indent="-171450">
+              <a:buFont typeface="Wingdings" panose="05000000000000000000" pitchFamily="2" charset="2"/>
+              <a:buChar char="q"/>
+            </a:pPr>
+            <a:r>
+              <a:rPr lang="pt-BR" dirty="0"/>
+              <a:t>Como estilizar o botão de envio de formulário</a:t>
+            </a:r>
+          </a:p>
+          <a:p>
+            <a:pPr marL="171450" indent="-171450">
+              <a:buFont typeface="Wingdings" panose="05000000000000000000" pitchFamily="2" charset="2"/>
+              <a:buChar char="q"/>
+            </a:pPr>
+            <a:r>
+              <a:rPr lang="pt-BR" dirty="0"/>
+              <a:t>A realizar transições nos nossos elementos, com a propriedade CSS </a:t>
+            </a:r>
+            <a:r>
+              <a:rPr lang="pt-BR" dirty="0" err="1"/>
+              <a:t>transition</a:t>
+            </a:r>
+            <a:endParaRPr lang="pt-BR" dirty="0"/>
+          </a:p>
+          <a:p>
+            <a:pPr marL="171450" indent="-171450">
+              <a:buFont typeface="Wingdings" panose="05000000000000000000" pitchFamily="2" charset="2"/>
+              <a:buChar char="q"/>
+            </a:pPr>
+            <a:r>
+              <a:rPr lang="pt-BR" dirty="0"/>
+              <a:t>A modificar o estilo do ponteiro do mouse, quando passar por cima de determinado elemento, através da propriedade CSS cursor</a:t>
+            </a:r>
+          </a:p>
+          <a:p>
+            <a:pPr marL="171450" indent="-171450">
+              <a:buFont typeface="Wingdings" panose="05000000000000000000" pitchFamily="2" charset="2"/>
+              <a:buChar char="q"/>
+            </a:pPr>
+            <a:r>
+              <a:rPr lang="pt-BR" dirty="0"/>
+              <a:t>A realizar transformações nos nossos elementos, como aumentar proporcionalmente a escala de determinado elemento ou </a:t>
+            </a:r>
+            <a:r>
+              <a:rPr lang="pt-BR" dirty="0" err="1"/>
+              <a:t>rotacioná-lo</a:t>
+            </a:r>
+            <a:r>
+              <a:rPr lang="pt-BR" dirty="0"/>
+              <a:t>, através da propriedade CSS </a:t>
+            </a:r>
+            <a:r>
+              <a:rPr lang="pt-BR" dirty="0" err="1"/>
+              <a:t>transform</a:t>
+            </a:r>
+            <a:endParaRPr lang="pt-BR" dirty="0"/>
+          </a:p>
+        </p:txBody>
+      </p:sp>
+    </p:spTree>
+    <p:extLst>
+      <p:ext uri="{BB962C8B-B14F-4D97-AF65-F5344CB8AC3E}">
+        <p14:creationId xmlns:p14="http://schemas.microsoft.com/office/powerpoint/2010/main" val="1348711329"/>
+      </p:ext>
+    </p:extLst>
+  </p:cSld>
+  <p:clrMapOvr>
+    <a:masterClrMapping/>
+  </p:clrMapOvr>
+</p:sld>
+</file>
+
+<file path=ppt/slides/slide19.xml><?xml version="1.0" encoding="utf-8"?>
+<p:sld xmlns:a="http://schemas.openxmlformats.org/drawingml/2006/main" xmlns:r="http://schemas.openxmlformats.org/officeDocument/2006/relationships" xmlns:p="http://schemas.openxmlformats.org/presentationml/2006/main">
+  <p:cSld>
+    <p:spTree>
+      <p:nvGrpSpPr>
+        <p:cNvPr id="1" name=""/>
+        <p:cNvGrpSpPr/>
+        <p:nvPr/>
+      </p:nvGrpSpPr>
+      <p:grpSpPr>
+        <a:xfrm>
+          <a:off x="0" y="0"/>
+          <a:ext cx="0" cy="0"/>
+          <a:chOff x="0" y="0"/>
+          <a:chExt cx="0" cy="0"/>
+        </a:xfrm>
+      </p:grpSpPr>
+      <p:sp>
+        <p:nvSpPr>
+          <p:cNvPr id="2" name="Título 1">
+            <a:extLst>
+              <a:ext uri="{FF2B5EF4-FFF2-40B4-BE49-F238E27FC236}">
+                <a16:creationId xmlns:a16="http://schemas.microsoft.com/office/drawing/2014/main" id="{12D74CFE-27ED-E5D1-5774-D1B33C0B084C}"/>
+              </a:ext>
+            </a:extLst>
+          </p:cNvPr>
+          <p:cNvSpPr>
+            <a:spLocks noGrp="1"/>
+          </p:cNvSpPr>
+          <p:nvPr>
+            <p:ph type="title"/>
+          </p:nvPr>
+        </p:nvSpPr>
+        <p:spPr/>
+        <p:txBody>
+          <a:bodyPr/>
+          <a:lstStyle/>
+          <a:p>
+            <a:r>
+              <a:rPr lang="pt-BR" dirty="0"/>
+              <a:t>Aprendizado – Estrutura de Tabelas </a:t>
+            </a:r>
+          </a:p>
+        </p:txBody>
+      </p:sp>
+      <p:sp>
+        <p:nvSpPr>
+          <p:cNvPr id="4" name="Espaço Reservado para Conteúdo 2">
+            <a:extLst>
+              <a:ext uri="{FF2B5EF4-FFF2-40B4-BE49-F238E27FC236}">
+                <a16:creationId xmlns:a16="http://schemas.microsoft.com/office/drawing/2014/main" id="{17C7F023-902E-D872-8F70-73EBEC7287B6}"/>
+              </a:ext>
+            </a:extLst>
+          </p:cNvPr>
+          <p:cNvSpPr txBox="1">
+            <a:spLocks/>
+          </p:cNvSpPr>
+          <p:nvPr/>
+        </p:nvSpPr>
+        <p:spPr>
+          <a:xfrm>
+            <a:off x="4467482" y="1583083"/>
+            <a:ext cx="3417988" cy="5063515"/>
+          </a:xfrm>
+          <a:prstGeom prst="rect">
+            <a:avLst/>
+          </a:prstGeom>
+        </p:spPr>
+        <p:txBody>
+          <a:bodyPr vert="horz" lIns="91440" tIns="45720" rIns="91440" bIns="45720" rtlCol="0">
+            <a:normAutofit/>
+          </a:bodyPr>
+          <a:lstStyle>
+            <a:lvl1pPr marL="0" indent="0" algn="l" defTabSz="914400" rtl="0" eaLnBrk="1" latinLnBrk="0" hangingPunct="1">
+              <a:lnSpc>
+                <a:spcPct val="150000"/>
+              </a:lnSpc>
+              <a:spcBef>
+                <a:spcPts val="1000"/>
+              </a:spcBef>
+              <a:spcAft>
+                <a:spcPts val="1200"/>
+              </a:spcAft>
+              <a:buFontTx/>
+              <a:buNone/>
+              <a:defRPr lang="en-US" sz="1200" kern="1200" smtClean="0">
+                <a:solidFill>
+                  <a:schemeClr val="tx1">
+                    <a:lumMod val="75000"/>
+                    <a:lumOff val="25000"/>
+                  </a:schemeClr>
+                </a:solidFill>
+                <a:latin typeface="+mn-lt"/>
+                <a:ea typeface="+mn-ea"/>
+                <a:cs typeface="+mn-cs"/>
+              </a:defRPr>
+            </a:lvl1pPr>
+            <a:lvl2pPr marL="228600" indent="-228600" algn="l" defTabSz="914400" rtl="0" eaLnBrk="1" latinLnBrk="0" hangingPunct="1">
+              <a:lnSpc>
+                <a:spcPct val="150000"/>
+              </a:lnSpc>
+              <a:spcBef>
+                <a:spcPts val="1000"/>
+              </a:spcBef>
+              <a:spcAft>
+                <a:spcPts val="1200"/>
+              </a:spcAft>
+              <a:buFont typeface="Arial" panose="020B0604020202020204" pitchFamily="34" charset="0"/>
+              <a:buChar char="•"/>
+              <a:defRPr lang="en-US" sz="1200" kern="1200" smtClean="0">
+                <a:solidFill>
+                  <a:schemeClr val="tx1">
+                    <a:lumMod val="75000"/>
+                    <a:lumOff val="25000"/>
+                  </a:schemeClr>
+                </a:solidFill>
+                <a:latin typeface="+mn-lt"/>
+                <a:ea typeface="+mn-ea"/>
+                <a:cs typeface="+mn-cs"/>
+              </a:defRPr>
+            </a:lvl2pPr>
+            <a:lvl3pPr marL="685800" indent="-228600" algn="l" defTabSz="914400" rtl="0" eaLnBrk="1" latinLnBrk="0" hangingPunct="1">
+              <a:lnSpc>
+                <a:spcPct val="150000"/>
+              </a:lnSpc>
+              <a:spcBef>
+                <a:spcPts val="1000"/>
+              </a:spcBef>
+              <a:spcAft>
+                <a:spcPts val="1200"/>
+              </a:spcAft>
+              <a:buFont typeface="Arial" panose="020B0604020202020204" pitchFamily="34" charset="0"/>
+              <a:buChar char="•"/>
+              <a:defRPr lang="en-US" sz="1200" kern="1200" smtClean="0">
+                <a:solidFill>
+                  <a:schemeClr val="tx1">
+                    <a:lumMod val="75000"/>
+                    <a:lumOff val="25000"/>
+                  </a:schemeClr>
+                </a:solidFill>
+                <a:latin typeface="+mn-lt"/>
+                <a:ea typeface="+mn-ea"/>
+                <a:cs typeface="+mn-cs"/>
+              </a:defRPr>
+            </a:lvl3pPr>
+            <a:lvl4pPr marL="1143000" indent="-228600" algn="l" defTabSz="914400" rtl="0" eaLnBrk="1" latinLnBrk="0" hangingPunct="1">
+              <a:lnSpc>
+                <a:spcPct val="150000"/>
+              </a:lnSpc>
+              <a:spcBef>
+                <a:spcPts val="1000"/>
+              </a:spcBef>
+              <a:spcAft>
+                <a:spcPts val="1200"/>
+              </a:spcAft>
+              <a:buFont typeface="Arial" panose="020B0604020202020204" pitchFamily="34" charset="0"/>
+              <a:buChar char="•"/>
+              <a:defRPr lang="en-US" sz="1200" kern="1200" smtClean="0">
+                <a:solidFill>
+                  <a:schemeClr val="tx1">
+                    <a:lumMod val="75000"/>
+                    <a:lumOff val="25000"/>
+                  </a:schemeClr>
+                </a:solidFill>
+                <a:latin typeface="+mn-lt"/>
+                <a:ea typeface="+mn-ea"/>
+                <a:cs typeface="+mn-cs"/>
+              </a:defRPr>
+            </a:lvl4pPr>
+            <a:lvl5pPr marL="1600200" indent="-228600" algn="l" defTabSz="914400" rtl="0" eaLnBrk="1" latinLnBrk="0" hangingPunct="1">
+              <a:lnSpc>
+                <a:spcPct val="150000"/>
+              </a:lnSpc>
+              <a:spcBef>
+                <a:spcPts val="1000"/>
+              </a:spcBef>
+              <a:spcAft>
+                <a:spcPts val="1200"/>
+              </a:spcAft>
+              <a:buFont typeface="Arial" panose="020B0604020202020204" pitchFamily="34" charset="0"/>
+              <a:buChar char="•"/>
+              <a:defRPr lang="en-US" sz="1200" kern="1200">
+                <a:solidFill>
+                  <a:schemeClr val="tx1">
+                    <a:lumMod val="75000"/>
+                    <a:lumOff val="25000"/>
+                  </a:schemeClr>
+                </a:solidFill>
+                <a:latin typeface="+mn-lt"/>
+                <a:ea typeface="+mn-ea"/>
+                <a:cs typeface="+mn-cs"/>
+              </a:defRPr>
+            </a:lvl5pPr>
+            <a:lvl6pPr marL="2057400" indent="-228600" algn="l" defTabSz="914400" rtl="0" eaLnBrk="1" latinLnBrk="0" hangingPunct="1">
+              <a:lnSpc>
+                <a:spcPct val="150000"/>
+              </a:lnSpc>
+              <a:spcBef>
+                <a:spcPts val="1000"/>
+              </a:spcBef>
+              <a:spcAft>
+                <a:spcPts val="1200"/>
+              </a:spcAft>
+              <a:buFont typeface="Arial" panose="020B0604020202020204" pitchFamily="34" charset="0"/>
+              <a:buChar char="•"/>
+              <a:defRPr lang="en-US" sz="1200" kern="1200" dirty="0" smtClean="0">
+                <a:solidFill>
+                  <a:schemeClr val="tx1"/>
+                </a:solidFill>
+                <a:latin typeface="+mn-lt"/>
+                <a:ea typeface="+mn-ea"/>
+                <a:cs typeface="+mn-cs"/>
+              </a:defRPr>
+            </a:lvl6pPr>
+            <a:lvl7pPr marL="2514600" indent="-228600" algn="l" defTabSz="914400" rtl="0" eaLnBrk="1" latinLnBrk="0" hangingPunct="1">
+              <a:lnSpc>
+                <a:spcPct val="150000"/>
+              </a:lnSpc>
+              <a:spcBef>
+                <a:spcPts val="1000"/>
+              </a:spcBef>
+              <a:spcAft>
+                <a:spcPts val="1200"/>
+              </a:spcAft>
+              <a:buFont typeface="Arial" panose="020B0604020202020204" pitchFamily="34" charset="0"/>
+              <a:buChar char="•"/>
+              <a:defRPr lang="en-US" sz="1200" kern="1200" dirty="0" smtClean="0">
+                <a:solidFill>
+                  <a:schemeClr val="tx1"/>
+                </a:solidFill>
+                <a:latin typeface="+mn-lt"/>
+                <a:ea typeface="+mn-ea"/>
+                <a:cs typeface="+mn-cs"/>
+              </a:defRPr>
+            </a:lvl7pPr>
+            <a:lvl8pPr marL="2971800" indent="-228600" algn="l" defTabSz="914400" rtl="0" eaLnBrk="1" latinLnBrk="0" hangingPunct="1">
+              <a:lnSpc>
+                <a:spcPct val="150000"/>
+              </a:lnSpc>
+              <a:spcBef>
+                <a:spcPts val="1000"/>
+              </a:spcBef>
+              <a:spcAft>
+                <a:spcPts val="1200"/>
+              </a:spcAft>
+              <a:buFont typeface="Arial" panose="020B0604020202020204" pitchFamily="34" charset="0"/>
+              <a:buChar char="•"/>
+              <a:defRPr lang="en-US" sz="1200" kern="1200" dirty="0" smtClean="0">
+                <a:solidFill>
+                  <a:schemeClr val="tx1"/>
+                </a:solidFill>
+                <a:latin typeface="+mn-lt"/>
+                <a:ea typeface="+mn-ea"/>
+                <a:cs typeface="+mn-cs"/>
+              </a:defRPr>
+            </a:lvl8pPr>
+            <a:lvl9pPr marL="3429000" indent="-228600" algn="l" defTabSz="914400" rtl="0" eaLnBrk="1" latinLnBrk="0" hangingPunct="1">
+              <a:lnSpc>
+                <a:spcPct val="90000"/>
+              </a:lnSpc>
+              <a:spcBef>
+                <a:spcPct val="30000"/>
+              </a:spcBef>
+              <a:buFont typeface="Arial" panose="020B0604020202020204" pitchFamily="34" charset="0"/>
+              <a:buNone/>
+              <a:defRPr sz="1200" kern="1200">
+                <a:solidFill>
+                  <a:schemeClr val="tx1"/>
+                </a:solidFill>
+                <a:latin typeface="+mn-lt"/>
+                <a:ea typeface="+mn-ea"/>
+                <a:cs typeface="+mn-cs"/>
+              </a:defRPr>
+            </a:lvl9pPr>
+          </a:lstStyle>
+          <a:p>
+            <a:r>
+              <a:rPr lang="pt-BR" b="1" i="1" dirty="0"/>
+              <a:t>TAGS SEMÂNTICAS PARA TABELAS</a:t>
+            </a:r>
+          </a:p>
+          <a:p>
+            <a:r>
+              <a:rPr lang="pt-BR" dirty="0"/>
+              <a:t>Primeira linha -&gt; É a mais importante, é a linha que dita o conteúdo daquela coluna, que mostra o que está sendo apresentado naquela tabela. É a linha mais importante, onde temos o cabeçalho das informações da tabela. E para isso podemos marcar com uma </a:t>
+            </a:r>
+            <a:r>
+              <a:rPr lang="pt-BR" dirty="0" err="1"/>
+              <a:t>tag</a:t>
+            </a:r>
+            <a:r>
+              <a:rPr lang="pt-BR" dirty="0"/>
+              <a:t> mais específica, uma </a:t>
+            </a:r>
+            <a:r>
+              <a:rPr lang="pt-BR" dirty="0" err="1"/>
+              <a:t>tag</a:t>
+            </a:r>
+            <a:r>
+              <a:rPr lang="pt-BR" dirty="0"/>
+              <a:t> mais semântica, que nos diz que aquilo é o cabeçalho.</a:t>
+            </a:r>
+          </a:p>
+          <a:p>
+            <a:pPr algn="just"/>
+            <a:r>
+              <a:rPr lang="pt-BR" dirty="0"/>
+              <a:t>Dentro de uma tabela, podemos separá-la em três: o cabeçalho, o conteúdo e o rodapé. </a:t>
+            </a:r>
+          </a:p>
+          <a:p>
+            <a:endParaRPr lang="pt-BR" dirty="0"/>
+          </a:p>
+        </p:txBody>
+      </p:sp>
+      <p:sp>
+        <p:nvSpPr>
+          <p:cNvPr id="5" name="Espaço Reservado para Conteúdo 2">
+            <a:extLst>
+              <a:ext uri="{FF2B5EF4-FFF2-40B4-BE49-F238E27FC236}">
+                <a16:creationId xmlns:a16="http://schemas.microsoft.com/office/drawing/2014/main" id="{98A039FC-FF2B-720D-96D3-1616FDEC7AF2}"/>
+              </a:ext>
+            </a:extLst>
+          </p:cNvPr>
+          <p:cNvSpPr txBox="1">
+            <a:spLocks/>
+          </p:cNvSpPr>
+          <p:nvPr/>
+        </p:nvSpPr>
+        <p:spPr>
+          <a:xfrm>
+            <a:off x="672679" y="1583087"/>
+            <a:ext cx="3417988" cy="5063515"/>
+          </a:xfrm>
+          <a:prstGeom prst="rect">
+            <a:avLst/>
+          </a:prstGeom>
+        </p:spPr>
+        <p:txBody>
+          <a:bodyPr vert="horz" lIns="91440" tIns="45720" rIns="91440" bIns="45720" rtlCol="0">
+            <a:normAutofit/>
+          </a:bodyPr>
+          <a:lstStyle>
+            <a:lvl1pPr marL="0" indent="0" algn="l" defTabSz="914400" rtl="0" eaLnBrk="1" latinLnBrk="0" hangingPunct="1">
+              <a:lnSpc>
+                <a:spcPct val="150000"/>
+              </a:lnSpc>
+              <a:spcBef>
+                <a:spcPts val="1000"/>
+              </a:spcBef>
+              <a:spcAft>
+                <a:spcPts val="1200"/>
+              </a:spcAft>
+              <a:buFontTx/>
+              <a:buNone/>
+              <a:defRPr lang="en-US" sz="1200" kern="1200" smtClean="0">
+                <a:solidFill>
+                  <a:schemeClr val="tx1">
+                    <a:lumMod val="75000"/>
+                    <a:lumOff val="25000"/>
+                  </a:schemeClr>
+                </a:solidFill>
+                <a:latin typeface="+mn-lt"/>
+                <a:ea typeface="+mn-ea"/>
+                <a:cs typeface="+mn-cs"/>
+              </a:defRPr>
+            </a:lvl1pPr>
+            <a:lvl2pPr marL="228600" indent="-228600" algn="l" defTabSz="914400" rtl="0" eaLnBrk="1" latinLnBrk="0" hangingPunct="1">
+              <a:lnSpc>
+                <a:spcPct val="150000"/>
+              </a:lnSpc>
+              <a:spcBef>
+                <a:spcPts val="1000"/>
+              </a:spcBef>
+              <a:spcAft>
+                <a:spcPts val="1200"/>
+              </a:spcAft>
+              <a:buFont typeface="Arial" panose="020B0604020202020204" pitchFamily="34" charset="0"/>
+              <a:buChar char="•"/>
+              <a:defRPr lang="en-US" sz="1200" kern="1200" smtClean="0">
+                <a:solidFill>
+                  <a:schemeClr val="tx1">
+                    <a:lumMod val="75000"/>
+                    <a:lumOff val="25000"/>
+                  </a:schemeClr>
+                </a:solidFill>
+                <a:latin typeface="+mn-lt"/>
+                <a:ea typeface="+mn-ea"/>
+                <a:cs typeface="+mn-cs"/>
+              </a:defRPr>
+            </a:lvl2pPr>
+            <a:lvl3pPr marL="685800" indent="-228600" algn="l" defTabSz="914400" rtl="0" eaLnBrk="1" latinLnBrk="0" hangingPunct="1">
+              <a:lnSpc>
+                <a:spcPct val="150000"/>
+              </a:lnSpc>
+              <a:spcBef>
+                <a:spcPts val="1000"/>
+              </a:spcBef>
+              <a:spcAft>
+                <a:spcPts val="1200"/>
+              </a:spcAft>
+              <a:buFont typeface="Arial" panose="020B0604020202020204" pitchFamily="34" charset="0"/>
+              <a:buChar char="•"/>
+              <a:defRPr lang="en-US" sz="1200" kern="1200" smtClean="0">
+                <a:solidFill>
+                  <a:schemeClr val="tx1">
+                    <a:lumMod val="75000"/>
+                    <a:lumOff val="25000"/>
+                  </a:schemeClr>
+                </a:solidFill>
+                <a:latin typeface="+mn-lt"/>
+                <a:ea typeface="+mn-ea"/>
+                <a:cs typeface="+mn-cs"/>
+              </a:defRPr>
+            </a:lvl3pPr>
+            <a:lvl4pPr marL="1143000" indent="-228600" algn="l" defTabSz="914400" rtl="0" eaLnBrk="1" latinLnBrk="0" hangingPunct="1">
+              <a:lnSpc>
+                <a:spcPct val="150000"/>
+              </a:lnSpc>
+              <a:spcBef>
+                <a:spcPts val="1000"/>
+              </a:spcBef>
+              <a:spcAft>
+                <a:spcPts val="1200"/>
+              </a:spcAft>
+              <a:buFont typeface="Arial" panose="020B0604020202020204" pitchFamily="34" charset="0"/>
+              <a:buChar char="•"/>
+              <a:defRPr lang="en-US" sz="1200" kern="1200" smtClean="0">
+                <a:solidFill>
+                  <a:schemeClr val="tx1">
+                    <a:lumMod val="75000"/>
+                    <a:lumOff val="25000"/>
+                  </a:schemeClr>
+                </a:solidFill>
+                <a:latin typeface="+mn-lt"/>
+                <a:ea typeface="+mn-ea"/>
+                <a:cs typeface="+mn-cs"/>
+              </a:defRPr>
+            </a:lvl4pPr>
+            <a:lvl5pPr marL="1600200" indent="-228600" algn="l" defTabSz="914400" rtl="0" eaLnBrk="1" latinLnBrk="0" hangingPunct="1">
+              <a:lnSpc>
+                <a:spcPct val="150000"/>
+              </a:lnSpc>
+              <a:spcBef>
+                <a:spcPts val="1000"/>
+              </a:spcBef>
+              <a:spcAft>
+                <a:spcPts val="1200"/>
+              </a:spcAft>
+              <a:buFont typeface="Arial" panose="020B0604020202020204" pitchFamily="34" charset="0"/>
+              <a:buChar char="•"/>
+              <a:defRPr lang="en-US" sz="1200" kern="1200">
+                <a:solidFill>
+                  <a:schemeClr val="tx1">
+                    <a:lumMod val="75000"/>
+                    <a:lumOff val="25000"/>
+                  </a:schemeClr>
+                </a:solidFill>
+                <a:latin typeface="+mn-lt"/>
+                <a:ea typeface="+mn-ea"/>
+                <a:cs typeface="+mn-cs"/>
+              </a:defRPr>
+            </a:lvl5pPr>
+            <a:lvl6pPr marL="2057400" indent="-228600" algn="l" defTabSz="914400" rtl="0" eaLnBrk="1" latinLnBrk="0" hangingPunct="1">
+              <a:lnSpc>
+                <a:spcPct val="150000"/>
+              </a:lnSpc>
+              <a:spcBef>
+                <a:spcPts val="1000"/>
+              </a:spcBef>
+              <a:spcAft>
+                <a:spcPts val="1200"/>
+              </a:spcAft>
+              <a:buFont typeface="Arial" panose="020B0604020202020204" pitchFamily="34" charset="0"/>
+              <a:buChar char="•"/>
+              <a:defRPr lang="en-US" sz="1200" kern="1200" dirty="0" smtClean="0">
+                <a:solidFill>
+                  <a:schemeClr val="tx1"/>
+                </a:solidFill>
+                <a:latin typeface="+mn-lt"/>
+                <a:ea typeface="+mn-ea"/>
+                <a:cs typeface="+mn-cs"/>
+              </a:defRPr>
+            </a:lvl6pPr>
+            <a:lvl7pPr marL="2514600" indent="-228600" algn="l" defTabSz="914400" rtl="0" eaLnBrk="1" latinLnBrk="0" hangingPunct="1">
+              <a:lnSpc>
+                <a:spcPct val="150000"/>
+              </a:lnSpc>
+              <a:spcBef>
+                <a:spcPts val="1000"/>
+              </a:spcBef>
+              <a:spcAft>
+                <a:spcPts val="1200"/>
+              </a:spcAft>
+              <a:buFont typeface="Arial" panose="020B0604020202020204" pitchFamily="34" charset="0"/>
+              <a:buChar char="•"/>
+              <a:defRPr lang="en-US" sz="1200" kern="1200" dirty="0" smtClean="0">
+                <a:solidFill>
+                  <a:schemeClr val="tx1"/>
+                </a:solidFill>
+                <a:latin typeface="+mn-lt"/>
+                <a:ea typeface="+mn-ea"/>
+                <a:cs typeface="+mn-cs"/>
+              </a:defRPr>
+            </a:lvl7pPr>
+            <a:lvl8pPr marL="2971800" indent="-228600" algn="l" defTabSz="914400" rtl="0" eaLnBrk="1" latinLnBrk="0" hangingPunct="1">
+              <a:lnSpc>
+                <a:spcPct val="150000"/>
+              </a:lnSpc>
+              <a:spcBef>
+                <a:spcPts val="1000"/>
+              </a:spcBef>
+              <a:spcAft>
+                <a:spcPts val="1200"/>
+              </a:spcAft>
+              <a:buFont typeface="Arial" panose="020B0604020202020204" pitchFamily="34" charset="0"/>
+              <a:buChar char="•"/>
+              <a:defRPr lang="en-US" sz="1200" kern="1200" dirty="0" smtClean="0">
+                <a:solidFill>
+                  <a:schemeClr val="tx1"/>
+                </a:solidFill>
+                <a:latin typeface="+mn-lt"/>
+                <a:ea typeface="+mn-ea"/>
+                <a:cs typeface="+mn-cs"/>
+              </a:defRPr>
+            </a:lvl8pPr>
+            <a:lvl9pPr marL="3429000" indent="-228600" algn="l" defTabSz="914400" rtl="0" eaLnBrk="1" latinLnBrk="0" hangingPunct="1">
+              <a:lnSpc>
+                <a:spcPct val="90000"/>
+              </a:lnSpc>
+              <a:spcBef>
+                <a:spcPct val="30000"/>
+              </a:spcBef>
+              <a:buFont typeface="Arial" panose="020B0604020202020204" pitchFamily="34" charset="0"/>
+              <a:buNone/>
+              <a:defRPr sz="1200" kern="1200">
+                <a:solidFill>
+                  <a:schemeClr val="tx1"/>
+                </a:solidFill>
+                <a:latin typeface="+mn-lt"/>
+                <a:ea typeface="+mn-ea"/>
+                <a:cs typeface="+mn-cs"/>
+              </a:defRPr>
+            </a:lvl9pPr>
+          </a:lstStyle>
+          <a:p>
+            <a:r>
+              <a:rPr lang="pt-BR" b="1" i="1" dirty="0"/>
+              <a:t>TABELA BÁSICA</a:t>
+            </a:r>
+          </a:p>
+          <a:p>
+            <a:r>
+              <a:rPr lang="pt-BR" dirty="0"/>
+              <a:t>&lt;</a:t>
+            </a:r>
+            <a:r>
+              <a:rPr lang="pt-BR" b="1" dirty="0" err="1">
+                <a:solidFill>
+                  <a:srgbClr val="7030A0"/>
+                </a:solidFill>
+              </a:rPr>
+              <a:t>table</a:t>
+            </a:r>
+            <a:r>
+              <a:rPr lang="pt-BR" dirty="0"/>
+              <a:t>&gt; </a:t>
+            </a:r>
+            <a:br>
+              <a:rPr lang="pt-BR" dirty="0"/>
+            </a:br>
+            <a:r>
+              <a:rPr lang="pt-BR" dirty="0"/>
+              <a:t> </a:t>
+            </a:r>
+            <a:r>
+              <a:rPr lang="pt-BR" dirty="0" err="1"/>
+              <a:t>tag</a:t>
+            </a:r>
+            <a:r>
+              <a:rPr lang="pt-BR" dirty="0"/>
+              <a:t> para tabela: Uma tabela é uma sequência de linhas e colunas </a:t>
+            </a:r>
+          </a:p>
+          <a:p>
+            <a:r>
+              <a:rPr lang="pt-BR" dirty="0"/>
+              <a:t>&lt;</a:t>
+            </a:r>
+            <a:r>
+              <a:rPr lang="pt-BR" b="1" dirty="0" err="1">
+                <a:solidFill>
+                  <a:srgbClr val="7030A0"/>
+                </a:solidFill>
+              </a:rPr>
+              <a:t>tr</a:t>
+            </a:r>
+            <a:r>
+              <a:rPr lang="pt-BR" dirty="0"/>
+              <a:t>&gt; </a:t>
+            </a:r>
+            <a:br>
+              <a:rPr lang="pt-BR" dirty="0"/>
+            </a:br>
+            <a:r>
+              <a:rPr lang="pt-BR" dirty="0"/>
+              <a:t>É uma linha </a:t>
+            </a:r>
+          </a:p>
+          <a:p>
+            <a:r>
+              <a:rPr lang="pt-BR" dirty="0"/>
+              <a:t>&lt;</a:t>
+            </a:r>
+            <a:r>
+              <a:rPr lang="pt-BR" b="1" dirty="0" err="1">
+                <a:solidFill>
+                  <a:srgbClr val="7030A0"/>
+                </a:solidFill>
+              </a:rPr>
+              <a:t>td</a:t>
+            </a:r>
+            <a:r>
+              <a:rPr lang="pt-BR" dirty="0"/>
+              <a:t>&gt; </a:t>
+            </a:r>
+            <a:br>
+              <a:rPr lang="pt-BR" dirty="0"/>
+            </a:br>
+            <a:r>
+              <a:rPr lang="pt-BR" dirty="0"/>
+              <a:t>Células</a:t>
+            </a:r>
+          </a:p>
+          <a:p>
+            <a:r>
+              <a:rPr lang="pt-BR" dirty="0"/>
+              <a:t>. </a:t>
+            </a:r>
+          </a:p>
+          <a:p>
+            <a:endParaRPr lang="pt-BR" dirty="0"/>
+          </a:p>
+        </p:txBody>
+      </p:sp>
+      <p:sp>
+        <p:nvSpPr>
+          <p:cNvPr id="6" name="Espaço Reservado para Conteúdo 2">
+            <a:extLst>
+              <a:ext uri="{FF2B5EF4-FFF2-40B4-BE49-F238E27FC236}">
+                <a16:creationId xmlns:a16="http://schemas.microsoft.com/office/drawing/2014/main" id="{304999B9-312B-6FAB-0AEA-572B8E7156B5}"/>
+              </a:ext>
+            </a:extLst>
+          </p:cNvPr>
+          <p:cNvSpPr txBox="1">
+            <a:spLocks/>
+          </p:cNvSpPr>
+          <p:nvPr/>
+        </p:nvSpPr>
+        <p:spPr>
+          <a:xfrm>
+            <a:off x="8262286" y="1583083"/>
+            <a:ext cx="3417988" cy="5063515"/>
+          </a:xfrm>
+          <a:prstGeom prst="rect">
+            <a:avLst/>
+          </a:prstGeom>
+        </p:spPr>
+        <p:txBody>
+          <a:bodyPr vert="horz" lIns="91440" tIns="45720" rIns="91440" bIns="45720" rtlCol="0">
+            <a:normAutofit/>
+          </a:bodyPr>
+          <a:lstStyle>
+            <a:lvl1pPr marL="0" indent="0" algn="l" defTabSz="914400" rtl="0" eaLnBrk="1" latinLnBrk="0" hangingPunct="1">
+              <a:lnSpc>
+                <a:spcPct val="150000"/>
+              </a:lnSpc>
+              <a:spcBef>
+                <a:spcPts val="1000"/>
+              </a:spcBef>
+              <a:spcAft>
+                <a:spcPts val="1200"/>
+              </a:spcAft>
+              <a:buFontTx/>
+              <a:buNone/>
+              <a:defRPr lang="en-US" sz="1200" kern="1200" smtClean="0">
+                <a:solidFill>
+                  <a:schemeClr val="tx1">
+                    <a:lumMod val="75000"/>
+                    <a:lumOff val="25000"/>
+                  </a:schemeClr>
+                </a:solidFill>
+                <a:latin typeface="+mn-lt"/>
+                <a:ea typeface="+mn-ea"/>
+                <a:cs typeface="+mn-cs"/>
+              </a:defRPr>
+            </a:lvl1pPr>
+            <a:lvl2pPr marL="228600" indent="-228600" algn="l" defTabSz="914400" rtl="0" eaLnBrk="1" latinLnBrk="0" hangingPunct="1">
+              <a:lnSpc>
+                <a:spcPct val="150000"/>
+              </a:lnSpc>
+              <a:spcBef>
+                <a:spcPts val="1000"/>
+              </a:spcBef>
+              <a:spcAft>
+                <a:spcPts val="1200"/>
+              </a:spcAft>
+              <a:buFont typeface="Arial" panose="020B0604020202020204" pitchFamily="34" charset="0"/>
+              <a:buChar char="•"/>
+              <a:defRPr lang="en-US" sz="1200" kern="1200" smtClean="0">
+                <a:solidFill>
+                  <a:schemeClr val="tx1">
+                    <a:lumMod val="75000"/>
+                    <a:lumOff val="25000"/>
+                  </a:schemeClr>
+                </a:solidFill>
+                <a:latin typeface="+mn-lt"/>
+                <a:ea typeface="+mn-ea"/>
+                <a:cs typeface="+mn-cs"/>
+              </a:defRPr>
+            </a:lvl2pPr>
+            <a:lvl3pPr marL="685800" indent="-228600" algn="l" defTabSz="914400" rtl="0" eaLnBrk="1" latinLnBrk="0" hangingPunct="1">
+              <a:lnSpc>
+                <a:spcPct val="150000"/>
+              </a:lnSpc>
+              <a:spcBef>
+                <a:spcPts val="1000"/>
+              </a:spcBef>
+              <a:spcAft>
+                <a:spcPts val="1200"/>
+              </a:spcAft>
+              <a:buFont typeface="Arial" panose="020B0604020202020204" pitchFamily="34" charset="0"/>
+              <a:buChar char="•"/>
+              <a:defRPr lang="en-US" sz="1200" kern="1200" smtClean="0">
+                <a:solidFill>
+                  <a:schemeClr val="tx1">
+                    <a:lumMod val="75000"/>
+                    <a:lumOff val="25000"/>
+                  </a:schemeClr>
+                </a:solidFill>
+                <a:latin typeface="+mn-lt"/>
+                <a:ea typeface="+mn-ea"/>
+                <a:cs typeface="+mn-cs"/>
+              </a:defRPr>
+            </a:lvl3pPr>
+            <a:lvl4pPr marL="1143000" indent="-228600" algn="l" defTabSz="914400" rtl="0" eaLnBrk="1" latinLnBrk="0" hangingPunct="1">
+              <a:lnSpc>
+                <a:spcPct val="150000"/>
+              </a:lnSpc>
+              <a:spcBef>
+                <a:spcPts val="1000"/>
+              </a:spcBef>
+              <a:spcAft>
+                <a:spcPts val="1200"/>
+              </a:spcAft>
+              <a:buFont typeface="Arial" panose="020B0604020202020204" pitchFamily="34" charset="0"/>
+              <a:buChar char="•"/>
+              <a:defRPr lang="en-US" sz="1200" kern="1200" smtClean="0">
+                <a:solidFill>
+                  <a:schemeClr val="tx1">
+                    <a:lumMod val="75000"/>
+                    <a:lumOff val="25000"/>
+                  </a:schemeClr>
+                </a:solidFill>
+                <a:latin typeface="+mn-lt"/>
+                <a:ea typeface="+mn-ea"/>
+                <a:cs typeface="+mn-cs"/>
+              </a:defRPr>
+            </a:lvl4pPr>
+            <a:lvl5pPr marL="1600200" indent="-228600" algn="l" defTabSz="914400" rtl="0" eaLnBrk="1" latinLnBrk="0" hangingPunct="1">
+              <a:lnSpc>
+                <a:spcPct val="150000"/>
+              </a:lnSpc>
+              <a:spcBef>
+                <a:spcPts val="1000"/>
+              </a:spcBef>
+              <a:spcAft>
+                <a:spcPts val="1200"/>
+              </a:spcAft>
+              <a:buFont typeface="Arial" panose="020B0604020202020204" pitchFamily="34" charset="0"/>
+              <a:buChar char="•"/>
+              <a:defRPr lang="en-US" sz="1200" kern="1200">
+                <a:solidFill>
+                  <a:schemeClr val="tx1">
+                    <a:lumMod val="75000"/>
+                    <a:lumOff val="25000"/>
+                  </a:schemeClr>
+                </a:solidFill>
+                <a:latin typeface="+mn-lt"/>
+                <a:ea typeface="+mn-ea"/>
+                <a:cs typeface="+mn-cs"/>
+              </a:defRPr>
+            </a:lvl5pPr>
+            <a:lvl6pPr marL="2057400" indent="-228600" algn="l" defTabSz="914400" rtl="0" eaLnBrk="1" latinLnBrk="0" hangingPunct="1">
+              <a:lnSpc>
+                <a:spcPct val="150000"/>
+              </a:lnSpc>
+              <a:spcBef>
+                <a:spcPts val="1000"/>
+              </a:spcBef>
+              <a:spcAft>
+                <a:spcPts val="1200"/>
+              </a:spcAft>
+              <a:buFont typeface="Arial" panose="020B0604020202020204" pitchFamily="34" charset="0"/>
+              <a:buChar char="•"/>
+              <a:defRPr lang="en-US" sz="1200" kern="1200" dirty="0" smtClean="0">
+                <a:solidFill>
+                  <a:schemeClr val="tx1"/>
+                </a:solidFill>
+                <a:latin typeface="+mn-lt"/>
+                <a:ea typeface="+mn-ea"/>
+                <a:cs typeface="+mn-cs"/>
+              </a:defRPr>
+            </a:lvl6pPr>
+            <a:lvl7pPr marL="2514600" indent="-228600" algn="l" defTabSz="914400" rtl="0" eaLnBrk="1" latinLnBrk="0" hangingPunct="1">
+              <a:lnSpc>
+                <a:spcPct val="150000"/>
+              </a:lnSpc>
+              <a:spcBef>
+                <a:spcPts val="1000"/>
+              </a:spcBef>
+              <a:spcAft>
+                <a:spcPts val="1200"/>
+              </a:spcAft>
+              <a:buFont typeface="Arial" panose="020B0604020202020204" pitchFamily="34" charset="0"/>
+              <a:buChar char="•"/>
+              <a:defRPr lang="en-US" sz="1200" kern="1200" dirty="0" smtClean="0">
+                <a:solidFill>
+                  <a:schemeClr val="tx1"/>
+                </a:solidFill>
+                <a:latin typeface="+mn-lt"/>
+                <a:ea typeface="+mn-ea"/>
+                <a:cs typeface="+mn-cs"/>
+              </a:defRPr>
+            </a:lvl7pPr>
+            <a:lvl8pPr marL="2971800" indent="-228600" algn="l" defTabSz="914400" rtl="0" eaLnBrk="1" latinLnBrk="0" hangingPunct="1">
+              <a:lnSpc>
+                <a:spcPct val="150000"/>
+              </a:lnSpc>
+              <a:spcBef>
+                <a:spcPts val="1000"/>
+              </a:spcBef>
+              <a:spcAft>
+                <a:spcPts val="1200"/>
+              </a:spcAft>
+              <a:buFont typeface="Arial" panose="020B0604020202020204" pitchFamily="34" charset="0"/>
+              <a:buChar char="•"/>
+              <a:defRPr lang="en-US" sz="1200" kern="1200" dirty="0" smtClean="0">
+                <a:solidFill>
+                  <a:schemeClr val="tx1"/>
+                </a:solidFill>
+                <a:latin typeface="+mn-lt"/>
+                <a:ea typeface="+mn-ea"/>
+                <a:cs typeface="+mn-cs"/>
+              </a:defRPr>
+            </a:lvl8pPr>
+            <a:lvl9pPr marL="3429000" indent="-228600" algn="l" defTabSz="914400" rtl="0" eaLnBrk="1" latinLnBrk="0" hangingPunct="1">
+              <a:lnSpc>
+                <a:spcPct val="90000"/>
+              </a:lnSpc>
+              <a:spcBef>
+                <a:spcPct val="30000"/>
+              </a:spcBef>
+              <a:buFont typeface="Arial" panose="020B0604020202020204" pitchFamily="34" charset="0"/>
+              <a:buNone/>
+              <a:defRPr sz="1200" kern="1200">
+                <a:solidFill>
+                  <a:schemeClr val="tx1"/>
+                </a:solidFill>
+                <a:latin typeface="+mn-lt"/>
+                <a:ea typeface="+mn-ea"/>
+                <a:cs typeface="+mn-cs"/>
+              </a:defRPr>
+            </a:lvl9pPr>
+          </a:lstStyle>
+          <a:p>
+            <a:r>
+              <a:rPr lang="pt-BR" b="1" dirty="0"/>
+              <a:t>Cabeçalho &lt;</a:t>
+            </a:r>
+            <a:r>
+              <a:rPr lang="pt-BR" b="1" dirty="0" err="1">
+                <a:solidFill>
+                  <a:srgbClr val="7030A0"/>
+                </a:solidFill>
+              </a:rPr>
+              <a:t>thead</a:t>
+            </a:r>
+            <a:r>
+              <a:rPr lang="pt-BR" b="1" dirty="0"/>
+              <a:t>&gt; </a:t>
+            </a:r>
+          </a:p>
+          <a:p>
+            <a:r>
+              <a:rPr lang="pt-BR" dirty="0"/>
+              <a:t>Dentro do cabeçalho, para dizer que aquela célula é uma célula do cabeçalho, ao invés de usarmos a </a:t>
+            </a:r>
+            <a:r>
+              <a:rPr lang="pt-BR" dirty="0" err="1"/>
+              <a:t>tag</a:t>
+            </a:r>
+            <a:r>
+              <a:rPr lang="pt-BR" dirty="0"/>
+              <a:t> &lt;</a:t>
+            </a:r>
+            <a:r>
+              <a:rPr lang="pt-BR" b="1" dirty="0" err="1">
+                <a:solidFill>
+                  <a:srgbClr val="7030A0"/>
+                </a:solidFill>
+              </a:rPr>
+              <a:t>td</a:t>
+            </a:r>
+            <a:r>
+              <a:rPr lang="pt-BR" dirty="0"/>
+              <a:t>&gt;, usamos ainda a </a:t>
+            </a:r>
+            <a:r>
+              <a:rPr lang="pt-BR" dirty="0" err="1"/>
+              <a:t>tag</a:t>
+            </a:r>
+            <a:r>
+              <a:rPr lang="pt-BR" dirty="0"/>
+              <a:t> &lt;</a:t>
+            </a:r>
+            <a:r>
+              <a:rPr lang="pt-BR" b="1" dirty="0" err="1">
+                <a:solidFill>
+                  <a:srgbClr val="7030A0"/>
+                </a:solidFill>
+              </a:rPr>
+              <a:t>th</a:t>
+            </a:r>
+            <a:r>
+              <a:rPr lang="pt-BR" dirty="0"/>
+              <a:t>&gt;, que é uma célula do </a:t>
+            </a:r>
+            <a:r>
+              <a:rPr lang="pt-BR" dirty="0" err="1">
+                <a:solidFill>
+                  <a:srgbClr val="7030A0"/>
+                </a:solidFill>
+              </a:rPr>
+              <a:t>head</a:t>
+            </a:r>
+            <a:r>
+              <a:rPr lang="pt-BR" dirty="0"/>
+              <a:t> da tabela. Com isso, nós conseguimos ter um cabeçalho bem mais semântico.</a:t>
+            </a:r>
+          </a:p>
+          <a:p>
+            <a:pPr algn="just"/>
+            <a:r>
+              <a:rPr lang="pt-BR" b="1" dirty="0"/>
+              <a:t>Corpo da tabela &lt;</a:t>
+            </a:r>
+            <a:r>
+              <a:rPr lang="pt-BR" b="1" dirty="0" err="1">
+                <a:solidFill>
+                  <a:srgbClr val="7030A0"/>
+                </a:solidFill>
+              </a:rPr>
+              <a:t>tbody</a:t>
+            </a:r>
+            <a:r>
+              <a:rPr lang="pt-BR" b="1" dirty="0"/>
+              <a:t>&gt; </a:t>
+            </a:r>
+          </a:p>
+          <a:p>
+            <a:pPr algn="just"/>
+            <a:r>
+              <a:rPr lang="pt-BR" dirty="0"/>
+              <a:t>As </a:t>
+            </a:r>
+            <a:r>
+              <a:rPr lang="pt-BR" dirty="0" err="1"/>
+              <a:t>tags</a:t>
+            </a:r>
+            <a:r>
+              <a:rPr lang="pt-BR" dirty="0"/>
+              <a:t> &lt;</a:t>
+            </a:r>
+            <a:r>
+              <a:rPr lang="pt-BR" b="1" dirty="0" err="1">
+                <a:solidFill>
+                  <a:srgbClr val="7030A0"/>
+                </a:solidFill>
+              </a:rPr>
+              <a:t>thead</a:t>
+            </a:r>
+            <a:r>
+              <a:rPr lang="pt-BR" dirty="0"/>
+              <a:t>&gt;, &lt;</a:t>
+            </a:r>
+            <a:r>
+              <a:rPr lang="pt-BR" b="1" dirty="0" err="1">
+                <a:solidFill>
+                  <a:srgbClr val="7030A0"/>
+                </a:solidFill>
+              </a:rPr>
+              <a:t>tbody</a:t>
+            </a:r>
+            <a:r>
+              <a:rPr lang="pt-BR" dirty="0"/>
+              <a:t>&gt; e &lt;</a:t>
+            </a:r>
+            <a:r>
+              <a:rPr lang="pt-BR" b="1" dirty="0" err="1">
+                <a:solidFill>
+                  <a:srgbClr val="7030A0"/>
+                </a:solidFill>
+              </a:rPr>
+              <a:t>tfoot</a:t>
+            </a:r>
+            <a:r>
+              <a:rPr lang="pt-BR" dirty="0"/>
+              <a:t>&gt; ajudam a deixar o conteúdo da tabela mais bem dividido e mais semântico.</a:t>
+            </a:r>
+          </a:p>
+          <a:p>
+            <a:endParaRPr lang="pt-BR" dirty="0"/>
+          </a:p>
+        </p:txBody>
+      </p:sp>
+    </p:spTree>
+    <p:extLst>
+      <p:ext uri="{BB962C8B-B14F-4D97-AF65-F5344CB8AC3E}">
+        <p14:creationId xmlns:p14="http://schemas.microsoft.com/office/powerpoint/2010/main" val="1839457995"/>
+      </p:ext>
+    </p:extLst>
+  </p:cSld>
+  <p:clrMapOvr>
+    <a:masterClrMapping/>
+  </p:clrMapOvr>
+</p:sld>
+</file>
+
 <file path=ppt/slides/slide2.xml><?xml version="1.0" encoding="utf-8"?>
 <p:sld xmlns:a="http://schemas.openxmlformats.org/drawingml/2006/main" xmlns:r="http://schemas.openxmlformats.org/officeDocument/2006/relationships" xmlns:p="http://schemas.openxmlformats.org/presentationml/2006/main">
   <p:cSld>
@@ -4735,6 +9472,1547 @@
     <p:extLst>
       <p:ext uri="{BB962C8B-B14F-4D97-AF65-F5344CB8AC3E}">
         <p14:creationId xmlns:p14="http://schemas.microsoft.com/office/powerpoint/2010/main" val="3173431943"/>
+      </p:ext>
+    </p:extLst>
+  </p:cSld>
+  <p:clrMapOvr>
+    <a:masterClrMapping/>
+  </p:clrMapOvr>
+</p:sld>
+</file>
+
+<file path=ppt/slides/slide20.xml><?xml version="1.0" encoding="utf-8"?>
+<p:sld xmlns:a="http://schemas.openxmlformats.org/drawingml/2006/main" xmlns:r="http://schemas.openxmlformats.org/officeDocument/2006/relationships" xmlns:p="http://schemas.openxmlformats.org/presentationml/2006/main">
+  <p:cSld>
+    <p:spTree>
+      <p:nvGrpSpPr>
+        <p:cNvPr id="1" name=""/>
+        <p:cNvGrpSpPr/>
+        <p:nvPr/>
+      </p:nvGrpSpPr>
+      <p:grpSpPr>
+        <a:xfrm>
+          <a:off x="0" y="0"/>
+          <a:ext cx="0" cy="0"/>
+          <a:chOff x="0" y="0"/>
+          <a:chExt cx="0" cy="0"/>
+        </a:xfrm>
+      </p:grpSpPr>
+      <p:sp>
+        <p:nvSpPr>
+          <p:cNvPr id="2" name="Título 1">
+            <a:extLst>
+              <a:ext uri="{FF2B5EF4-FFF2-40B4-BE49-F238E27FC236}">
+                <a16:creationId xmlns:a16="http://schemas.microsoft.com/office/drawing/2014/main" id="{1E2D13D5-15D1-FC49-8729-45B8A66481EC}"/>
+              </a:ext>
+            </a:extLst>
+          </p:cNvPr>
+          <p:cNvSpPr>
+            <a:spLocks noGrp="1"/>
+          </p:cNvSpPr>
+          <p:nvPr>
+            <p:ph type="title"/>
+          </p:nvPr>
+        </p:nvSpPr>
+        <p:spPr/>
+        <p:txBody>
+          <a:bodyPr/>
+          <a:lstStyle/>
+          <a:p>
+            <a:r>
+              <a:rPr lang="pt-BR" dirty="0"/>
+              <a:t>Aprendizado – Estrutura de Tabelas </a:t>
+            </a:r>
+          </a:p>
+        </p:txBody>
+      </p:sp>
+      <p:sp>
+        <p:nvSpPr>
+          <p:cNvPr id="3" name="Espaço Reservado para Conteúdo 2">
+            <a:extLst>
+              <a:ext uri="{FF2B5EF4-FFF2-40B4-BE49-F238E27FC236}">
+                <a16:creationId xmlns:a16="http://schemas.microsoft.com/office/drawing/2014/main" id="{0DA7F666-74D1-1546-04AA-3FEDB8B966AF}"/>
+              </a:ext>
+            </a:extLst>
+          </p:cNvPr>
+          <p:cNvSpPr>
+            <a:spLocks noGrp="1"/>
+          </p:cNvSpPr>
+          <p:nvPr>
+            <p:ph sz="quarter" idx="10"/>
+          </p:nvPr>
+        </p:nvSpPr>
+        <p:spPr>
+          <a:xfrm>
+            <a:off x="539496" y="1435607"/>
+            <a:ext cx="4416552" cy="5083179"/>
+          </a:xfrm>
+        </p:spPr>
+        <p:txBody>
+          <a:bodyPr>
+            <a:normAutofit/>
+          </a:bodyPr>
+          <a:lstStyle/>
+          <a:p>
+            <a:r>
+              <a:rPr lang="pt-BR" b="1" i="1" dirty="0"/>
+              <a:t>PARA SABER MAIS: JUNTANDO CÉLULAS DA TABELA </a:t>
+            </a:r>
+          </a:p>
+          <a:p>
+            <a:r>
+              <a:rPr lang="pt-BR" dirty="0"/>
+              <a:t>As tabelas também nos oferecem a possibilidade de juntar células e montar um visual diferente. Por exemplo, quando uma linha, que deveria ter 5 células, passa a mostrar só "uma célula".</a:t>
+            </a:r>
+          </a:p>
+          <a:p>
+            <a:r>
+              <a:rPr lang="pt-BR" dirty="0"/>
+              <a:t>Esse efeito é conseguido através da propriedade </a:t>
+            </a:r>
+            <a:r>
+              <a:rPr lang="pt-BR" dirty="0" err="1"/>
+              <a:t>colspan</a:t>
+            </a:r>
+            <a:r>
+              <a:rPr lang="pt-BR" dirty="0"/>
+              <a:t>=X, onde X é o número de células que você quer agrupar.</a:t>
+            </a:r>
+          </a:p>
+          <a:p>
+            <a:r>
+              <a:rPr lang="pt-BR" dirty="0"/>
+              <a:t>Portanto, em uma tabela de 5 colunas, para ter uma célula única na linha, usamos um código assim:</a:t>
+            </a:r>
+          </a:p>
+          <a:p>
+            <a:r>
+              <a:rPr lang="pt-BR" b="1" dirty="0">
+                <a:solidFill>
+                  <a:srgbClr val="9999AA"/>
+                </a:solidFill>
+                <a:effectLst/>
+              </a:rPr>
+              <a:t>  &lt;</a:t>
+            </a:r>
+            <a:r>
+              <a:rPr lang="pt-BR" b="1" dirty="0" err="1">
+                <a:solidFill>
+                  <a:srgbClr val="BBA0FF"/>
+                </a:solidFill>
+                <a:effectLst/>
+              </a:rPr>
+              <a:t>tr</a:t>
+            </a:r>
+            <a:r>
+              <a:rPr lang="pt-BR" b="1" dirty="0">
+                <a:solidFill>
+                  <a:srgbClr val="9999AA"/>
+                </a:solidFill>
+                <a:effectLst/>
+              </a:rPr>
+              <a:t>&gt;</a:t>
+            </a:r>
+            <a:br>
+              <a:rPr lang="pt-BR" b="1" dirty="0">
+                <a:solidFill>
+                  <a:srgbClr val="9999AA"/>
+                </a:solidFill>
+                <a:effectLst/>
+              </a:rPr>
+            </a:br>
+            <a:r>
+              <a:rPr lang="pt-BR" b="1" dirty="0">
+                <a:solidFill>
+                  <a:srgbClr val="9999AA"/>
+                </a:solidFill>
+                <a:effectLst/>
+              </a:rPr>
+              <a:t>      &lt;</a:t>
+            </a:r>
+            <a:r>
+              <a:rPr lang="pt-BR" b="1" dirty="0" err="1">
+                <a:solidFill>
+                  <a:srgbClr val="BBA0FF"/>
+                </a:solidFill>
+                <a:effectLst/>
+              </a:rPr>
+              <a:t>td</a:t>
+            </a:r>
+            <a:r>
+              <a:rPr lang="pt-BR" b="1" dirty="0">
+                <a:solidFill>
+                  <a:srgbClr val="BBBBCC"/>
+                </a:solidFill>
+                <a:effectLst/>
+              </a:rPr>
+              <a:t> </a:t>
+            </a:r>
+            <a:r>
+              <a:rPr lang="pt-BR" b="1" dirty="0" err="1">
+                <a:solidFill>
+                  <a:srgbClr val="FFDD44"/>
+                </a:solidFill>
+                <a:effectLst/>
+              </a:rPr>
+              <a:t>colspan</a:t>
+            </a:r>
+            <a:r>
+              <a:rPr lang="pt-BR" b="1" dirty="0">
+                <a:solidFill>
+                  <a:srgbClr val="BBBBCC"/>
+                </a:solidFill>
+                <a:effectLst/>
+              </a:rPr>
+              <a:t>=</a:t>
+            </a:r>
+            <a:r>
+              <a:rPr lang="pt-BR" b="1" dirty="0">
+                <a:solidFill>
+                  <a:srgbClr val="88CC44"/>
+                </a:solidFill>
+                <a:effectLst/>
+              </a:rPr>
+              <a:t>"5"</a:t>
+            </a:r>
+            <a:r>
+              <a:rPr lang="pt-BR" b="1" dirty="0">
+                <a:solidFill>
+                  <a:srgbClr val="9999AA"/>
+                </a:solidFill>
+                <a:effectLst/>
+              </a:rPr>
+              <a:t>&gt;</a:t>
+            </a:r>
+            <a:r>
+              <a:rPr lang="pt-BR" b="1" dirty="0">
+                <a:solidFill>
+                  <a:srgbClr val="BBBBCC"/>
+                </a:solidFill>
+                <a:effectLst/>
+              </a:rPr>
+              <a:t>Rio de Janeiro</a:t>
+            </a:r>
+            <a:r>
+              <a:rPr lang="pt-BR" b="1" dirty="0">
+                <a:solidFill>
+                  <a:srgbClr val="9999AA"/>
+                </a:solidFill>
+                <a:effectLst/>
+              </a:rPr>
+              <a:t>&lt;/</a:t>
+            </a:r>
+            <a:r>
+              <a:rPr lang="pt-BR" b="1" dirty="0" err="1">
+                <a:solidFill>
+                  <a:srgbClr val="BBA0FF"/>
+                </a:solidFill>
+                <a:effectLst/>
+              </a:rPr>
+              <a:t>td</a:t>
+            </a:r>
+            <a:r>
+              <a:rPr lang="pt-BR" b="1" dirty="0">
+                <a:solidFill>
+                  <a:srgbClr val="9999AA"/>
+                </a:solidFill>
+                <a:effectLst/>
+              </a:rPr>
+              <a:t>&gt;</a:t>
+            </a:r>
+            <a:br>
+              <a:rPr lang="pt-BR" b="1" dirty="0">
+                <a:solidFill>
+                  <a:srgbClr val="FFFFFF"/>
+                </a:solidFill>
+              </a:rPr>
+            </a:br>
+            <a:r>
+              <a:rPr lang="pt-BR" b="1" dirty="0">
+                <a:solidFill>
+                  <a:srgbClr val="FFFFFF"/>
+                </a:solidFill>
+              </a:rPr>
+              <a:t>  </a:t>
+            </a:r>
+            <a:r>
+              <a:rPr lang="pt-BR" b="1" dirty="0">
+                <a:solidFill>
+                  <a:srgbClr val="9999AA"/>
+                </a:solidFill>
+                <a:effectLst/>
+              </a:rPr>
+              <a:t>&lt;/</a:t>
+            </a:r>
+            <a:r>
+              <a:rPr lang="pt-BR" b="1" dirty="0" err="1">
+                <a:solidFill>
+                  <a:srgbClr val="BBA0FF"/>
+                </a:solidFill>
+                <a:effectLst/>
+              </a:rPr>
+              <a:t>tr</a:t>
+            </a:r>
+            <a:r>
+              <a:rPr lang="pt-BR" b="1" dirty="0">
+                <a:solidFill>
+                  <a:srgbClr val="9999AA"/>
+                </a:solidFill>
+                <a:effectLst/>
+              </a:rPr>
+              <a:t>&gt;</a:t>
+            </a:r>
+            <a:endParaRPr lang="pt-BR" b="1" dirty="0">
+              <a:solidFill>
+                <a:srgbClr val="FFFFFF"/>
+              </a:solidFill>
+              <a:effectLst/>
+            </a:endParaRPr>
+          </a:p>
+          <a:p>
+            <a:endParaRPr lang="pt-BR" dirty="0"/>
+          </a:p>
+        </p:txBody>
+      </p:sp>
+      <p:sp>
+        <p:nvSpPr>
+          <p:cNvPr id="4" name="Espaço Reservado para Conteúdo 2">
+            <a:extLst>
+              <a:ext uri="{FF2B5EF4-FFF2-40B4-BE49-F238E27FC236}">
+                <a16:creationId xmlns:a16="http://schemas.microsoft.com/office/drawing/2014/main" id="{CA7333B4-606D-DCC4-97FF-C63B9DADE3F7}"/>
+              </a:ext>
+            </a:extLst>
+          </p:cNvPr>
+          <p:cNvSpPr txBox="1">
+            <a:spLocks/>
+          </p:cNvSpPr>
+          <p:nvPr/>
+        </p:nvSpPr>
+        <p:spPr>
+          <a:xfrm>
+            <a:off x="6463431" y="1435606"/>
+            <a:ext cx="4416552" cy="5083179"/>
+          </a:xfrm>
+          <a:prstGeom prst="rect">
+            <a:avLst/>
+          </a:prstGeom>
+        </p:spPr>
+        <p:txBody>
+          <a:bodyPr vert="horz" lIns="91440" tIns="45720" rIns="91440" bIns="45720" rtlCol="0">
+            <a:normAutofit/>
+          </a:bodyPr>
+          <a:lstStyle>
+            <a:lvl1pPr marL="0" indent="0" algn="l" defTabSz="914400" rtl="0" eaLnBrk="1" latinLnBrk="0" hangingPunct="1">
+              <a:lnSpc>
+                <a:spcPct val="150000"/>
+              </a:lnSpc>
+              <a:spcBef>
+                <a:spcPts val="1000"/>
+              </a:spcBef>
+              <a:spcAft>
+                <a:spcPts val="1200"/>
+              </a:spcAft>
+              <a:buFontTx/>
+              <a:buNone/>
+              <a:defRPr lang="en-US" sz="1200" kern="1200" smtClean="0">
+                <a:solidFill>
+                  <a:schemeClr val="tx1">
+                    <a:lumMod val="75000"/>
+                    <a:lumOff val="25000"/>
+                  </a:schemeClr>
+                </a:solidFill>
+                <a:latin typeface="+mn-lt"/>
+                <a:ea typeface="+mn-ea"/>
+                <a:cs typeface="+mn-cs"/>
+              </a:defRPr>
+            </a:lvl1pPr>
+            <a:lvl2pPr marL="228600" indent="-228600" algn="l" defTabSz="914400" rtl="0" eaLnBrk="1" latinLnBrk="0" hangingPunct="1">
+              <a:lnSpc>
+                <a:spcPct val="150000"/>
+              </a:lnSpc>
+              <a:spcBef>
+                <a:spcPts val="1000"/>
+              </a:spcBef>
+              <a:spcAft>
+                <a:spcPts val="1200"/>
+              </a:spcAft>
+              <a:buFont typeface="Arial" panose="020B0604020202020204" pitchFamily="34" charset="0"/>
+              <a:buChar char="•"/>
+              <a:defRPr lang="en-US" sz="1200" kern="1200" smtClean="0">
+                <a:solidFill>
+                  <a:schemeClr val="tx1">
+                    <a:lumMod val="75000"/>
+                    <a:lumOff val="25000"/>
+                  </a:schemeClr>
+                </a:solidFill>
+                <a:latin typeface="+mn-lt"/>
+                <a:ea typeface="+mn-ea"/>
+                <a:cs typeface="+mn-cs"/>
+              </a:defRPr>
+            </a:lvl2pPr>
+            <a:lvl3pPr marL="685800" indent="-228600" algn="l" defTabSz="914400" rtl="0" eaLnBrk="1" latinLnBrk="0" hangingPunct="1">
+              <a:lnSpc>
+                <a:spcPct val="150000"/>
+              </a:lnSpc>
+              <a:spcBef>
+                <a:spcPts val="1000"/>
+              </a:spcBef>
+              <a:spcAft>
+                <a:spcPts val="1200"/>
+              </a:spcAft>
+              <a:buFont typeface="Arial" panose="020B0604020202020204" pitchFamily="34" charset="0"/>
+              <a:buChar char="•"/>
+              <a:defRPr lang="en-US" sz="1200" kern="1200" smtClean="0">
+                <a:solidFill>
+                  <a:schemeClr val="tx1">
+                    <a:lumMod val="75000"/>
+                    <a:lumOff val="25000"/>
+                  </a:schemeClr>
+                </a:solidFill>
+                <a:latin typeface="+mn-lt"/>
+                <a:ea typeface="+mn-ea"/>
+                <a:cs typeface="+mn-cs"/>
+              </a:defRPr>
+            </a:lvl3pPr>
+            <a:lvl4pPr marL="1143000" indent="-228600" algn="l" defTabSz="914400" rtl="0" eaLnBrk="1" latinLnBrk="0" hangingPunct="1">
+              <a:lnSpc>
+                <a:spcPct val="150000"/>
+              </a:lnSpc>
+              <a:spcBef>
+                <a:spcPts val="1000"/>
+              </a:spcBef>
+              <a:spcAft>
+                <a:spcPts val="1200"/>
+              </a:spcAft>
+              <a:buFont typeface="Arial" panose="020B0604020202020204" pitchFamily="34" charset="0"/>
+              <a:buChar char="•"/>
+              <a:defRPr lang="en-US" sz="1200" kern="1200" smtClean="0">
+                <a:solidFill>
+                  <a:schemeClr val="tx1">
+                    <a:lumMod val="75000"/>
+                    <a:lumOff val="25000"/>
+                  </a:schemeClr>
+                </a:solidFill>
+                <a:latin typeface="+mn-lt"/>
+                <a:ea typeface="+mn-ea"/>
+                <a:cs typeface="+mn-cs"/>
+              </a:defRPr>
+            </a:lvl4pPr>
+            <a:lvl5pPr marL="1600200" indent="-228600" algn="l" defTabSz="914400" rtl="0" eaLnBrk="1" latinLnBrk="0" hangingPunct="1">
+              <a:lnSpc>
+                <a:spcPct val="150000"/>
+              </a:lnSpc>
+              <a:spcBef>
+                <a:spcPts val="1000"/>
+              </a:spcBef>
+              <a:spcAft>
+                <a:spcPts val="1200"/>
+              </a:spcAft>
+              <a:buFont typeface="Arial" panose="020B0604020202020204" pitchFamily="34" charset="0"/>
+              <a:buChar char="•"/>
+              <a:defRPr lang="en-US" sz="1200" kern="1200">
+                <a:solidFill>
+                  <a:schemeClr val="tx1">
+                    <a:lumMod val="75000"/>
+                    <a:lumOff val="25000"/>
+                  </a:schemeClr>
+                </a:solidFill>
+                <a:latin typeface="+mn-lt"/>
+                <a:ea typeface="+mn-ea"/>
+                <a:cs typeface="+mn-cs"/>
+              </a:defRPr>
+            </a:lvl5pPr>
+            <a:lvl6pPr marL="2057400" indent="-228600" algn="l" defTabSz="914400" rtl="0" eaLnBrk="1" latinLnBrk="0" hangingPunct="1">
+              <a:lnSpc>
+                <a:spcPct val="150000"/>
+              </a:lnSpc>
+              <a:spcBef>
+                <a:spcPts val="1000"/>
+              </a:spcBef>
+              <a:spcAft>
+                <a:spcPts val="1200"/>
+              </a:spcAft>
+              <a:buFont typeface="Arial" panose="020B0604020202020204" pitchFamily="34" charset="0"/>
+              <a:buChar char="•"/>
+              <a:defRPr lang="en-US" sz="1200" kern="1200" dirty="0" smtClean="0">
+                <a:solidFill>
+                  <a:schemeClr val="tx1"/>
+                </a:solidFill>
+                <a:latin typeface="+mn-lt"/>
+                <a:ea typeface="+mn-ea"/>
+                <a:cs typeface="+mn-cs"/>
+              </a:defRPr>
+            </a:lvl6pPr>
+            <a:lvl7pPr marL="2514600" indent="-228600" algn="l" defTabSz="914400" rtl="0" eaLnBrk="1" latinLnBrk="0" hangingPunct="1">
+              <a:lnSpc>
+                <a:spcPct val="150000"/>
+              </a:lnSpc>
+              <a:spcBef>
+                <a:spcPts val="1000"/>
+              </a:spcBef>
+              <a:spcAft>
+                <a:spcPts val="1200"/>
+              </a:spcAft>
+              <a:buFont typeface="Arial" panose="020B0604020202020204" pitchFamily="34" charset="0"/>
+              <a:buChar char="•"/>
+              <a:defRPr lang="en-US" sz="1200" kern="1200" dirty="0" smtClean="0">
+                <a:solidFill>
+                  <a:schemeClr val="tx1"/>
+                </a:solidFill>
+                <a:latin typeface="+mn-lt"/>
+                <a:ea typeface="+mn-ea"/>
+                <a:cs typeface="+mn-cs"/>
+              </a:defRPr>
+            </a:lvl7pPr>
+            <a:lvl8pPr marL="2971800" indent="-228600" algn="l" defTabSz="914400" rtl="0" eaLnBrk="1" latinLnBrk="0" hangingPunct="1">
+              <a:lnSpc>
+                <a:spcPct val="150000"/>
+              </a:lnSpc>
+              <a:spcBef>
+                <a:spcPts val="1000"/>
+              </a:spcBef>
+              <a:spcAft>
+                <a:spcPts val="1200"/>
+              </a:spcAft>
+              <a:buFont typeface="Arial" panose="020B0604020202020204" pitchFamily="34" charset="0"/>
+              <a:buChar char="•"/>
+              <a:defRPr lang="en-US" sz="1200" kern="1200" dirty="0" smtClean="0">
+                <a:solidFill>
+                  <a:schemeClr val="tx1"/>
+                </a:solidFill>
+                <a:latin typeface="+mn-lt"/>
+                <a:ea typeface="+mn-ea"/>
+                <a:cs typeface="+mn-cs"/>
+              </a:defRPr>
+            </a:lvl8pPr>
+            <a:lvl9pPr marL="3429000" indent="-228600" algn="l" defTabSz="914400" rtl="0" eaLnBrk="1" latinLnBrk="0" hangingPunct="1">
+              <a:lnSpc>
+                <a:spcPct val="90000"/>
+              </a:lnSpc>
+              <a:spcBef>
+                <a:spcPct val="30000"/>
+              </a:spcBef>
+              <a:buFont typeface="Arial" panose="020B0604020202020204" pitchFamily="34" charset="0"/>
+              <a:buNone/>
+              <a:defRPr sz="1200" kern="1200">
+                <a:solidFill>
+                  <a:schemeClr val="tx1"/>
+                </a:solidFill>
+                <a:latin typeface="+mn-lt"/>
+                <a:ea typeface="+mn-ea"/>
+                <a:cs typeface="+mn-cs"/>
+              </a:defRPr>
+            </a:lvl9pPr>
+          </a:lstStyle>
+          <a:p>
+            <a:r>
+              <a:rPr lang="pt-BR" b="1" dirty="0"/>
+              <a:t>Nesta aula, aprendemos:</a:t>
+            </a:r>
+          </a:p>
+          <a:p>
+            <a:pPr marL="171450" indent="-171450">
+              <a:buFont typeface="Wingdings" panose="05000000000000000000" pitchFamily="2" charset="2"/>
+              <a:buChar char="q"/>
+            </a:pPr>
+            <a:r>
+              <a:rPr lang="pt-BR" dirty="0"/>
+              <a:t> A criar uma tabela HTML</a:t>
+            </a:r>
+            <a:br>
+              <a:rPr lang="pt-BR" dirty="0"/>
+            </a:br>
+            <a:r>
+              <a:rPr lang="pt-BR" dirty="0"/>
+              <a:t>- A </a:t>
+            </a:r>
+            <a:r>
+              <a:rPr lang="pt-BR" dirty="0" err="1"/>
+              <a:t>tag</a:t>
+            </a:r>
+            <a:r>
+              <a:rPr lang="pt-BR" dirty="0"/>
+              <a:t> </a:t>
+            </a:r>
+            <a:r>
+              <a:rPr lang="pt-BR" dirty="0" err="1"/>
+              <a:t>table</a:t>
+            </a:r>
+            <a:r>
+              <a:rPr lang="pt-BR" dirty="0"/>
+              <a:t>, que representa a tabela</a:t>
+            </a:r>
+            <a:br>
+              <a:rPr lang="pt-BR" dirty="0"/>
+            </a:br>
+            <a:r>
+              <a:rPr lang="pt-BR" dirty="0"/>
+              <a:t>- A </a:t>
+            </a:r>
+            <a:r>
+              <a:rPr lang="pt-BR" dirty="0" err="1"/>
+              <a:t>tag</a:t>
+            </a:r>
+            <a:r>
+              <a:rPr lang="pt-BR" dirty="0"/>
+              <a:t> </a:t>
+            </a:r>
+            <a:r>
+              <a:rPr lang="pt-BR" dirty="0" err="1"/>
+              <a:t>tr</a:t>
+            </a:r>
+            <a:r>
+              <a:rPr lang="pt-BR" dirty="0"/>
+              <a:t>, que representa a linha da tabela</a:t>
+            </a:r>
+            <a:br>
+              <a:rPr lang="pt-BR" dirty="0"/>
+            </a:br>
+            <a:r>
+              <a:rPr lang="pt-BR" dirty="0"/>
+              <a:t>- A </a:t>
+            </a:r>
+            <a:r>
+              <a:rPr lang="pt-BR" dirty="0" err="1"/>
+              <a:t>tag</a:t>
+            </a:r>
+            <a:r>
+              <a:rPr lang="pt-BR" dirty="0"/>
+              <a:t> </a:t>
+            </a:r>
+            <a:r>
+              <a:rPr lang="pt-BR" dirty="0" err="1"/>
+              <a:t>td</a:t>
+            </a:r>
+            <a:r>
+              <a:rPr lang="pt-BR" dirty="0"/>
+              <a:t>, que representa a célula da tabela</a:t>
+            </a:r>
+            <a:br>
+              <a:rPr lang="pt-BR" dirty="0"/>
+            </a:br>
+            <a:r>
+              <a:rPr lang="pt-BR" dirty="0"/>
+              <a:t>- A </a:t>
+            </a:r>
+            <a:r>
+              <a:rPr lang="pt-BR" dirty="0" err="1"/>
+              <a:t>tag</a:t>
+            </a:r>
+            <a:r>
+              <a:rPr lang="pt-BR" dirty="0"/>
+              <a:t> </a:t>
+            </a:r>
+            <a:r>
+              <a:rPr lang="pt-BR" dirty="0" err="1"/>
+              <a:t>thead</a:t>
+            </a:r>
+            <a:r>
+              <a:rPr lang="pt-BR" dirty="0"/>
+              <a:t>, que representa o cabeçalho da tabela</a:t>
+            </a:r>
+            <a:br>
+              <a:rPr lang="pt-BR" dirty="0"/>
+            </a:br>
+            <a:r>
+              <a:rPr lang="pt-BR" dirty="0"/>
+              <a:t>- A </a:t>
+            </a:r>
+            <a:r>
+              <a:rPr lang="pt-BR" dirty="0" err="1"/>
+              <a:t>tag</a:t>
+            </a:r>
+            <a:r>
+              <a:rPr lang="pt-BR" dirty="0"/>
+              <a:t> </a:t>
+            </a:r>
+            <a:r>
+              <a:rPr lang="pt-BR" dirty="0" err="1"/>
+              <a:t>tbody</a:t>
+            </a:r>
+            <a:r>
+              <a:rPr lang="pt-BR" dirty="0"/>
+              <a:t>, que representa o corpo da tabela</a:t>
+            </a:r>
+            <a:br>
+              <a:rPr lang="pt-BR" dirty="0"/>
+            </a:br>
+            <a:r>
+              <a:rPr lang="pt-BR" dirty="0"/>
+              <a:t>- A </a:t>
+            </a:r>
+            <a:r>
+              <a:rPr lang="pt-BR" dirty="0" err="1"/>
+              <a:t>tag</a:t>
+            </a:r>
+            <a:r>
+              <a:rPr lang="pt-BR" dirty="0"/>
+              <a:t> </a:t>
+            </a:r>
+            <a:r>
+              <a:rPr lang="pt-BR" dirty="0" err="1"/>
+              <a:t>th</a:t>
+            </a:r>
+            <a:r>
+              <a:rPr lang="pt-BR" dirty="0"/>
+              <a:t>, que representa a célula do cabeçalho da tabela</a:t>
+            </a:r>
+            <a:br>
+              <a:rPr lang="pt-BR" dirty="0"/>
+            </a:br>
+            <a:r>
+              <a:rPr lang="pt-BR" dirty="0"/>
+              <a:t>- A </a:t>
+            </a:r>
+            <a:r>
+              <a:rPr lang="pt-BR" dirty="0" err="1"/>
+              <a:t>tag</a:t>
+            </a:r>
+            <a:r>
+              <a:rPr lang="pt-BR" dirty="0"/>
+              <a:t> </a:t>
+            </a:r>
+            <a:r>
+              <a:rPr lang="pt-BR" dirty="0" err="1"/>
+              <a:t>tfoot</a:t>
+            </a:r>
+            <a:r>
+              <a:rPr lang="pt-BR" dirty="0"/>
+              <a:t>, que representa o rodapé da tabela</a:t>
+            </a:r>
+          </a:p>
+          <a:p>
+            <a:pPr marL="171450" indent="-171450">
+              <a:buFont typeface="Wingdings" panose="05000000000000000000" pitchFamily="2" charset="2"/>
+              <a:buChar char="q"/>
+            </a:pPr>
+            <a:r>
+              <a:rPr lang="pt-BR" dirty="0"/>
+              <a:t> A estilizar a tabela</a:t>
+            </a:r>
+          </a:p>
+        </p:txBody>
+      </p:sp>
+    </p:spTree>
+    <p:extLst>
+      <p:ext uri="{BB962C8B-B14F-4D97-AF65-F5344CB8AC3E}">
+        <p14:creationId xmlns:p14="http://schemas.microsoft.com/office/powerpoint/2010/main" val="3255565484"/>
+      </p:ext>
+    </p:extLst>
+  </p:cSld>
+  <p:clrMapOvr>
+    <a:masterClrMapping/>
+  </p:clrMapOvr>
+</p:sld>
+</file>
+
+<file path=ppt/slides/slide21.xml><?xml version="1.0" encoding="utf-8"?>
+<p:sld xmlns:a="http://schemas.openxmlformats.org/drawingml/2006/main" xmlns:r="http://schemas.openxmlformats.org/officeDocument/2006/relationships" xmlns:p="http://schemas.openxmlformats.org/presentationml/2006/main">
+  <p:cSld>
+    <p:spTree>
+      <p:nvGrpSpPr>
+        <p:cNvPr id="1" name=""/>
+        <p:cNvGrpSpPr/>
+        <p:nvPr/>
+      </p:nvGrpSpPr>
+      <p:grpSpPr>
+        <a:xfrm>
+          <a:off x="0" y="0"/>
+          <a:ext cx="0" cy="0"/>
+          <a:chOff x="0" y="0"/>
+          <a:chExt cx="0" cy="0"/>
+        </a:xfrm>
+      </p:grpSpPr>
+      <p:sp>
+        <p:nvSpPr>
+          <p:cNvPr id="2" name="Título 1">
+            <a:extLst>
+              <a:ext uri="{FF2B5EF4-FFF2-40B4-BE49-F238E27FC236}">
+                <a16:creationId xmlns:a16="http://schemas.microsoft.com/office/drawing/2014/main" id="{CAE1AF6F-508F-208F-29C9-2287D99E5573}"/>
+              </a:ext>
+            </a:extLst>
+          </p:cNvPr>
+          <p:cNvSpPr>
+            <a:spLocks noGrp="1"/>
+          </p:cNvSpPr>
+          <p:nvPr>
+            <p:ph type="title"/>
+          </p:nvPr>
+        </p:nvSpPr>
+        <p:spPr/>
+        <p:txBody>
+          <a:bodyPr/>
+          <a:lstStyle/>
+          <a:p>
+            <a:r>
+              <a:rPr lang="pt-BR" dirty="0"/>
+              <a:t>Aprendizado – Estrutura de Tabelas </a:t>
+            </a:r>
+          </a:p>
+        </p:txBody>
+      </p:sp>
+      <p:sp>
+        <p:nvSpPr>
+          <p:cNvPr id="3" name="Espaço Reservado para Conteúdo 2">
+            <a:extLst>
+              <a:ext uri="{FF2B5EF4-FFF2-40B4-BE49-F238E27FC236}">
+                <a16:creationId xmlns:a16="http://schemas.microsoft.com/office/drawing/2014/main" id="{7F4FB312-96F1-999A-96CF-B68824616037}"/>
+              </a:ext>
+            </a:extLst>
+          </p:cNvPr>
+          <p:cNvSpPr>
+            <a:spLocks noGrp="1"/>
+          </p:cNvSpPr>
+          <p:nvPr>
+            <p:ph sz="quarter" idx="10"/>
+          </p:nvPr>
+        </p:nvSpPr>
+        <p:spPr>
+          <a:xfrm>
+            <a:off x="539496" y="1435608"/>
+            <a:ext cx="3403239" cy="4974336"/>
+          </a:xfrm>
+        </p:spPr>
+        <p:txBody>
+          <a:bodyPr>
+            <a:normAutofit fontScale="92500" lnSpcReduction="10000"/>
+          </a:bodyPr>
+          <a:lstStyle/>
+          <a:p>
+            <a:r>
+              <a:rPr lang="pt-BR" b="1" i="1" dirty="0"/>
+              <a:t>CONCLUSÃO</a:t>
+            </a:r>
+          </a:p>
+          <a:p>
+            <a:pPr marL="171450" indent="-171450">
+              <a:buFont typeface="Wingdings" panose="05000000000000000000" pitchFamily="2" charset="2"/>
+              <a:buChar char="q"/>
+            </a:pPr>
+            <a:r>
+              <a:rPr lang="pt-BR" dirty="0"/>
+              <a:t> Acessibilidade da imagem com alternativa. </a:t>
+            </a:r>
+          </a:p>
+          <a:p>
+            <a:pPr marL="171450" indent="-171450">
+              <a:buFont typeface="Wingdings" panose="05000000000000000000" pitchFamily="2" charset="2"/>
+              <a:buChar char="q"/>
+            </a:pPr>
+            <a:r>
+              <a:rPr lang="pt-BR" dirty="0"/>
+              <a:t> Criação de formulário com a </a:t>
+            </a:r>
+            <a:r>
+              <a:rPr lang="pt-BR" dirty="0" err="1"/>
+              <a:t>tag</a:t>
+            </a:r>
+            <a:r>
+              <a:rPr lang="pt-BR" dirty="0"/>
+              <a:t> do form.</a:t>
+            </a:r>
+          </a:p>
+          <a:p>
+            <a:pPr marL="171450" indent="-171450">
+              <a:buFont typeface="Wingdings" panose="05000000000000000000" pitchFamily="2" charset="2"/>
+              <a:buChar char="q"/>
+            </a:pPr>
+            <a:r>
+              <a:rPr lang="pt-BR" dirty="0"/>
+              <a:t> </a:t>
+            </a:r>
+            <a:r>
+              <a:rPr lang="pt-BR" dirty="0" err="1"/>
+              <a:t>Tag</a:t>
+            </a:r>
+            <a:r>
+              <a:rPr lang="pt-BR" dirty="0"/>
+              <a:t> do </a:t>
+            </a:r>
+            <a:r>
+              <a:rPr lang="pt-BR" dirty="0" err="1"/>
+              <a:t>label</a:t>
+            </a:r>
+            <a:endParaRPr lang="pt-BR" dirty="0"/>
+          </a:p>
+          <a:p>
+            <a:pPr marL="171450" indent="-171450">
+              <a:buFont typeface="Wingdings" panose="05000000000000000000" pitchFamily="2" charset="2"/>
+              <a:buChar char="q"/>
+            </a:pPr>
+            <a:r>
+              <a:rPr lang="pt-BR" dirty="0"/>
+              <a:t> </a:t>
+            </a:r>
+            <a:r>
+              <a:rPr lang="pt-BR" dirty="0" err="1"/>
+              <a:t>Tag</a:t>
+            </a:r>
+            <a:r>
+              <a:rPr lang="pt-BR" dirty="0"/>
+              <a:t> do input</a:t>
+            </a:r>
+          </a:p>
+          <a:p>
+            <a:pPr marL="171450" indent="-171450">
+              <a:buFont typeface="Wingdings" panose="05000000000000000000" pitchFamily="2" charset="2"/>
+              <a:buChar char="q"/>
+            </a:pPr>
+            <a:r>
+              <a:rPr lang="pt-BR" dirty="0"/>
+              <a:t> Tipos de input </a:t>
+            </a:r>
+          </a:p>
+          <a:p>
+            <a:pPr marL="171450" indent="-171450">
+              <a:buFont typeface="Wingdings" panose="05000000000000000000" pitchFamily="2" charset="2"/>
+              <a:buChar char="q"/>
+            </a:pPr>
+            <a:r>
+              <a:rPr lang="pt-BR" dirty="0"/>
+              <a:t> Relação entre uma </a:t>
+            </a:r>
+            <a:r>
+              <a:rPr lang="pt-BR" dirty="0" err="1"/>
+              <a:t>label</a:t>
+            </a:r>
+            <a:r>
+              <a:rPr lang="pt-BR" dirty="0"/>
+              <a:t> e um input.</a:t>
+            </a:r>
+          </a:p>
+          <a:p>
+            <a:pPr marL="171450" indent="-171450">
+              <a:buFont typeface="Wingdings" panose="05000000000000000000" pitchFamily="2" charset="2"/>
+              <a:buChar char="q"/>
+            </a:pPr>
+            <a:r>
+              <a:rPr lang="pt-BR" dirty="0"/>
+              <a:t> Classes novamente</a:t>
+            </a:r>
+          </a:p>
+          <a:p>
+            <a:pPr marL="171450" indent="-171450">
+              <a:buFont typeface="Wingdings" panose="05000000000000000000" pitchFamily="2" charset="2"/>
+              <a:buChar char="q"/>
+            </a:pPr>
+            <a:r>
+              <a:rPr lang="pt-BR" dirty="0"/>
+              <a:t> Input obrigatório</a:t>
+            </a:r>
+          </a:p>
+          <a:p>
+            <a:r>
+              <a:rPr lang="pt-BR" b="1" i="1" dirty="0"/>
+              <a:t> </a:t>
+            </a:r>
+          </a:p>
+        </p:txBody>
+      </p:sp>
+      <p:sp>
+        <p:nvSpPr>
+          <p:cNvPr id="4" name="Espaço Reservado para Conteúdo 2">
+            <a:extLst>
+              <a:ext uri="{FF2B5EF4-FFF2-40B4-BE49-F238E27FC236}">
+                <a16:creationId xmlns:a16="http://schemas.microsoft.com/office/drawing/2014/main" id="{8A4C06D0-39AC-D5C0-9292-294AE46CEBBA}"/>
+              </a:ext>
+            </a:extLst>
+          </p:cNvPr>
+          <p:cNvSpPr txBox="1">
+            <a:spLocks/>
+          </p:cNvSpPr>
+          <p:nvPr/>
+        </p:nvSpPr>
+        <p:spPr>
+          <a:xfrm>
+            <a:off x="4757740" y="1850038"/>
+            <a:ext cx="2940714" cy="4974336"/>
+          </a:xfrm>
+          <a:prstGeom prst="rect">
+            <a:avLst/>
+          </a:prstGeom>
+        </p:spPr>
+        <p:txBody>
+          <a:bodyPr vert="horz" lIns="91440" tIns="45720" rIns="91440" bIns="45720" rtlCol="0">
+            <a:normAutofit/>
+          </a:bodyPr>
+          <a:lstStyle>
+            <a:lvl1pPr marL="0" indent="0" algn="l" defTabSz="914400" rtl="0" eaLnBrk="1" latinLnBrk="0" hangingPunct="1">
+              <a:lnSpc>
+                <a:spcPct val="150000"/>
+              </a:lnSpc>
+              <a:spcBef>
+                <a:spcPts val="1000"/>
+              </a:spcBef>
+              <a:spcAft>
+                <a:spcPts val="1200"/>
+              </a:spcAft>
+              <a:buFontTx/>
+              <a:buNone/>
+              <a:defRPr lang="en-US" sz="1200" kern="1200" smtClean="0">
+                <a:solidFill>
+                  <a:schemeClr val="tx1">
+                    <a:lumMod val="75000"/>
+                    <a:lumOff val="25000"/>
+                  </a:schemeClr>
+                </a:solidFill>
+                <a:latin typeface="+mn-lt"/>
+                <a:ea typeface="+mn-ea"/>
+                <a:cs typeface="+mn-cs"/>
+              </a:defRPr>
+            </a:lvl1pPr>
+            <a:lvl2pPr marL="228600" indent="-228600" algn="l" defTabSz="914400" rtl="0" eaLnBrk="1" latinLnBrk="0" hangingPunct="1">
+              <a:lnSpc>
+                <a:spcPct val="150000"/>
+              </a:lnSpc>
+              <a:spcBef>
+                <a:spcPts val="1000"/>
+              </a:spcBef>
+              <a:spcAft>
+                <a:spcPts val="1200"/>
+              </a:spcAft>
+              <a:buFont typeface="Arial" panose="020B0604020202020204" pitchFamily="34" charset="0"/>
+              <a:buChar char="•"/>
+              <a:defRPr lang="en-US" sz="1200" kern="1200" smtClean="0">
+                <a:solidFill>
+                  <a:schemeClr val="tx1">
+                    <a:lumMod val="75000"/>
+                    <a:lumOff val="25000"/>
+                  </a:schemeClr>
+                </a:solidFill>
+                <a:latin typeface="+mn-lt"/>
+                <a:ea typeface="+mn-ea"/>
+                <a:cs typeface="+mn-cs"/>
+              </a:defRPr>
+            </a:lvl2pPr>
+            <a:lvl3pPr marL="685800" indent="-228600" algn="l" defTabSz="914400" rtl="0" eaLnBrk="1" latinLnBrk="0" hangingPunct="1">
+              <a:lnSpc>
+                <a:spcPct val="150000"/>
+              </a:lnSpc>
+              <a:spcBef>
+                <a:spcPts val="1000"/>
+              </a:spcBef>
+              <a:spcAft>
+                <a:spcPts val="1200"/>
+              </a:spcAft>
+              <a:buFont typeface="Arial" panose="020B0604020202020204" pitchFamily="34" charset="0"/>
+              <a:buChar char="•"/>
+              <a:defRPr lang="en-US" sz="1200" kern="1200" smtClean="0">
+                <a:solidFill>
+                  <a:schemeClr val="tx1">
+                    <a:lumMod val="75000"/>
+                    <a:lumOff val="25000"/>
+                  </a:schemeClr>
+                </a:solidFill>
+                <a:latin typeface="+mn-lt"/>
+                <a:ea typeface="+mn-ea"/>
+                <a:cs typeface="+mn-cs"/>
+              </a:defRPr>
+            </a:lvl3pPr>
+            <a:lvl4pPr marL="1143000" indent="-228600" algn="l" defTabSz="914400" rtl="0" eaLnBrk="1" latinLnBrk="0" hangingPunct="1">
+              <a:lnSpc>
+                <a:spcPct val="150000"/>
+              </a:lnSpc>
+              <a:spcBef>
+                <a:spcPts val="1000"/>
+              </a:spcBef>
+              <a:spcAft>
+                <a:spcPts val="1200"/>
+              </a:spcAft>
+              <a:buFont typeface="Arial" panose="020B0604020202020204" pitchFamily="34" charset="0"/>
+              <a:buChar char="•"/>
+              <a:defRPr lang="en-US" sz="1200" kern="1200" smtClean="0">
+                <a:solidFill>
+                  <a:schemeClr val="tx1">
+                    <a:lumMod val="75000"/>
+                    <a:lumOff val="25000"/>
+                  </a:schemeClr>
+                </a:solidFill>
+                <a:latin typeface="+mn-lt"/>
+                <a:ea typeface="+mn-ea"/>
+                <a:cs typeface="+mn-cs"/>
+              </a:defRPr>
+            </a:lvl4pPr>
+            <a:lvl5pPr marL="1600200" indent="-228600" algn="l" defTabSz="914400" rtl="0" eaLnBrk="1" latinLnBrk="0" hangingPunct="1">
+              <a:lnSpc>
+                <a:spcPct val="150000"/>
+              </a:lnSpc>
+              <a:spcBef>
+                <a:spcPts val="1000"/>
+              </a:spcBef>
+              <a:spcAft>
+                <a:spcPts val="1200"/>
+              </a:spcAft>
+              <a:buFont typeface="Arial" panose="020B0604020202020204" pitchFamily="34" charset="0"/>
+              <a:buChar char="•"/>
+              <a:defRPr lang="en-US" sz="1200" kern="1200">
+                <a:solidFill>
+                  <a:schemeClr val="tx1">
+                    <a:lumMod val="75000"/>
+                    <a:lumOff val="25000"/>
+                  </a:schemeClr>
+                </a:solidFill>
+                <a:latin typeface="+mn-lt"/>
+                <a:ea typeface="+mn-ea"/>
+                <a:cs typeface="+mn-cs"/>
+              </a:defRPr>
+            </a:lvl5pPr>
+            <a:lvl6pPr marL="2057400" indent="-228600" algn="l" defTabSz="914400" rtl="0" eaLnBrk="1" latinLnBrk="0" hangingPunct="1">
+              <a:lnSpc>
+                <a:spcPct val="150000"/>
+              </a:lnSpc>
+              <a:spcBef>
+                <a:spcPts val="1000"/>
+              </a:spcBef>
+              <a:spcAft>
+                <a:spcPts val="1200"/>
+              </a:spcAft>
+              <a:buFont typeface="Arial" panose="020B0604020202020204" pitchFamily="34" charset="0"/>
+              <a:buChar char="•"/>
+              <a:defRPr lang="en-US" sz="1200" kern="1200" dirty="0" smtClean="0">
+                <a:solidFill>
+                  <a:schemeClr val="tx1"/>
+                </a:solidFill>
+                <a:latin typeface="+mn-lt"/>
+                <a:ea typeface="+mn-ea"/>
+                <a:cs typeface="+mn-cs"/>
+              </a:defRPr>
+            </a:lvl6pPr>
+            <a:lvl7pPr marL="2514600" indent="-228600" algn="l" defTabSz="914400" rtl="0" eaLnBrk="1" latinLnBrk="0" hangingPunct="1">
+              <a:lnSpc>
+                <a:spcPct val="150000"/>
+              </a:lnSpc>
+              <a:spcBef>
+                <a:spcPts val="1000"/>
+              </a:spcBef>
+              <a:spcAft>
+                <a:spcPts val="1200"/>
+              </a:spcAft>
+              <a:buFont typeface="Arial" panose="020B0604020202020204" pitchFamily="34" charset="0"/>
+              <a:buChar char="•"/>
+              <a:defRPr lang="en-US" sz="1200" kern="1200" dirty="0" smtClean="0">
+                <a:solidFill>
+                  <a:schemeClr val="tx1"/>
+                </a:solidFill>
+                <a:latin typeface="+mn-lt"/>
+                <a:ea typeface="+mn-ea"/>
+                <a:cs typeface="+mn-cs"/>
+              </a:defRPr>
+            </a:lvl7pPr>
+            <a:lvl8pPr marL="2971800" indent="-228600" algn="l" defTabSz="914400" rtl="0" eaLnBrk="1" latinLnBrk="0" hangingPunct="1">
+              <a:lnSpc>
+                <a:spcPct val="150000"/>
+              </a:lnSpc>
+              <a:spcBef>
+                <a:spcPts val="1000"/>
+              </a:spcBef>
+              <a:spcAft>
+                <a:spcPts val="1200"/>
+              </a:spcAft>
+              <a:buFont typeface="Arial" panose="020B0604020202020204" pitchFamily="34" charset="0"/>
+              <a:buChar char="•"/>
+              <a:defRPr lang="en-US" sz="1200" kern="1200" dirty="0" smtClean="0">
+                <a:solidFill>
+                  <a:schemeClr val="tx1"/>
+                </a:solidFill>
+                <a:latin typeface="+mn-lt"/>
+                <a:ea typeface="+mn-ea"/>
+                <a:cs typeface="+mn-cs"/>
+              </a:defRPr>
+            </a:lvl8pPr>
+            <a:lvl9pPr marL="3429000" indent="-228600" algn="l" defTabSz="914400" rtl="0" eaLnBrk="1" latinLnBrk="0" hangingPunct="1">
+              <a:lnSpc>
+                <a:spcPct val="90000"/>
+              </a:lnSpc>
+              <a:spcBef>
+                <a:spcPct val="30000"/>
+              </a:spcBef>
+              <a:buFont typeface="Arial" panose="020B0604020202020204" pitchFamily="34" charset="0"/>
+              <a:buNone/>
+              <a:defRPr sz="1200" kern="1200">
+                <a:solidFill>
+                  <a:schemeClr val="tx1"/>
+                </a:solidFill>
+                <a:latin typeface="+mn-lt"/>
+                <a:ea typeface="+mn-ea"/>
+                <a:cs typeface="+mn-cs"/>
+              </a:defRPr>
+            </a:lvl9pPr>
+          </a:lstStyle>
+          <a:p>
+            <a:pPr marL="171450" indent="-171450">
+              <a:buFont typeface="Wingdings" panose="05000000000000000000" pitchFamily="2" charset="2"/>
+              <a:buChar char="q"/>
+            </a:pPr>
+            <a:r>
+              <a:rPr lang="pt-BR" sz="1100" dirty="0"/>
+              <a:t> Texto de exemplo no input</a:t>
+            </a:r>
+          </a:p>
+          <a:p>
+            <a:pPr marL="171450" indent="-171450">
+              <a:buFont typeface="Wingdings" panose="05000000000000000000" pitchFamily="2" charset="2"/>
+              <a:buChar char="q"/>
+            </a:pPr>
+            <a:r>
+              <a:rPr lang="pt-BR" sz="1100" dirty="0"/>
+              <a:t> Criação de caixa para o usuário escrever um texto</a:t>
+            </a:r>
+          </a:p>
+          <a:p>
+            <a:pPr marL="171450" indent="-171450">
+              <a:buFont typeface="Wingdings" panose="05000000000000000000" pitchFamily="2" charset="2"/>
+              <a:buChar char="q"/>
+            </a:pPr>
+            <a:r>
+              <a:rPr lang="pt-BR" sz="1100" dirty="0"/>
+              <a:t> Criação de boa semântica dentro do formulário com o </a:t>
+            </a:r>
+            <a:r>
+              <a:rPr lang="pt-BR" sz="1100" dirty="0" err="1"/>
+              <a:t>fieldset</a:t>
+            </a:r>
+            <a:r>
+              <a:rPr lang="pt-BR" sz="1100" dirty="0"/>
+              <a:t> e com o </a:t>
+            </a:r>
+            <a:r>
+              <a:rPr lang="pt-BR" sz="1100" dirty="0" err="1"/>
+              <a:t>legend</a:t>
+            </a:r>
+            <a:endParaRPr lang="pt-BR" sz="1100" dirty="0"/>
+          </a:p>
+          <a:p>
+            <a:pPr marL="171450" indent="-171450">
+              <a:buFont typeface="Wingdings" panose="05000000000000000000" pitchFamily="2" charset="2"/>
+              <a:buChar char="q"/>
+            </a:pPr>
+            <a:r>
+              <a:rPr lang="pt-BR" sz="1100" dirty="0"/>
+              <a:t> Criação de um tipo, uma seleção de várias opções dentro do formulário</a:t>
+            </a:r>
+          </a:p>
+          <a:p>
+            <a:pPr marL="171450" indent="-171450">
+              <a:buFont typeface="Wingdings" panose="05000000000000000000" pitchFamily="2" charset="2"/>
+              <a:buChar char="q"/>
+            </a:pPr>
+            <a:r>
+              <a:rPr lang="pt-BR" sz="1100" dirty="0"/>
+              <a:t> Uso </a:t>
+            </a:r>
+            <a:r>
+              <a:rPr lang="pt-BR" sz="1100" dirty="0" err="1"/>
+              <a:t>checkbox</a:t>
+            </a:r>
+            <a:r>
+              <a:rPr lang="pt-BR" sz="1100" dirty="0"/>
+              <a:t>, os input do tipo radio</a:t>
+            </a:r>
+          </a:p>
+          <a:p>
+            <a:pPr marL="171450" indent="-171450">
+              <a:buFont typeface="Wingdings" panose="05000000000000000000" pitchFamily="2" charset="2"/>
+              <a:buChar char="q"/>
+            </a:pPr>
+            <a:r>
+              <a:rPr lang="pt-BR" sz="1100" dirty="0"/>
+              <a:t> Criação de um botão e estilização.</a:t>
+            </a:r>
+          </a:p>
+          <a:p>
+            <a:pPr marL="171450" indent="-171450">
+              <a:buFont typeface="Wingdings" panose="05000000000000000000" pitchFamily="2" charset="2"/>
+              <a:buChar char="q"/>
+            </a:pPr>
+            <a:r>
+              <a:rPr lang="pt-BR" sz="1100" dirty="0"/>
+              <a:t> Tabela semântica</a:t>
+            </a:r>
+          </a:p>
+        </p:txBody>
+      </p:sp>
+      <p:sp>
+        <p:nvSpPr>
+          <p:cNvPr id="5" name="Espaço Reservado para Conteúdo 2">
+            <a:extLst>
+              <a:ext uri="{FF2B5EF4-FFF2-40B4-BE49-F238E27FC236}">
+                <a16:creationId xmlns:a16="http://schemas.microsoft.com/office/drawing/2014/main" id="{B3DE9F4F-FC53-A3EE-D331-842B5DB40FD7}"/>
+              </a:ext>
+            </a:extLst>
+          </p:cNvPr>
+          <p:cNvSpPr txBox="1">
+            <a:spLocks/>
+          </p:cNvSpPr>
+          <p:nvPr/>
+        </p:nvSpPr>
+        <p:spPr>
+          <a:xfrm>
+            <a:off x="8513459" y="1850038"/>
+            <a:ext cx="2754309" cy="4974336"/>
+          </a:xfrm>
+          <a:prstGeom prst="rect">
+            <a:avLst/>
+          </a:prstGeom>
+        </p:spPr>
+        <p:txBody>
+          <a:bodyPr vert="horz" lIns="91440" tIns="45720" rIns="91440" bIns="45720" rtlCol="0">
+            <a:normAutofit/>
+          </a:bodyPr>
+          <a:lstStyle>
+            <a:lvl1pPr marL="0" indent="0" algn="l" defTabSz="914400" rtl="0" eaLnBrk="1" latinLnBrk="0" hangingPunct="1">
+              <a:lnSpc>
+                <a:spcPct val="150000"/>
+              </a:lnSpc>
+              <a:spcBef>
+                <a:spcPts val="1000"/>
+              </a:spcBef>
+              <a:spcAft>
+                <a:spcPts val="1200"/>
+              </a:spcAft>
+              <a:buFontTx/>
+              <a:buNone/>
+              <a:defRPr lang="en-US" sz="1200" kern="1200" smtClean="0">
+                <a:solidFill>
+                  <a:schemeClr val="tx1">
+                    <a:lumMod val="75000"/>
+                    <a:lumOff val="25000"/>
+                  </a:schemeClr>
+                </a:solidFill>
+                <a:latin typeface="+mn-lt"/>
+                <a:ea typeface="+mn-ea"/>
+                <a:cs typeface="+mn-cs"/>
+              </a:defRPr>
+            </a:lvl1pPr>
+            <a:lvl2pPr marL="228600" indent="-228600" algn="l" defTabSz="914400" rtl="0" eaLnBrk="1" latinLnBrk="0" hangingPunct="1">
+              <a:lnSpc>
+                <a:spcPct val="150000"/>
+              </a:lnSpc>
+              <a:spcBef>
+                <a:spcPts val="1000"/>
+              </a:spcBef>
+              <a:spcAft>
+                <a:spcPts val="1200"/>
+              </a:spcAft>
+              <a:buFont typeface="Arial" panose="020B0604020202020204" pitchFamily="34" charset="0"/>
+              <a:buChar char="•"/>
+              <a:defRPr lang="en-US" sz="1200" kern="1200" smtClean="0">
+                <a:solidFill>
+                  <a:schemeClr val="tx1">
+                    <a:lumMod val="75000"/>
+                    <a:lumOff val="25000"/>
+                  </a:schemeClr>
+                </a:solidFill>
+                <a:latin typeface="+mn-lt"/>
+                <a:ea typeface="+mn-ea"/>
+                <a:cs typeface="+mn-cs"/>
+              </a:defRPr>
+            </a:lvl2pPr>
+            <a:lvl3pPr marL="685800" indent="-228600" algn="l" defTabSz="914400" rtl="0" eaLnBrk="1" latinLnBrk="0" hangingPunct="1">
+              <a:lnSpc>
+                <a:spcPct val="150000"/>
+              </a:lnSpc>
+              <a:spcBef>
+                <a:spcPts val="1000"/>
+              </a:spcBef>
+              <a:spcAft>
+                <a:spcPts val="1200"/>
+              </a:spcAft>
+              <a:buFont typeface="Arial" panose="020B0604020202020204" pitchFamily="34" charset="0"/>
+              <a:buChar char="•"/>
+              <a:defRPr lang="en-US" sz="1200" kern="1200" smtClean="0">
+                <a:solidFill>
+                  <a:schemeClr val="tx1">
+                    <a:lumMod val="75000"/>
+                    <a:lumOff val="25000"/>
+                  </a:schemeClr>
+                </a:solidFill>
+                <a:latin typeface="+mn-lt"/>
+                <a:ea typeface="+mn-ea"/>
+                <a:cs typeface="+mn-cs"/>
+              </a:defRPr>
+            </a:lvl3pPr>
+            <a:lvl4pPr marL="1143000" indent="-228600" algn="l" defTabSz="914400" rtl="0" eaLnBrk="1" latinLnBrk="0" hangingPunct="1">
+              <a:lnSpc>
+                <a:spcPct val="150000"/>
+              </a:lnSpc>
+              <a:spcBef>
+                <a:spcPts val="1000"/>
+              </a:spcBef>
+              <a:spcAft>
+                <a:spcPts val="1200"/>
+              </a:spcAft>
+              <a:buFont typeface="Arial" panose="020B0604020202020204" pitchFamily="34" charset="0"/>
+              <a:buChar char="•"/>
+              <a:defRPr lang="en-US" sz="1200" kern="1200" smtClean="0">
+                <a:solidFill>
+                  <a:schemeClr val="tx1">
+                    <a:lumMod val="75000"/>
+                    <a:lumOff val="25000"/>
+                  </a:schemeClr>
+                </a:solidFill>
+                <a:latin typeface="+mn-lt"/>
+                <a:ea typeface="+mn-ea"/>
+                <a:cs typeface="+mn-cs"/>
+              </a:defRPr>
+            </a:lvl4pPr>
+            <a:lvl5pPr marL="1600200" indent="-228600" algn="l" defTabSz="914400" rtl="0" eaLnBrk="1" latinLnBrk="0" hangingPunct="1">
+              <a:lnSpc>
+                <a:spcPct val="150000"/>
+              </a:lnSpc>
+              <a:spcBef>
+                <a:spcPts val="1000"/>
+              </a:spcBef>
+              <a:spcAft>
+                <a:spcPts val="1200"/>
+              </a:spcAft>
+              <a:buFont typeface="Arial" panose="020B0604020202020204" pitchFamily="34" charset="0"/>
+              <a:buChar char="•"/>
+              <a:defRPr lang="en-US" sz="1200" kern="1200">
+                <a:solidFill>
+                  <a:schemeClr val="tx1">
+                    <a:lumMod val="75000"/>
+                    <a:lumOff val="25000"/>
+                  </a:schemeClr>
+                </a:solidFill>
+                <a:latin typeface="+mn-lt"/>
+                <a:ea typeface="+mn-ea"/>
+                <a:cs typeface="+mn-cs"/>
+              </a:defRPr>
+            </a:lvl5pPr>
+            <a:lvl6pPr marL="2057400" indent="-228600" algn="l" defTabSz="914400" rtl="0" eaLnBrk="1" latinLnBrk="0" hangingPunct="1">
+              <a:lnSpc>
+                <a:spcPct val="150000"/>
+              </a:lnSpc>
+              <a:spcBef>
+                <a:spcPts val="1000"/>
+              </a:spcBef>
+              <a:spcAft>
+                <a:spcPts val="1200"/>
+              </a:spcAft>
+              <a:buFont typeface="Arial" panose="020B0604020202020204" pitchFamily="34" charset="0"/>
+              <a:buChar char="•"/>
+              <a:defRPr lang="en-US" sz="1200" kern="1200" dirty="0" smtClean="0">
+                <a:solidFill>
+                  <a:schemeClr val="tx1"/>
+                </a:solidFill>
+                <a:latin typeface="+mn-lt"/>
+                <a:ea typeface="+mn-ea"/>
+                <a:cs typeface="+mn-cs"/>
+              </a:defRPr>
+            </a:lvl6pPr>
+            <a:lvl7pPr marL="2514600" indent="-228600" algn="l" defTabSz="914400" rtl="0" eaLnBrk="1" latinLnBrk="0" hangingPunct="1">
+              <a:lnSpc>
+                <a:spcPct val="150000"/>
+              </a:lnSpc>
+              <a:spcBef>
+                <a:spcPts val="1000"/>
+              </a:spcBef>
+              <a:spcAft>
+                <a:spcPts val="1200"/>
+              </a:spcAft>
+              <a:buFont typeface="Arial" panose="020B0604020202020204" pitchFamily="34" charset="0"/>
+              <a:buChar char="•"/>
+              <a:defRPr lang="en-US" sz="1200" kern="1200" dirty="0" smtClean="0">
+                <a:solidFill>
+                  <a:schemeClr val="tx1"/>
+                </a:solidFill>
+                <a:latin typeface="+mn-lt"/>
+                <a:ea typeface="+mn-ea"/>
+                <a:cs typeface="+mn-cs"/>
+              </a:defRPr>
+            </a:lvl7pPr>
+            <a:lvl8pPr marL="2971800" indent="-228600" algn="l" defTabSz="914400" rtl="0" eaLnBrk="1" latinLnBrk="0" hangingPunct="1">
+              <a:lnSpc>
+                <a:spcPct val="150000"/>
+              </a:lnSpc>
+              <a:spcBef>
+                <a:spcPts val="1000"/>
+              </a:spcBef>
+              <a:spcAft>
+                <a:spcPts val="1200"/>
+              </a:spcAft>
+              <a:buFont typeface="Arial" panose="020B0604020202020204" pitchFamily="34" charset="0"/>
+              <a:buChar char="•"/>
+              <a:defRPr lang="en-US" sz="1200" kern="1200" dirty="0" smtClean="0">
+                <a:solidFill>
+                  <a:schemeClr val="tx1"/>
+                </a:solidFill>
+                <a:latin typeface="+mn-lt"/>
+                <a:ea typeface="+mn-ea"/>
+                <a:cs typeface="+mn-cs"/>
+              </a:defRPr>
+            </a:lvl8pPr>
+            <a:lvl9pPr marL="3429000" indent="-228600" algn="l" defTabSz="914400" rtl="0" eaLnBrk="1" latinLnBrk="0" hangingPunct="1">
+              <a:lnSpc>
+                <a:spcPct val="90000"/>
+              </a:lnSpc>
+              <a:spcBef>
+                <a:spcPct val="30000"/>
+              </a:spcBef>
+              <a:buFont typeface="Arial" panose="020B0604020202020204" pitchFamily="34" charset="0"/>
+              <a:buNone/>
+              <a:defRPr sz="1200" kern="1200">
+                <a:solidFill>
+                  <a:schemeClr val="tx1"/>
+                </a:solidFill>
+                <a:latin typeface="+mn-lt"/>
+                <a:ea typeface="+mn-ea"/>
+                <a:cs typeface="+mn-cs"/>
+              </a:defRPr>
+            </a:lvl9pPr>
+          </a:lstStyle>
+          <a:p>
+            <a:pPr marL="171450" indent="-171450">
+              <a:buFont typeface="Wingdings" panose="05000000000000000000" pitchFamily="2" charset="2"/>
+              <a:buChar char="q"/>
+            </a:pPr>
+            <a:r>
+              <a:rPr lang="pt-BR" sz="1100" dirty="0"/>
+              <a:t> Criação de duplicação do mesmo estilo para dois elementos</a:t>
+            </a:r>
+          </a:p>
+          <a:p>
+            <a:pPr marL="171450" indent="-171450">
+              <a:buFont typeface="Wingdings" panose="05000000000000000000" pitchFamily="2" charset="2"/>
+              <a:buChar char="q"/>
+            </a:pPr>
+            <a:r>
+              <a:rPr lang="pt-BR" sz="1100" dirty="0"/>
+              <a:t> Uso do display </a:t>
+            </a:r>
+            <a:r>
+              <a:rPr lang="pt-BR" sz="1100" dirty="0" err="1"/>
+              <a:t>block</a:t>
+            </a:r>
+            <a:endParaRPr lang="pt-BR" sz="1100" dirty="0"/>
+          </a:p>
+          <a:p>
+            <a:pPr marL="171450" indent="-171450">
+              <a:buFont typeface="Wingdings" panose="05000000000000000000" pitchFamily="2" charset="2"/>
+              <a:buChar char="q"/>
+            </a:pPr>
+            <a:r>
+              <a:rPr lang="pt-BR" sz="1100" dirty="0"/>
+              <a:t> Uso das fontes e dos espaçamentos</a:t>
+            </a:r>
+          </a:p>
+          <a:p>
+            <a:pPr marL="171450" indent="-171450">
+              <a:buFont typeface="Wingdings" panose="05000000000000000000" pitchFamily="2" charset="2"/>
+              <a:buChar char="q"/>
+            </a:pPr>
+            <a:r>
+              <a:rPr lang="pt-BR" sz="1100" dirty="0"/>
+              <a:t> Criação de transições e transformações nos elementos. </a:t>
+            </a:r>
+          </a:p>
+        </p:txBody>
+      </p:sp>
+    </p:spTree>
+    <p:extLst>
+      <p:ext uri="{BB962C8B-B14F-4D97-AF65-F5344CB8AC3E}">
+        <p14:creationId xmlns:p14="http://schemas.microsoft.com/office/powerpoint/2010/main" val="875174023"/>
       </p:ext>
     </p:extLst>
   </p:cSld>

--- a/Trilhas/[Iniciante em Programação T5 - ONE]/Material/05.HTML5_e_CSS3-parte_3.pptx
+++ b/Trilhas/[Iniciante em Programação T5 - ONE]/Material/05.HTML5_e_CSS3-parte_3.pptx
@@ -133,7 +133,7 @@
   <p:extLst>
     <p:ext uri="{521415D9-36F7-43E2-AB2F-B90AF26B5E84}">
       <p14:sectionLst xmlns:p14="http://schemas.microsoft.com/office/powerpoint/2010/main">
-        <p14:section name="HTML5 e CSS3: parte 2" id="{E75E278A-FF0E-49A4-B170-79828D63BBAD}">
+        <p14:section name="HTML5 e CSS3: parte 3" id="{E75E278A-FF0E-49A4-B170-79828D63BBAD}">
           <p14:sldIdLst>
             <p14:sldId id="256"/>
             <p14:sldId id="286"/>
